--- a/产业发展模块/产业发展部分.pptx
+++ b/产业发展模块/产业发展部分.pptx
@@ -10,10 +10,14 @@
   <p:sldIdLst>
     <p:sldId id="256" r:id="rId3"/>
     <p:sldId id="258" r:id="rId4"/>
-    <p:sldId id="259" r:id="rId6"/>
-    <p:sldId id="260" r:id="rId7"/>
-    <p:sldId id="261" r:id="rId8"/>
-    <p:sldId id="262" r:id="rId9"/>
+    <p:sldId id="263" r:id="rId6"/>
+    <p:sldId id="259" r:id="rId7"/>
+    <p:sldId id="264" r:id="rId8"/>
+    <p:sldId id="260" r:id="rId9"/>
+    <p:sldId id="265" r:id="rId10"/>
+    <p:sldId id="261" r:id="rId11"/>
+    <p:sldId id="266" r:id="rId12"/>
+    <p:sldId id="262" r:id="rId13"/>
   </p:sldIdLst>
   <p:sldSz cx="12192000" cy="6858000"/>
   <p:notesSz cx="6858000" cy="9144000"/>
@@ -498,13 +502,7 @@
               <a:rPr lang="zh-CN" altLang="en-US">
                 <a:sym typeface="+mn-ea"/>
               </a:rPr>
-              <a:t>大数据可以进行</a:t>
-            </a:r>
-            <a:r>
-              <a:rPr lang="zh-CN" altLang="en-US">
-                <a:sym typeface="+mn-ea"/>
-              </a:rPr>
-              <a:t>相关行业产品需求、销量预测</a:t>
+              <a:t>大数据可以进行相关行业产品需求、销量预测</a:t>
             </a:r>
             <a:endParaRPr lang="zh-CN" altLang="en-US">
               <a:sym typeface="+mn-ea"/>
@@ -586,7 +584,7 @@
               <a:rPr lang="zh-CN" altLang="en-US">
                 <a:sym typeface="+mn-ea"/>
               </a:rPr>
-              <a:t>可以得出的结论是</a:t>
+              <a:t>大数据可以进行相关行业产品需求、销量预测</a:t>
             </a:r>
             <a:endParaRPr lang="zh-CN" altLang="en-US">
               <a:sym typeface="+mn-ea"/>
@@ -597,7 +595,18 @@
               <a:rPr lang="zh-CN" altLang="en-US">
                 <a:sym typeface="+mn-ea"/>
               </a:rPr>
-              <a:t>包括与能源较为紧密的汽车工业，其它产业虽然没有较为直接的联系，但是其分析方法可以应用于所感兴趣的领域</a:t>
+              <a:t>例如Choi H, Varian H（2012）就在文章中使用Google 搜索与机动车有关的数据和自回归模型改善实时预报汽车销量算法的性能</a:t>
+            </a:r>
+            <a:endParaRPr lang="zh-CN" altLang="en-US">
+              <a:sym typeface="+mn-ea"/>
+            </a:endParaRPr>
+          </a:p>
+          <a:p>
+            <a:r>
+              <a:rPr lang="zh-CN" altLang="en-US">
+                <a:sym typeface="+mn-ea"/>
+              </a:rPr>
+              <a:t>对产品需求、销量预测的相关研究总结如下表</a:t>
             </a:r>
             <a:endParaRPr lang="zh-CN" altLang="en-US">
               <a:sym typeface="+mn-ea"/>
@@ -657,29 +666,18 @@
               <a:rPr lang="zh-CN" altLang="en-US">
                 <a:sym typeface="+mn-ea"/>
               </a:rPr>
-              <a:t>相关行业产品价格上，</a:t>
-            </a:r>
+              <a:t>可以得出的结论是</a:t>
+            </a:r>
+            <a:endParaRPr lang="zh-CN" altLang="en-US">
+              <a:sym typeface="+mn-ea"/>
+            </a:endParaRPr>
+          </a:p>
+          <a:p>
             <a:r>
               <a:rPr lang="zh-CN" altLang="en-US">
                 <a:sym typeface="+mn-ea"/>
               </a:rPr>
-              <a:t>房地产行业得到了充分的关注。不少学者检验了搜索大数据与房地产价格指数的关系，并使用搜索大数据预测中国各大城市的二手房价格和新房价格，取得了较好的拟合和预测效果，并具有时效性。例如董倩（2014）以北京、上海、广州、南京、沈阳和西安 6 个大中 城市的二手房价格和新房价格为研究对象,以百度搜索指数为数据基础,首先选出了对价格变动影响最大的关键词;然后采用交叉验证技术,运用随机森林等 8 种模型进行预测，最终在 成功地预测了 6 个城市的价格指数。月度结果比官方数据发布提前约两周。</a:t>
-            </a:r>
-            <a:endParaRPr lang="zh-CN" altLang="en-US">
-              <a:sym typeface="+mn-ea"/>
-            </a:endParaRPr>
-          </a:p>
-          <a:p>
-            <a:endParaRPr lang="zh-CN" altLang="en-US">
-              <a:sym typeface="+mn-ea"/>
-            </a:endParaRPr>
-          </a:p>
-          <a:p>
-            <a:r>
-              <a:rPr lang="zh-CN" altLang="en-US">
-                <a:sym typeface="+mn-ea"/>
-              </a:rPr>
-              <a:t>总结相关研究发现，其主要采用的也是前面所说的搜索指数的方法。</a:t>
+              <a:t>包括与能源较为紧密的汽车工业，其它产业虽然没有较为直接的联系，但是其分析方法可以应用于所感兴趣的领域</a:t>
             </a:r>
             <a:endParaRPr lang="zh-CN" altLang="en-US">
               <a:sym typeface="+mn-ea"/>
@@ -739,30 +737,23 @@
               <a:rPr lang="zh-CN" altLang="en-US">
                 <a:sym typeface="+mn-ea"/>
               </a:rPr>
-              <a:t>资源能源的需求和价格往往区别于其他相关行业产品</a:t>
-            </a:r>
+              <a:t>相关行业产品价格上，房地产行业得到了充分的关注。不少学者检验了搜索大数据与房地产价格指数的关系，并使用搜索大数据预测中国各大城市的二手房价格和新房价格，取得了较好的拟合和预测效果，并具有时效性。例如董倩（2014）以北京、上海、广州、南京、沈阳和西安 6 个大中 城市的二手房价格和新房价格为研究对象,以百度搜索指数为数据基础,首先选出了对价格变动影响最大的关键词;然后采用交叉验证技术,运用随机森林等 8 种模型进行预测，最终在 成功地预测了 6 个城市的价格指数。月度结果比官方数据发布提前约两周。</a:t>
+            </a:r>
+            <a:endParaRPr lang="zh-CN" altLang="en-US">
+              <a:sym typeface="+mn-ea"/>
+            </a:endParaRPr>
+          </a:p>
+          <a:p>
+            <a:endParaRPr lang="zh-CN" altLang="en-US">
+              <a:sym typeface="+mn-ea"/>
+            </a:endParaRPr>
+          </a:p>
+          <a:p>
             <a:r>
               <a:rPr lang="zh-CN" altLang="en-US">
                 <a:sym typeface="+mn-ea"/>
               </a:rPr>
-              <a:t>需求和价格</a:t>
-            </a:r>
-            <a:r>
-              <a:rPr lang="zh-CN" altLang="en-US">
-                <a:sym typeface="+mn-ea"/>
-              </a:rPr>
-              <a:t>，并且也是我们直接关心的对象。</a:t>
-            </a:r>
-            <a:endParaRPr lang="zh-CN" altLang="en-US">
-              <a:sym typeface="+mn-ea"/>
-            </a:endParaRPr>
-          </a:p>
-          <a:p>
-            <a:r>
-              <a:rPr lang="zh-CN" altLang="en-US">
-                <a:sym typeface="+mn-ea"/>
-              </a:rPr>
-              <a:t>目前资源能源需求与大数据的结合上，国内的一些研究集中在构建大数据在电力需求侧的应用模型，解决电力大数据在数据采集、传输、存储以及分析上的总体框架设计，如上图所示的一种模型。国外的研究也提供了类似的设计，并且进一步提出了基于map/reduce的线性回归等模型，以前期电力消费数据预测能源的消费与需求，测试效果显示预测与真实值十分接近，并且在速度上有优势。</a:t>
+              <a:t>总结相关研究发现，其主要采用的也是前面所说的搜索指数的方法。</a:t>
             </a:r>
             <a:endParaRPr lang="zh-CN" altLang="en-US">
               <a:sym typeface="+mn-ea"/>
@@ -787,6 +778,307 @@
 </file>
 
 <file path=ppt/notesSlides/notesSlide5.xml><?xml version="1.0" encoding="utf-8"?>
+<p:notes xmlns:a="http://schemas.openxmlformats.org/drawingml/2006/main" xmlns:r="http://schemas.openxmlformats.org/officeDocument/2006/relationships" xmlns:p="http://schemas.openxmlformats.org/presentationml/2006/main">
+  <p:cSld>
+    <p:spTree>
+      <p:nvGrpSpPr>
+        <p:cNvPr id="1" name=""/>
+        <p:cNvGrpSpPr/>
+        <p:nvPr/>
+      </p:nvGrpSpPr>
+      <p:grpSpPr/>
+      <p:sp>
+        <p:nvSpPr>
+          <p:cNvPr id="2" name="幻灯片图像占位符 1"/>
+          <p:cNvSpPr/>
+          <p:nvPr>
+            <p:ph type="sldImg" idx="2"/>
+          </p:nvPr>
+        </p:nvSpPr>
+        <p:spPr/>
+      </p:sp>
+      <p:sp>
+        <p:nvSpPr>
+          <p:cNvPr id="3" name="文本占位符 2"/>
+          <p:cNvSpPr/>
+          <p:nvPr>
+            <p:ph type="body" idx="3"/>
+          </p:nvPr>
+        </p:nvSpPr>
+        <p:spPr/>
+        <p:txBody>
+          <a:bodyPr/>
+          <a:p>
+            <a:r>
+              <a:rPr lang="zh-CN" altLang="en-US">
+                <a:sym typeface="+mn-ea"/>
+              </a:rPr>
+              <a:t>相关行业产品价格上，房地产行业得到了充分的关注。不少学者检验了搜索大数据与房地产价格指数的关系，并使用搜索大数据预测中国各大城市的二手房价格和新房价格，取得了较好的拟合和预测效果，并具有时效性。例如董倩（2014）以北京、上海、广州、南京、沈阳和西安 6 个大中 城市的二手房价格和新房价格为研究对象,以百度搜索指数为数据基础,首先选出了对价格变动影响最大的关键词;然后采用交叉验证技术,运用随机森林等 8 种模型进行预测，最终在 成功地预测了 6 个城市的价格指数。月度结果比官方数据发布提前约两周。</a:t>
+            </a:r>
+            <a:endParaRPr lang="zh-CN" altLang="en-US">
+              <a:sym typeface="+mn-ea"/>
+            </a:endParaRPr>
+          </a:p>
+          <a:p>
+            <a:endParaRPr lang="zh-CN" altLang="en-US">
+              <a:sym typeface="+mn-ea"/>
+            </a:endParaRPr>
+          </a:p>
+          <a:p>
+            <a:r>
+              <a:rPr lang="zh-CN" altLang="en-US">
+                <a:sym typeface="+mn-ea"/>
+              </a:rPr>
+              <a:t>总结相关研究发现，其主要采用的也是前面所说的搜索指数的方法。</a:t>
+            </a:r>
+            <a:endParaRPr lang="zh-CN" altLang="en-US">
+              <a:sym typeface="+mn-ea"/>
+            </a:endParaRPr>
+          </a:p>
+          <a:p>
+            <a:endParaRPr lang="zh-CN" altLang="en-US">
+              <a:sym typeface="+mn-ea"/>
+            </a:endParaRPr>
+          </a:p>
+          <a:p>
+            <a:endParaRPr lang="zh-CN" altLang="en-US"/>
+          </a:p>
+        </p:txBody>
+      </p:sp>
+    </p:spTree>
+  </p:cSld>
+  <p:clrMapOvr>
+    <a:masterClrMapping/>
+  </p:clrMapOvr>
+</p:notes>
+</file>
+
+<file path=ppt/notesSlides/notesSlide6.xml><?xml version="1.0" encoding="utf-8"?>
+<p:notes xmlns:a="http://schemas.openxmlformats.org/drawingml/2006/main" xmlns:r="http://schemas.openxmlformats.org/officeDocument/2006/relationships" xmlns:p="http://schemas.openxmlformats.org/presentationml/2006/main">
+  <p:cSld>
+    <p:spTree>
+      <p:nvGrpSpPr>
+        <p:cNvPr id="1" name=""/>
+        <p:cNvGrpSpPr/>
+        <p:nvPr/>
+      </p:nvGrpSpPr>
+      <p:grpSpPr/>
+      <p:sp>
+        <p:nvSpPr>
+          <p:cNvPr id="2" name="幻灯片图像占位符 1"/>
+          <p:cNvSpPr/>
+          <p:nvPr>
+            <p:ph type="sldImg" idx="2"/>
+          </p:nvPr>
+        </p:nvSpPr>
+        <p:spPr/>
+      </p:sp>
+      <p:sp>
+        <p:nvSpPr>
+          <p:cNvPr id="3" name="文本占位符 2"/>
+          <p:cNvSpPr/>
+          <p:nvPr>
+            <p:ph type="body" idx="3"/>
+          </p:nvPr>
+        </p:nvSpPr>
+        <p:spPr/>
+        <p:txBody>
+          <a:bodyPr/>
+          <a:p>
+            <a:r>
+              <a:rPr lang="zh-CN" altLang="en-US">
+                <a:sym typeface="+mn-ea"/>
+              </a:rPr>
+              <a:t>资源能源的需求和价格往往区别于其他相关行业产品需求和价格，并且也是我们直接关心的对象。</a:t>
+            </a:r>
+            <a:endParaRPr lang="zh-CN" altLang="en-US">
+              <a:sym typeface="+mn-ea"/>
+            </a:endParaRPr>
+          </a:p>
+          <a:p>
+            <a:r>
+              <a:rPr lang="zh-CN" altLang="en-US">
+                <a:sym typeface="+mn-ea"/>
+              </a:rPr>
+              <a:t>目前资源能源需求与大数据的结合上，国内的一些研究集中在构建大数据在电力需求侧的应用模型，解决电力大数据在数据采集、传输、存储以及分析上的总体框架设计，如上图所示的一种模型。国外的研究也提供了类似的设计，并且进一步提出了基于map/reduce的线性回归等模型，以前期电力消费数据预测能源的消费与需求，测试效果显示预测与真实值十分接近，并且在速度上有优势。</a:t>
+            </a:r>
+            <a:endParaRPr lang="zh-CN" altLang="en-US">
+              <a:sym typeface="+mn-ea"/>
+            </a:endParaRPr>
+          </a:p>
+          <a:p>
+            <a:endParaRPr lang="zh-CN" altLang="en-US">
+              <a:sym typeface="+mn-ea"/>
+            </a:endParaRPr>
+          </a:p>
+          <a:p>
+            <a:endParaRPr lang="zh-CN" altLang="en-US"/>
+          </a:p>
+        </p:txBody>
+      </p:sp>
+    </p:spTree>
+  </p:cSld>
+  <p:clrMapOvr>
+    <a:masterClrMapping/>
+  </p:clrMapOvr>
+</p:notes>
+</file>
+
+<file path=ppt/notesSlides/notesSlide7.xml><?xml version="1.0" encoding="utf-8"?>
+<p:notes xmlns:a="http://schemas.openxmlformats.org/drawingml/2006/main" xmlns:r="http://schemas.openxmlformats.org/officeDocument/2006/relationships" xmlns:p="http://schemas.openxmlformats.org/presentationml/2006/main">
+  <p:cSld>
+    <p:spTree>
+      <p:nvGrpSpPr>
+        <p:cNvPr id="1" name=""/>
+        <p:cNvGrpSpPr/>
+        <p:nvPr/>
+      </p:nvGrpSpPr>
+      <p:grpSpPr/>
+      <p:sp>
+        <p:nvSpPr>
+          <p:cNvPr id="2" name="幻灯片图像占位符 1"/>
+          <p:cNvSpPr/>
+          <p:nvPr>
+            <p:ph type="sldImg" idx="2"/>
+          </p:nvPr>
+        </p:nvSpPr>
+        <p:spPr/>
+      </p:sp>
+      <p:sp>
+        <p:nvSpPr>
+          <p:cNvPr id="3" name="文本占位符 2"/>
+          <p:cNvSpPr/>
+          <p:nvPr>
+            <p:ph type="body" idx="3"/>
+          </p:nvPr>
+        </p:nvSpPr>
+        <p:spPr/>
+        <p:txBody>
+          <a:bodyPr/>
+          <a:p>
+            <a:r>
+              <a:rPr lang="zh-CN" altLang="en-US">
+                <a:sym typeface="+mn-ea"/>
+              </a:rPr>
+              <a:t>资源能源的需求和价格往往区别于其他相关行业产品需求和价格，并且也是我们直接关心的对象。</a:t>
+            </a:r>
+            <a:endParaRPr lang="zh-CN" altLang="en-US">
+              <a:sym typeface="+mn-ea"/>
+            </a:endParaRPr>
+          </a:p>
+          <a:p>
+            <a:r>
+              <a:rPr lang="zh-CN" altLang="en-US">
+                <a:sym typeface="+mn-ea"/>
+              </a:rPr>
+              <a:t>目前资源能源需求与大数据的结合上，国内的一些研究集中在构建大数据在电力需求侧的应用模型，解决电力大数据在数据采集、传输、存储以及分析上的总体框架设计，如上图所示的一种模型。国外的研究也提供了类似的设计，并且进一步提出了基于map/reduce的线性回归等模型，以前期电力消费数据预测能源的消费与需求，测试效果显示预测与真实值十分接近，并且在速度上有优势。</a:t>
+            </a:r>
+            <a:endParaRPr lang="zh-CN" altLang="en-US">
+              <a:sym typeface="+mn-ea"/>
+            </a:endParaRPr>
+          </a:p>
+          <a:p>
+            <a:endParaRPr lang="zh-CN" altLang="en-US">
+              <a:sym typeface="+mn-ea"/>
+            </a:endParaRPr>
+          </a:p>
+          <a:p>
+            <a:endParaRPr lang="zh-CN" altLang="en-US"/>
+          </a:p>
+        </p:txBody>
+      </p:sp>
+    </p:spTree>
+  </p:cSld>
+  <p:clrMapOvr>
+    <a:masterClrMapping/>
+  </p:clrMapOvr>
+</p:notes>
+</file>
+
+<file path=ppt/notesSlides/notesSlide8.xml><?xml version="1.0" encoding="utf-8"?>
+<p:notes xmlns:a="http://schemas.openxmlformats.org/drawingml/2006/main" xmlns:r="http://schemas.openxmlformats.org/officeDocument/2006/relationships" xmlns:p="http://schemas.openxmlformats.org/presentationml/2006/main">
+  <p:cSld>
+    <p:spTree>
+      <p:nvGrpSpPr>
+        <p:cNvPr id="1" name=""/>
+        <p:cNvGrpSpPr/>
+        <p:nvPr/>
+      </p:nvGrpSpPr>
+      <p:grpSpPr/>
+      <p:sp>
+        <p:nvSpPr>
+          <p:cNvPr id="2" name="幻灯片图像占位符 1"/>
+          <p:cNvSpPr/>
+          <p:nvPr>
+            <p:ph type="sldImg" idx="2"/>
+          </p:nvPr>
+        </p:nvSpPr>
+        <p:spPr/>
+      </p:sp>
+      <p:sp>
+        <p:nvSpPr>
+          <p:cNvPr id="3" name="文本占位符 2"/>
+          <p:cNvSpPr/>
+          <p:nvPr>
+            <p:ph type="body" idx="3"/>
+          </p:nvPr>
+        </p:nvSpPr>
+        <p:spPr/>
+        <p:txBody>
+          <a:bodyPr/>
+          <a:p>
+            <a:r>
+              <a:rPr lang="zh-CN" altLang="en-US">
+                <a:sym typeface="+mn-ea"/>
+              </a:rPr>
+              <a:t>价格方面，不少研究进行了国际原油价格走势预测。主要采用新闻情感变化，或搜索数据</a:t>
+            </a:r>
+            <a:r>
+              <a:rPr lang="en-US" altLang="zh-CN">
+                <a:sym typeface="+mn-ea"/>
+              </a:rPr>
+              <a:t>--</a:t>
+            </a:r>
+            <a:r>
+              <a:rPr lang="zh-CN" altLang="en-US">
+                <a:sym typeface="+mn-ea"/>
+              </a:rPr>
+              <a:t>分析投资者关注度</a:t>
+            </a:r>
+            <a:r>
+              <a:rPr lang="en-US" altLang="zh-CN">
+                <a:sym typeface="+mn-ea"/>
+              </a:rPr>
+              <a:t>--</a:t>
+            </a:r>
+            <a:r>
+              <a:rPr lang="zh-CN" altLang="en-US">
+                <a:sym typeface="+mn-ea"/>
+              </a:rPr>
+              <a:t>预测油价。模型方面同样是采用机器学习的方法以及计量经济学的经典方法。在油价的预测方面使用传统数据已经有非常多经验，而实验也表明加入了大数据后确实带来了预测效果的提升。</a:t>
+            </a:r>
+            <a:endParaRPr lang="zh-CN" altLang="en-US">
+              <a:sym typeface="+mn-ea"/>
+            </a:endParaRPr>
+          </a:p>
+          <a:p>
+            <a:r>
+              <a:rPr lang="zh-CN" altLang="en-US"/>
+              <a:t>在电力价格预测上，也有研究对以往的算法进行改进以更好利用电力大数据提高精确度。</a:t>
+            </a:r>
+            <a:endParaRPr lang="zh-CN" altLang="en-US"/>
+          </a:p>
+        </p:txBody>
+      </p:sp>
+    </p:spTree>
+  </p:cSld>
+  <p:clrMapOvr>
+    <a:masterClrMapping/>
+  </p:clrMapOvr>
+</p:notes>
+</file>
+
+<file path=ppt/notesSlides/notesSlide9.xml><?xml version="1.0" encoding="utf-8"?>
 <p:notes xmlns:a="http://schemas.openxmlformats.org/drawingml/2006/main" xmlns:r="http://schemas.openxmlformats.org/officeDocument/2006/relationships" xmlns:p="http://schemas.openxmlformats.org/presentationml/2006/main">
   <p:cSld>
     <p:spTree>
@@ -3720,381 +4012,7 @@
 </p:sld>
 </file>
 
-<file path=ppt/slides/slide2.xml><?xml version="1.0" encoding="utf-8"?>
-<p:sld xmlns:a="http://schemas.openxmlformats.org/drawingml/2006/main" xmlns:r="http://schemas.openxmlformats.org/officeDocument/2006/relationships" xmlns:p="http://schemas.openxmlformats.org/presentationml/2006/main">
-  <p:cSld>
-    <p:spTree>
-      <p:nvGrpSpPr>
-        <p:cNvPr id="1" name=""/>
-        <p:cNvGrpSpPr/>
-        <p:nvPr/>
-      </p:nvGrpSpPr>
-      <p:grpSpPr/>
-      <p:sp>
-        <p:nvSpPr>
-          <p:cNvPr id="2" name="标题 1"/>
-          <p:cNvSpPr>
-            <a:spLocks noGrp="1"/>
-          </p:cNvSpPr>
-          <p:nvPr>
-            <p:ph type="title"/>
-          </p:nvPr>
-        </p:nvSpPr>
-        <p:spPr/>
-        <p:txBody>
-          <a:bodyPr/>
-          <a:p>
-            <a:r>
-              <a:rPr lang="zh-CN" altLang="en-US"/>
-              <a:t>相关行业产品需求、销量</a:t>
-            </a:r>
-            <a:endParaRPr lang="zh-CN" altLang="en-US"/>
-          </a:p>
-        </p:txBody>
-      </p:sp>
-      <p:sp>
-        <p:nvSpPr>
-          <p:cNvPr id="3" name="内容占位符 2"/>
-          <p:cNvSpPr>
-            <a:spLocks noGrp="1"/>
-          </p:cNvSpPr>
-          <p:nvPr>
-            <p:ph idx="1"/>
-          </p:nvPr>
-        </p:nvSpPr>
-        <p:spPr/>
-        <p:txBody>
-          <a:bodyPr/>
-          <a:p>
-            <a:endParaRPr lang="zh-CN" altLang="en-US"/>
-          </a:p>
-        </p:txBody>
-      </p:sp>
-    </p:spTree>
-  </p:cSld>
-  <p:clrMapOvr>
-    <a:masterClrMapping/>
-  </p:clrMapOvr>
-</p:sld>
-</file>
-
-<file path=ppt/slides/slide3.xml><?xml version="1.0" encoding="utf-8"?>
-<p:sld xmlns:a="http://schemas.openxmlformats.org/drawingml/2006/main" xmlns:r="http://schemas.openxmlformats.org/officeDocument/2006/relationships" xmlns:p="http://schemas.openxmlformats.org/presentationml/2006/main">
-  <p:cSld>
-    <p:spTree>
-      <p:nvGrpSpPr>
-        <p:cNvPr id="1" name=""/>
-        <p:cNvGrpSpPr/>
-        <p:nvPr/>
-      </p:nvGrpSpPr>
-      <p:grpSpPr/>
-      <p:sp>
-        <p:nvSpPr>
-          <p:cNvPr id="2" name="标题 1"/>
-          <p:cNvSpPr>
-            <a:spLocks noGrp="1"/>
-          </p:cNvSpPr>
-          <p:nvPr>
-            <p:ph type="title"/>
-          </p:nvPr>
-        </p:nvSpPr>
-        <p:spPr/>
-        <p:txBody>
-          <a:bodyPr/>
-          <a:p>
-            <a:r>
-              <a:rPr lang="zh-CN" altLang="en-US"/>
-              <a:t>相关行业产品需求、销量</a:t>
-            </a:r>
-            <a:endParaRPr lang="zh-CN" altLang="en-US"/>
-          </a:p>
-        </p:txBody>
-      </p:sp>
-      <p:sp>
-        <p:nvSpPr>
-          <p:cNvPr id="3" name="内容占位符 2"/>
-          <p:cNvSpPr>
-            <a:spLocks noGrp="1"/>
-          </p:cNvSpPr>
-          <p:nvPr>
-            <p:ph idx="1"/>
-          </p:nvPr>
-        </p:nvSpPr>
-        <p:spPr/>
-        <p:txBody>
-          <a:bodyPr/>
-          <a:p>
-            <a:r>
-              <a:rPr lang="zh-CN" altLang="en-US"/>
-              <a:t>涉及行业：</a:t>
-            </a:r>
-            <a:endParaRPr lang="zh-CN" altLang="en-US"/>
-          </a:p>
-          <a:p>
-            <a:r>
-              <a:rPr lang="zh-CN" altLang="en-US"/>
-              <a:t>文化产业（电影、游戏和唱片等）、电信业、汽车工业、农业</a:t>
-            </a:r>
-            <a:endParaRPr lang="zh-CN" altLang="en-US"/>
-          </a:p>
-          <a:p>
-            <a:endParaRPr lang="zh-CN" altLang="en-US"/>
-          </a:p>
-          <a:p>
-            <a:r>
-              <a:rPr lang="zh-CN" altLang="en-US"/>
-              <a:t>研究路线：</a:t>
-            </a:r>
-            <a:endParaRPr lang="zh-CN" altLang="en-US"/>
-          </a:p>
-          <a:p>
-            <a:r>
-              <a:rPr lang="zh-CN" altLang="en-US"/>
-              <a:t>搜索大数据</a:t>
-            </a:r>
-            <a:r>
-              <a:rPr lang="en-US" altLang="zh-CN"/>
-              <a:t>--</a:t>
-            </a:r>
-            <a:r>
-              <a:rPr lang="zh-CN" altLang="en-US"/>
-              <a:t>行业、产品相关关键词，得出搜索指数，加入传统统计、经济学模型，</a:t>
-            </a:r>
-            <a:r>
-              <a:rPr lang="en-US" altLang="zh-CN"/>
-              <a:t>--</a:t>
-            </a:r>
-            <a:r>
-              <a:rPr lang="zh-CN" altLang="en-US"/>
-              <a:t>消费者在</a:t>
-            </a:r>
-            <a:r>
-              <a:rPr lang="en-US" altLang="zh-CN"/>
-              <a:t>需求准备期</a:t>
-            </a:r>
-            <a:r>
-              <a:rPr lang="zh-CN" altLang="en-US"/>
-              <a:t>的信息获取</a:t>
-            </a:r>
-            <a:endParaRPr lang="zh-CN" altLang="en-US"/>
-          </a:p>
-          <a:p>
-            <a:r>
-              <a:rPr lang="zh-CN" altLang="en-US"/>
-              <a:t>社交媒体大数据</a:t>
-            </a:r>
-            <a:r>
-              <a:rPr lang="en-US" altLang="zh-CN"/>
-              <a:t>--</a:t>
-            </a:r>
-            <a:r>
-              <a:rPr lang="zh-CN" altLang="en-US">
-                <a:sym typeface="+mn-ea"/>
-              </a:rPr>
-              <a:t>行业、产品相关评价，来源于电商或评价网站</a:t>
-            </a:r>
-            <a:r>
-              <a:rPr lang="en-US" altLang="zh-CN">
-                <a:sym typeface="+mn-ea"/>
-              </a:rPr>
-              <a:t>--</a:t>
-            </a:r>
-            <a:r>
-              <a:rPr lang="zh-CN" altLang="en-US">
-                <a:sym typeface="+mn-ea"/>
-              </a:rPr>
-              <a:t>捕捉相关情绪</a:t>
-            </a:r>
-            <a:endParaRPr lang="zh-CN" altLang="en-US">
-              <a:sym typeface="+mn-ea"/>
-            </a:endParaRPr>
-          </a:p>
-          <a:p>
-            <a:r>
-              <a:rPr lang="zh-CN" altLang="en-US"/>
-              <a:t>电商大数据、工业大数据</a:t>
-            </a:r>
-            <a:r>
-              <a:rPr lang="en-US" altLang="zh-CN"/>
-              <a:t>--</a:t>
-            </a:r>
-            <a:r>
-              <a:rPr lang="zh-CN" altLang="en-US"/>
-              <a:t>直接利用前期销量</a:t>
-            </a:r>
-            <a:endParaRPr lang="zh-CN" altLang="en-US"/>
-          </a:p>
-        </p:txBody>
-      </p:sp>
-    </p:spTree>
-  </p:cSld>
-  <p:clrMapOvr>
-    <a:masterClrMapping/>
-  </p:clrMapOvr>
-</p:sld>
-</file>
-
-<file path=ppt/slides/slide4.xml><?xml version="1.0" encoding="utf-8"?>
-<p:sld xmlns:a="http://schemas.openxmlformats.org/drawingml/2006/main" xmlns:r="http://schemas.openxmlformats.org/officeDocument/2006/relationships" xmlns:p="http://schemas.openxmlformats.org/presentationml/2006/main">
-  <p:cSld>
-    <p:spTree>
-      <p:nvGrpSpPr>
-        <p:cNvPr id="1" name=""/>
-        <p:cNvGrpSpPr/>
-        <p:nvPr/>
-      </p:nvGrpSpPr>
-      <p:grpSpPr/>
-      <p:sp>
-        <p:nvSpPr>
-          <p:cNvPr id="2" name="标题 1"/>
-          <p:cNvSpPr>
-            <a:spLocks noGrp="1"/>
-          </p:cNvSpPr>
-          <p:nvPr>
-            <p:ph type="title"/>
-          </p:nvPr>
-        </p:nvSpPr>
-        <p:spPr/>
-        <p:txBody>
-          <a:bodyPr/>
-          <a:p>
-            <a:r>
-              <a:rPr lang="zh-CN" altLang="en-US"/>
-              <a:t>相关行业产品价格</a:t>
-            </a:r>
-            <a:endParaRPr lang="zh-CN" altLang="en-US"/>
-          </a:p>
-        </p:txBody>
-      </p:sp>
-      <p:pic>
-        <p:nvPicPr>
-          <p:cNvPr id="4" name="内容占位符 3"/>
-          <p:cNvPicPr>
-            <a:picLocks noChangeAspect="1"/>
-          </p:cNvPicPr>
-          <p:nvPr>
-            <p:ph idx="1"/>
-          </p:nvPr>
-        </p:nvPicPr>
-        <p:blipFill>
-          <a:blip r:embed="rId1"/>
-          <a:stretch>
-            <a:fillRect/>
-          </a:stretch>
-        </p:blipFill>
-        <p:spPr>
-          <a:xfrm>
-            <a:off x="586740" y="1455420"/>
-            <a:ext cx="6021070" cy="5110480"/>
-          </a:xfrm>
-          <a:prstGeom prst="rect">
-            <a:avLst/>
-          </a:prstGeom>
-        </p:spPr>
-      </p:pic>
-      <p:pic>
-        <p:nvPicPr>
-          <p:cNvPr id="5" name="图片 4"/>
-          <p:cNvPicPr>
-            <a:picLocks noChangeAspect="1"/>
-          </p:cNvPicPr>
-          <p:nvPr/>
-        </p:nvPicPr>
-        <p:blipFill>
-          <a:blip r:embed="rId2"/>
-          <a:stretch>
-            <a:fillRect/>
-          </a:stretch>
-        </p:blipFill>
-        <p:spPr>
-          <a:xfrm>
-            <a:off x="6449060" y="1337310"/>
-            <a:ext cx="4904740" cy="5228590"/>
-          </a:xfrm>
-          <a:prstGeom prst="rect">
-            <a:avLst/>
-          </a:prstGeom>
-        </p:spPr>
-      </p:pic>
-    </p:spTree>
-  </p:cSld>
-  <p:clrMapOvr>
-    <a:masterClrMapping/>
-  </p:clrMapOvr>
-</p:sld>
-</file>
-
-<file path=ppt/slides/slide5.xml><?xml version="1.0" encoding="utf-8"?>
-<p:sld xmlns:a="http://schemas.openxmlformats.org/drawingml/2006/main" xmlns:r="http://schemas.openxmlformats.org/officeDocument/2006/relationships" xmlns:p="http://schemas.openxmlformats.org/presentationml/2006/main">
-  <p:cSld>
-    <p:spTree>
-      <p:nvGrpSpPr>
-        <p:cNvPr id="1" name=""/>
-        <p:cNvGrpSpPr/>
-        <p:nvPr/>
-      </p:nvGrpSpPr>
-      <p:grpSpPr/>
-      <p:sp>
-        <p:nvSpPr>
-          <p:cNvPr id="2" name="标题 1"/>
-          <p:cNvSpPr>
-            <a:spLocks noGrp="1"/>
-          </p:cNvSpPr>
-          <p:nvPr>
-            <p:ph type="title"/>
-          </p:nvPr>
-        </p:nvSpPr>
-        <p:spPr/>
-        <p:txBody>
-          <a:bodyPr/>
-          <a:p>
-            <a:r>
-              <a:rPr lang="zh-CN" altLang="en-US"/>
-              <a:t>资源能源需求预测</a:t>
-            </a:r>
-            <a:endParaRPr lang="zh-CN" altLang="en-US"/>
-          </a:p>
-        </p:txBody>
-      </p:sp>
-      <p:pic>
-        <p:nvPicPr>
-          <p:cNvPr id="4" name="图片 1"/>
-          <p:cNvPicPr>
-            <a:picLocks noChangeAspect="1"/>
-          </p:cNvPicPr>
-          <p:nvPr>
-            <p:ph idx="1"/>
-          </p:nvPr>
-        </p:nvPicPr>
-        <p:blipFill>
-          <a:blip r:embed="rId1"/>
-          <a:stretch>
-            <a:fillRect/>
-          </a:stretch>
-        </p:blipFill>
-        <p:spPr>
-          <a:xfrm>
-            <a:off x="1306195" y="2112645"/>
-            <a:ext cx="9579610" cy="4058285"/>
-          </a:xfrm>
-          <a:prstGeom prst="rect">
-            <a:avLst/>
-          </a:prstGeom>
-          <a:noFill/>
-          <a:ln w="9525">
-            <a:noFill/>
-          </a:ln>
-        </p:spPr>
-      </p:pic>
-    </p:spTree>
-  </p:cSld>
-  <p:clrMapOvr>
-    <a:masterClrMapping/>
-  </p:clrMapOvr>
-</p:sld>
-</file>
-
-<file path=ppt/slides/slide6.xml><?xml version="1.0" encoding="utf-8"?>
+<file path=ppt/slides/slide10.xml><?xml version="1.0" encoding="utf-8"?>
 <p:sld xmlns:a="http://schemas.openxmlformats.org/drawingml/2006/main" xmlns:r="http://schemas.openxmlformats.org/officeDocument/2006/relationships" xmlns:p="http://schemas.openxmlformats.org/presentationml/2006/main">
   <p:cSld>
     <p:spTree>
@@ -4200,6 +4118,5220 @@
           </a:prstGeom>
         </p:spPr>
       </p:pic>
+    </p:spTree>
+  </p:cSld>
+  <p:clrMapOvr>
+    <a:masterClrMapping/>
+  </p:clrMapOvr>
+</p:sld>
+</file>
+
+<file path=ppt/slides/slide2.xml><?xml version="1.0" encoding="utf-8"?>
+<p:sld xmlns:a="http://schemas.openxmlformats.org/drawingml/2006/main" xmlns:r="http://schemas.openxmlformats.org/officeDocument/2006/relationships" xmlns:p="http://schemas.openxmlformats.org/presentationml/2006/main">
+  <p:cSld>
+    <p:spTree>
+      <p:nvGrpSpPr>
+        <p:cNvPr id="1" name=""/>
+        <p:cNvGrpSpPr/>
+        <p:nvPr/>
+      </p:nvGrpSpPr>
+      <p:grpSpPr/>
+      <p:sp>
+        <p:nvSpPr>
+          <p:cNvPr id="2" name="标题 1"/>
+          <p:cNvSpPr>
+            <a:spLocks noGrp="1"/>
+          </p:cNvSpPr>
+          <p:nvPr>
+            <p:ph type="title"/>
+          </p:nvPr>
+        </p:nvSpPr>
+        <p:spPr/>
+        <p:txBody>
+          <a:bodyPr/>
+          <a:p>
+            <a:r>
+              <a:rPr lang="zh-CN" altLang="en-US"/>
+              <a:t>相关行业产品需求、销量</a:t>
+            </a:r>
+            <a:endParaRPr lang="zh-CN" altLang="en-US"/>
+          </a:p>
+        </p:txBody>
+      </p:sp>
+      <p:graphicFrame>
+        <p:nvGraphicFramePr>
+          <p:cNvPr id="4" name="表格 3"/>
+          <p:cNvGraphicFramePr/>
+          <p:nvPr/>
+        </p:nvGraphicFramePr>
+        <p:xfrm>
+          <a:off x="1330325" y="1517650"/>
+          <a:ext cx="10023475" cy="4590415"/>
+        </p:xfrm>
+        <a:graphic>
+          <a:graphicData uri="http://schemas.openxmlformats.org/drawingml/2006/table">
+            <a:tbl>
+              <a:tblPr firstRow="1" bandRow="1">
+                <a:tableStyleId>{5940675A-B579-460E-94D1-54222C63F5DA}</a:tableStyleId>
+              </a:tblPr>
+              <a:tblGrid>
+                <a:gridCol w="2004695"/>
+                <a:gridCol w="2004695"/>
+                <a:gridCol w="2004695"/>
+                <a:gridCol w="2004695"/>
+                <a:gridCol w="2004695"/>
+              </a:tblGrid>
+              <a:tr h="169545">
+                <a:tc>
+                  <a:txBody>
+                    <a:bodyPr/>
+                    <a:p>
+                      <a:pPr indent="0">
+                        <a:buNone/>
+                      </a:pPr>
+                      <a:r>
+                        <a:rPr lang="zh-CN" altLang="en-US" sz="1200" b="0">
+                          <a:latin typeface="宋体" panose="02010600030101010101" pitchFamily="2" charset="-122"/>
+                          <a:ea typeface="宋体" panose="02010600030101010101" pitchFamily="2" charset="-122"/>
+                          <a:cs typeface="宋体" panose="02010600030101010101" pitchFamily="2" charset="-122"/>
+                        </a:rPr>
+                        <a:t>相关研究</a:t>
+                      </a:r>
+                      <a:endParaRPr lang="zh-CN" altLang="en-US" sz="1200" b="0">
+                        <a:latin typeface="宋体" panose="02010600030101010101" pitchFamily="2" charset="-122"/>
+                        <a:ea typeface="宋体" panose="02010600030101010101" pitchFamily="2" charset="-122"/>
+                        <a:cs typeface="宋体" panose="02010600030101010101" pitchFamily="2" charset="-122"/>
+                      </a:endParaRPr>
+                    </a:p>
+                  </a:txBody>
+                  <a:tcPr marL="0" marR="0" marT="63500" marB="63500" vert="horz" anchor="t">
+                    <a:lnL w="12700" cap="flat" cmpd="sng">
+                      <a:solidFill>
+                        <a:srgbClr val="080000"/>
+                      </a:solidFill>
+                      <a:prstDash val="solid"/>
+                      <a:headEnd type="none" w="med" len="med"/>
+                      <a:tailEnd type="none" w="med" len="med"/>
+                    </a:lnL>
+                    <a:lnR w="12700" cap="flat" cmpd="sng">
+                      <a:solidFill>
+                        <a:srgbClr val="080000"/>
+                      </a:solidFill>
+                      <a:prstDash val="solid"/>
+                      <a:headEnd type="none" w="med" len="med"/>
+                      <a:tailEnd type="none" w="med" len="med"/>
+                    </a:lnR>
+                    <a:lnT w="12700" cap="flat" cmpd="sng">
+                      <a:solidFill>
+                        <a:srgbClr val="080000"/>
+                      </a:solidFill>
+                      <a:prstDash val="solid"/>
+                      <a:headEnd type="none" w="med" len="med"/>
+                      <a:tailEnd type="none" w="med" len="med"/>
+                    </a:lnT>
+                    <a:lnB w="12700" cap="flat" cmpd="sng">
+                      <a:solidFill>
+                        <a:srgbClr val="080000"/>
+                      </a:solidFill>
+                      <a:prstDash val="solid"/>
+                      <a:headEnd type="none" w="med" len="med"/>
+                      <a:tailEnd type="none" w="med" len="med"/>
+                    </a:lnB>
+                    <a:lnTlToBr>
+                      <a:noFill/>
+                    </a:lnTlToBr>
+                    <a:lnBlToTr>
+                      <a:noFill/>
+                    </a:lnBlToTr>
+                    <a:noFill/>
+                  </a:tcPr>
+                </a:tc>
+                <a:tc>
+                  <a:txBody>
+                    <a:bodyPr/>
+                    <a:p>
+                      <a:pPr indent="0">
+                        <a:buNone/>
+                      </a:pPr>
+                      <a:r>
+                        <a:rPr lang="zh-CN" altLang="en-US" sz="1200" b="0">
+                          <a:latin typeface="宋体" panose="02010600030101010101" pitchFamily="2" charset="-122"/>
+                          <a:ea typeface="宋体" panose="02010600030101010101" pitchFamily="2" charset="-122"/>
+                          <a:cs typeface="宋体" panose="02010600030101010101" pitchFamily="2" charset="-122"/>
+                        </a:rPr>
+                        <a:t>研究内容</a:t>
+                      </a:r>
+                      <a:endParaRPr lang="zh-CN" altLang="en-US" sz="1200" b="0">
+                        <a:latin typeface="宋体" panose="02010600030101010101" pitchFamily="2" charset="-122"/>
+                        <a:ea typeface="宋体" panose="02010600030101010101" pitchFamily="2" charset="-122"/>
+                        <a:cs typeface="宋体" panose="02010600030101010101" pitchFamily="2" charset="-122"/>
+                      </a:endParaRPr>
+                    </a:p>
+                  </a:txBody>
+                  <a:tcPr marL="0" marR="0" marT="63500" marB="63500" vert="horz" anchor="t">
+                    <a:lnL w="12700" cap="flat" cmpd="sng">
+                      <a:solidFill>
+                        <a:srgbClr val="080000"/>
+                      </a:solidFill>
+                      <a:prstDash val="solid"/>
+                      <a:headEnd type="none" w="med" len="med"/>
+                      <a:tailEnd type="none" w="med" len="med"/>
+                    </a:lnL>
+                    <a:lnR w="9525" cap="flat" cmpd="sng">
+                      <a:solidFill>
+                        <a:srgbClr val="000000"/>
+                      </a:solidFill>
+                      <a:prstDash val="solid"/>
+                      <a:headEnd type="none" w="med" len="med"/>
+                      <a:tailEnd type="none" w="med" len="med"/>
+                    </a:lnR>
+                    <a:lnT w="12700" cap="flat" cmpd="sng">
+                      <a:solidFill>
+                        <a:srgbClr val="080000"/>
+                      </a:solidFill>
+                      <a:prstDash val="solid"/>
+                      <a:headEnd type="none" w="med" len="med"/>
+                      <a:tailEnd type="none" w="med" len="med"/>
+                    </a:lnT>
+                    <a:lnB w="12700" cap="flat" cmpd="sng">
+                      <a:solidFill>
+                        <a:srgbClr val="080000"/>
+                      </a:solidFill>
+                      <a:prstDash val="solid"/>
+                      <a:headEnd type="none" w="med" len="med"/>
+                      <a:tailEnd type="none" w="med" len="med"/>
+                    </a:lnB>
+                    <a:lnTlToBr>
+                      <a:noFill/>
+                    </a:lnTlToBr>
+                    <a:lnBlToTr>
+                      <a:noFill/>
+                    </a:lnBlToTr>
+                    <a:noFill/>
+                  </a:tcPr>
+                </a:tc>
+                <a:tc>
+                  <a:txBody>
+                    <a:bodyPr/>
+                    <a:p>
+                      <a:pPr indent="0">
+                        <a:buNone/>
+                      </a:pPr>
+                      <a:r>
+                        <a:rPr lang="zh-CN" altLang="en-US" sz="1200" b="0">
+                          <a:latin typeface="宋体" panose="02010600030101010101" pitchFamily="2" charset="-122"/>
+                          <a:ea typeface="宋体" panose="02010600030101010101" pitchFamily="2" charset="-122"/>
+                          <a:cs typeface="宋体" panose="02010600030101010101" pitchFamily="2" charset="-122"/>
+                        </a:rPr>
+                        <a:t>数据源</a:t>
+                      </a:r>
+                      <a:endParaRPr lang="zh-CN" altLang="en-US" sz="1200" b="0">
+                        <a:latin typeface="宋体" panose="02010600030101010101" pitchFamily="2" charset="-122"/>
+                        <a:ea typeface="宋体" panose="02010600030101010101" pitchFamily="2" charset="-122"/>
+                        <a:cs typeface="宋体" panose="02010600030101010101" pitchFamily="2" charset="-122"/>
+                      </a:endParaRPr>
+                    </a:p>
+                  </a:txBody>
+                  <a:tcPr marL="0" marR="0" marT="63500" marB="63500" vert="horz" anchor="t">
+                    <a:lnL w="9525" cap="flat" cmpd="sng">
+                      <a:solidFill>
+                        <a:srgbClr val="000000"/>
+                      </a:solidFill>
+                      <a:prstDash val="solid"/>
+                      <a:headEnd type="none" w="med" len="med"/>
+                      <a:tailEnd type="none" w="med" len="med"/>
+                    </a:lnL>
+                    <a:lnR w="9525" cap="flat" cmpd="sng">
+                      <a:solidFill>
+                        <a:srgbClr val="000000"/>
+                      </a:solidFill>
+                      <a:prstDash val="solid"/>
+                      <a:headEnd type="none" w="med" len="med"/>
+                      <a:tailEnd type="none" w="med" len="med"/>
+                    </a:lnR>
+                    <a:lnT w="12700" cap="flat" cmpd="sng">
+                      <a:solidFill>
+                        <a:srgbClr val="080000"/>
+                      </a:solidFill>
+                      <a:prstDash val="solid"/>
+                      <a:headEnd type="none" w="med" len="med"/>
+                      <a:tailEnd type="none" w="med" len="med"/>
+                    </a:lnT>
+                    <a:lnB w="12700" cap="flat" cmpd="sng">
+                      <a:solidFill>
+                        <a:srgbClr val="080000"/>
+                      </a:solidFill>
+                      <a:prstDash val="solid"/>
+                      <a:headEnd type="none" w="med" len="med"/>
+                      <a:tailEnd type="none" w="med" len="med"/>
+                    </a:lnB>
+                    <a:lnTlToBr>
+                      <a:noFill/>
+                    </a:lnTlToBr>
+                    <a:lnBlToTr>
+                      <a:noFill/>
+                    </a:lnBlToTr>
+                    <a:noFill/>
+                  </a:tcPr>
+                </a:tc>
+                <a:tc>
+                  <a:txBody>
+                    <a:bodyPr/>
+                    <a:p>
+                      <a:pPr indent="0">
+                        <a:buNone/>
+                      </a:pPr>
+                      <a:r>
+                        <a:rPr lang="zh-CN" altLang="en-US" sz="1200" b="0">
+                          <a:latin typeface="宋体" panose="02010600030101010101" pitchFamily="2" charset="-122"/>
+                          <a:ea typeface="宋体" panose="02010600030101010101" pitchFamily="2" charset="-122"/>
+                          <a:cs typeface="宋体" panose="02010600030101010101" pitchFamily="2" charset="-122"/>
+                        </a:rPr>
+                        <a:t>方法</a:t>
+                      </a:r>
+                      <a:endParaRPr lang="zh-CN" altLang="en-US" sz="1200" b="0">
+                        <a:latin typeface="宋体" panose="02010600030101010101" pitchFamily="2" charset="-122"/>
+                        <a:ea typeface="宋体" panose="02010600030101010101" pitchFamily="2" charset="-122"/>
+                        <a:cs typeface="宋体" panose="02010600030101010101" pitchFamily="2" charset="-122"/>
+                      </a:endParaRPr>
+                    </a:p>
+                  </a:txBody>
+                  <a:tcPr marL="0" marR="0" marT="63500" marB="63500" vert="horz" anchor="t">
+                    <a:lnL w="9525" cap="flat" cmpd="sng">
+                      <a:solidFill>
+                        <a:srgbClr val="000000"/>
+                      </a:solidFill>
+                      <a:prstDash val="solid"/>
+                      <a:headEnd type="none" w="med" len="med"/>
+                      <a:tailEnd type="none" w="med" len="med"/>
+                    </a:lnL>
+                    <a:lnR w="9525" cap="flat" cmpd="sng">
+                      <a:solidFill>
+                        <a:srgbClr val="000000"/>
+                      </a:solidFill>
+                      <a:prstDash val="solid"/>
+                      <a:headEnd type="none" w="med" len="med"/>
+                      <a:tailEnd type="none" w="med" len="med"/>
+                    </a:lnR>
+                    <a:lnT w="12700" cap="flat" cmpd="sng">
+                      <a:solidFill>
+                        <a:srgbClr val="080000"/>
+                      </a:solidFill>
+                      <a:prstDash val="solid"/>
+                      <a:headEnd type="none" w="med" len="med"/>
+                      <a:tailEnd type="none" w="med" len="med"/>
+                    </a:lnT>
+                    <a:lnB w="12700" cap="flat" cmpd="sng">
+                      <a:solidFill>
+                        <a:srgbClr val="080000"/>
+                      </a:solidFill>
+                      <a:prstDash val="solid"/>
+                      <a:headEnd type="none" w="med" len="med"/>
+                      <a:tailEnd type="none" w="med" len="med"/>
+                    </a:lnB>
+                    <a:lnTlToBr>
+                      <a:noFill/>
+                    </a:lnTlToBr>
+                    <a:lnBlToTr>
+                      <a:noFill/>
+                    </a:lnBlToTr>
+                    <a:noFill/>
+                  </a:tcPr>
+                </a:tc>
+                <a:tc>
+                  <a:txBody>
+                    <a:bodyPr/>
+                    <a:p>
+                      <a:pPr indent="0">
+                        <a:buNone/>
+                      </a:pPr>
+                      <a:r>
+                        <a:rPr lang="zh-CN" altLang="en-US" sz="1200" b="0">
+                          <a:latin typeface="宋体" panose="02010600030101010101" pitchFamily="2" charset="-122"/>
+                          <a:ea typeface="宋体" panose="02010600030101010101" pitchFamily="2" charset="-122"/>
+                          <a:cs typeface="宋体" panose="02010600030101010101" pitchFamily="2" charset="-122"/>
+                        </a:rPr>
+                        <a:t>效果</a:t>
+                      </a:r>
+                      <a:endParaRPr lang="zh-CN" altLang="en-US" sz="1200" b="0">
+                        <a:latin typeface="宋体" panose="02010600030101010101" pitchFamily="2" charset="-122"/>
+                        <a:ea typeface="宋体" panose="02010600030101010101" pitchFamily="2" charset="-122"/>
+                        <a:cs typeface="宋体" panose="02010600030101010101" pitchFamily="2" charset="-122"/>
+                      </a:endParaRPr>
+                    </a:p>
+                  </a:txBody>
+                  <a:tcPr marL="0" marR="0" marT="63500" marB="63500" vert="horz" anchor="t">
+                    <a:lnL w="9525" cap="flat" cmpd="sng">
+                      <a:solidFill>
+                        <a:srgbClr val="000000"/>
+                      </a:solidFill>
+                      <a:prstDash val="solid"/>
+                      <a:headEnd type="none" w="med" len="med"/>
+                      <a:tailEnd type="none" w="med" len="med"/>
+                    </a:lnL>
+                    <a:lnR w="9525" cap="flat" cmpd="sng">
+                      <a:solidFill>
+                        <a:srgbClr val="000000"/>
+                      </a:solidFill>
+                      <a:prstDash val="solid"/>
+                      <a:headEnd type="none" w="med" len="med"/>
+                      <a:tailEnd type="none" w="med" len="med"/>
+                    </a:lnR>
+                    <a:lnT w="12700" cap="flat" cmpd="sng">
+                      <a:solidFill>
+                        <a:srgbClr val="080000"/>
+                      </a:solidFill>
+                      <a:prstDash val="solid"/>
+                      <a:headEnd type="none" w="med" len="med"/>
+                      <a:tailEnd type="none" w="med" len="med"/>
+                    </a:lnT>
+                    <a:lnB w="12700" cap="flat" cmpd="sng">
+                      <a:solidFill>
+                        <a:srgbClr val="080000"/>
+                      </a:solidFill>
+                      <a:prstDash val="solid"/>
+                      <a:headEnd type="none" w="med" len="med"/>
+                      <a:tailEnd type="none" w="med" len="med"/>
+                    </a:lnB>
+                    <a:lnTlToBr>
+                      <a:noFill/>
+                    </a:lnTlToBr>
+                    <a:lnBlToTr>
+                      <a:noFill/>
+                    </a:lnBlToTr>
+                    <a:noFill/>
+                  </a:tcPr>
+                </a:tc>
+              </a:tr>
+              <a:tr h="1172210">
+                <a:tc>
+                  <a:txBody>
+                    <a:bodyPr/>
+                    <a:p>
+                      <a:pPr indent="0">
+                        <a:buNone/>
+                      </a:pPr>
+                      <a:r>
+                        <a:rPr lang="en-US" altLang="zh-CN" sz="1200" b="0">
+                          <a:latin typeface="Calibri" panose="020F0502020204030204" charset="0"/>
+                          <a:cs typeface="Calibri" panose="020F0502020204030204" charset="0"/>
+                        </a:rPr>
+                        <a:t>Goel S,Hofman J M,Lahaie S,et al</a:t>
+                      </a:r>
+                      <a:r>
+                        <a:rPr lang="zh-CN" altLang="en-US" sz="1200" b="0">
+                          <a:latin typeface="宋体" panose="02010600030101010101" pitchFamily="2" charset="-122"/>
+                          <a:ea typeface="宋体" panose="02010600030101010101" pitchFamily="2" charset="-122"/>
+                          <a:cs typeface="宋体" panose="02010600030101010101" pitchFamily="2" charset="-122"/>
+                        </a:rPr>
+                        <a:t>（</a:t>
+                      </a:r>
+                      <a:r>
+                        <a:rPr lang="en-US" altLang="zh-CN" sz="1200" b="0">
+                          <a:latin typeface="宋体" panose="02010600030101010101" pitchFamily="2" charset="-122"/>
+                          <a:ea typeface="宋体" panose="02010600030101010101" pitchFamily="2" charset="-122"/>
+                          <a:cs typeface="宋体" panose="02010600030101010101" pitchFamily="2" charset="-122"/>
+                        </a:rPr>
+                        <a:t>2010</a:t>
+                      </a:r>
+                      <a:r>
+                        <a:rPr lang="zh-CN" altLang="en-US" sz="1200" b="0">
+                          <a:latin typeface="宋体" panose="02010600030101010101" pitchFamily="2" charset="-122"/>
+                          <a:ea typeface="宋体" panose="02010600030101010101" pitchFamily="2" charset="-122"/>
+                          <a:cs typeface="宋体" panose="02010600030101010101" pitchFamily="2" charset="-122"/>
+                        </a:rPr>
+                        <a:t>）</a:t>
+                      </a:r>
+                      <a:endParaRPr lang="zh-CN" altLang="en-US" sz="1200" b="0">
+                        <a:latin typeface="宋体" panose="02010600030101010101" pitchFamily="2" charset="-122"/>
+                        <a:ea typeface="宋体" panose="02010600030101010101" pitchFamily="2" charset="-122"/>
+                        <a:cs typeface="宋体" panose="02010600030101010101" pitchFamily="2" charset="-122"/>
+                      </a:endParaRPr>
+                    </a:p>
+                  </a:txBody>
+                  <a:tcPr marL="0" marR="0" marT="63500" marB="63500" vert="horz" anchor="t">
+                    <a:lnL w="12700" cap="flat" cmpd="sng">
+                      <a:solidFill>
+                        <a:srgbClr val="080000"/>
+                      </a:solidFill>
+                      <a:prstDash val="solid"/>
+                      <a:headEnd type="none" w="med" len="med"/>
+                      <a:tailEnd type="none" w="med" len="med"/>
+                    </a:lnL>
+                    <a:lnR w="12700" cap="flat" cmpd="sng">
+                      <a:solidFill>
+                        <a:srgbClr val="080000"/>
+                      </a:solidFill>
+                      <a:prstDash val="solid"/>
+                      <a:headEnd type="none" w="med" len="med"/>
+                      <a:tailEnd type="none" w="med" len="med"/>
+                    </a:lnR>
+                    <a:lnT w="12700" cap="flat" cmpd="sng">
+                      <a:solidFill>
+                        <a:srgbClr val="080000"/>
+                      </a:solidFill>
+                      <a:prstDash val="solid"/>
+                      <a:headEnd type="none" w="med" len="med"/>
+                      <a:tailEnd type="none" w="med" len="med"/>
+                    </a:lnT>
+                    <a:lnB w="12700" cap="flat" cmpd="sng">
+                      <a:solidFill>
+                        <a:srgbClr val="080000"/>
+                      </a:solidFill>
+                      <a:prstDash val="solid"/>
+                      <a:headEnd type="none" w="med" len="med"/>
+                      <a:tailEnd type="none" w="med" len="med"/>
+                    </a:lnB>
+                    <a:lnTlToBr>
+                      <a:noFill/>
+                    </a:lnTlToBr>
+                    <a:lnBlToTr>
+                      <a:noFill/>
+                    </a:lnBlToTr>
+                    <a:noFill/>
+                  </a:tcPr>
+                </a:tc>
+                <a:tc>
+                  <a:txBody>
+                    <a:bodyPr/>
+                    <a:p>
+                      <a:pPr indent="0">
+                        <a:buNone/>
+                      </a:pPr>
+                      <a:r>
+                        <a:rPr lang="zh-CN" altLang="en-US" sz="1200" b="0">
+                          <a:latin typeface="Calibri" panose="020F0502020204030204" charset="0"/>
+                          <a:cs typeface="Calibri" panose="020F0502020204030204" charset="0"/>
+                        </a:rPr>
+                        <a:t>电影票房收入和游戏销售变化</a:t>
+                      </a:r>
+                      <a:endParaRPr lang="zh-CN" altLang="en-US" sz="1200" b="0">
+                        <a:latin typeface="Calibri" panose="020F0502020204030204" charset="0"/>
+                        <a:ea typeface="Calibri" panose="020F0502020204030204" charset="0"/>
+                        <a:cs typeface="Calibri" panose="020F0502020204030204" charset="0"/>
+                      </a:endParaRPr>
+                    </a:p>
+                  </a:txBody>
+                  <a:tcPr marL="0" marR="0" marT="63500" marB="63500" vert="horz" anchor="t">
+                    <a:lnL w="12700" cap="flat" cmpd="sng">
+                      <a:solidFill>
+                        <a:srgbClr val="080000"/>
+                      </a:solidFill>
+                      <a:prstDash val="solid"/>
+                      <a:headEnd type="none" w="med" len="med"/>
+                      <a:tailEnd type="none" w="med" len="med"/>
+                    </a:lnL>
+                    <a:lnR w="9525" cap="flat" cmpd="sng">
+                      <a:solidFill>
+                        <a:srgbClr val="000000"/>
+                      </a:solidFill>
+                      <a:prstDash val="solid"/>
+                      <a:headEnd type="none" w="med" len="med"/>
+                      <a:tailEnd type="none" w="med" len="med"/>
+                    </a:lnR>
+                    <a:lnT w="12700" cap="flat" cmpd="sng">
+                      <a:solidFill>
+                        <a:srgbClr val="080000"/>
+                      </a:solidFill>
+                      <a:prstDash val="solid"/>
+                      <a:headEnd type="none" w="med" len="med"/>
+                      <a:tailEnd type="none" w="med" len="med"/>
+                    </a:lnT>
+                    <a:lnB w="12700" cap="flat" cmpd="sng">
+                      <a:solidFill>
+                        <a:srgbClr val="080000"/>
+                      </a:solidFill>
+                      <a:prstDash val="solid"/>
+                      <a:headEnd type="none" w="med" len="med"/>
+                      <a:tailEnd type="none" w="med" len="med"/>
+                    </a:lnB>
+                    <a:lnTlToBr>
+                      <a:noFill/>
+                    </a:lnTlToBr>
+                    <a:lnBlToTr>
+                      <a:noFill/>
+                    </a:lnBlToTr>
+                    <a:noFill/>
+                  </a:tcPr>
+                </a:tc>
+                <a:tc>
+                  <a:txBody>
+                    <a:bodyPr/>
+                    <a:p>
+                      <a:pPr indent="0">
+                        <a:buNone/>
+                      </a:pPr>
+                      <a:r>
+                        <a:rPr lang="en-US" altLang="zh-CN" sz="1200" b="0">
+                          <a:latin typeface="宋体" panose="02010600030101010101" pitchFamily="2" charset="-122"/>
+                          <a:ea typeface="宋体" panose="02010600030101010101" pitchFamily="2" charset="-122"/>
+                          <a:cs typeface="宋体" panose="02010600030101010101" pitchFamily="2" charset="-122"/>
+                        </a:rPr>
+                        <a:t>2008-2009Yahoo!</a:t>
+                      </a:r>
+                      <a:r>
+                        <a:rPr lang="zh-CN" altLang="en-US" sz="1200" b="0">
+                          <a:latin typeface="宋体" panose="02010600030101010101" pitchFamily="2" charset="-122"/>
+                          <a:ea typeface="宋体" panose="02010600030101010101" pitchFamily="2" charset="-122"/>
+                          <a:cs typeface="宋体" panose="02010600030101010101" pitchFamily="2" charset="-122"/>
+                        </a:rPr>
+                        <a:t>网页搜索日志与</a:t>
+                      </a:r>
+                      <a:r>
+                        <a:rPr lang="en-US" altLang="zh-CN" sz="1200" b="0">
+                          <a:latin typeface="宋体" panose="02010600030101010101" pitchFamily="2" charset="-122"/>
+                          <a:ea typeface="宋体" panose="02010600030101010101" pitchFamily="2" charset="-122"/>
+                          <a:cs typeface="宋体" panose="02010600030101010101" pitchFamily="2" charset="-122"/>
+                        </a:rPr>
+                        <a:t>119</a:t>
+                      </a:r>
+                      <a:r>
+                        <a:rPr lang="zh-CN" altLang="en-US" sz="1200" b="0">
+                          <a:latin typeface="宋体" panose="02010600030101010101" pitchFamily="2" charset="-122"/>
+                          <a:ea typeface="宋体" panose="02010600030101010101" pitchFamily="2" charset="-122"/>
+                          <a:cs typeface="宋体" panose="02010600030101010101" pitchFamily="2" charset="-122"/>
+                        </a:rPr>
+                        <a:t>部电影的票房数据（互联网电影数据库</a:t>
+                      </a:r>
+                      <a:r>
+                        <a:rPr lang="en-US" altLang="zh-CN" sz="1200" b="0">
+                          <a:latin typeface="宋体" panose="02010600030101010101" pitchFamily="2" charset="-122"/>
+                          <a:ea typeface="宋体" panose="02010600030101010101" pitchFamily="2" charset="-122"/>
+                          <a:cs typeface="宋体" panose="02010600030101010101" pitchFamily="2" charset="-122"/>
+                        </a:rPr>
+                        <a:t>IMDB</a:t>
+                      </a:r>
+                      <a:r>
+                        <a:rPr lang="zh-CN" altLang="en-US" sz="1200" b="0">
+                          <a:latin typeface="宋体" panose="02010600030101010101" pitchFamily="2" charset="-122"/>
+                          <a:ea typeface="宋体" panose="02010600030101010101" pitchFamily="2" charset="-122"/>
+                          <a:cs typeface="宋体" panose="02010600030101010101" pitchFamily="2" charset="-122"/>
+                        </a:rPr>
+                        <a:t>），选择与</a:t>
+                      </a:r>
+                      <a:r>
+                        <a:rPr lang="en-US" altLang="zh-CN" sz="1200" b="0">
+                          <a:latin typeface="宋体" panose="02010600030101010101" pitchFamily="2" charset="-122"/>
+                          <a:ea typeface="宋体" panose="02010600030101010101" pitchFamily="2" charset="-122"/>
+                          <a:cs typeface="宋体" panose="02010600030101010101" pitchFamily="2" charset="-122"/>
+                        </a:rPr>
+                        <a:t>IMDB</a:t>
+                      </a:r>
+                      <a:r>
+                        <a:rPr lang="zh-CN" altLang="en-US" sz="1200" b="0">
+                          <a:latin typeface="宋体" panose="02010600030101010101" pitchFamily="2" charset="-122"/>
+                          <a:ea typeface="宋体" panose="02010600030101010101" pitchFamily="2" charset="-122"/>
+                          <a:cs typeface="宋体" panose="02010600030101010101" pitchFamily="2" charset="-122"/>
+                        </a:rPr>
+                        <a:t>中电影有链接关系的搜索。检测搜索是否指向几个著名的游戏网站</a:t>
+                      </a:r>
+                      <a:endParaRPr lang="zh-CN" altLang="en-US" sz="1200" b="0">
+                        <a:latin typeface="宋体" panose="02010600030101010101" pitchFamily="2" charset="-122"/>
+                        <a:ea typeface="宋体" panose="02010600030101010101" pitchFamily="2" charset="-122"/>
+                        <a:cs typeface="宋体" panose="02010600030101010101" pitchFamily="2" charset="-122"/>
+                      </a:endParaRPr>
+                    </a:p>
+                  </a:txBody>
+                  <a:tcPr marL="0" marR="0" marT="63500" marB="63500" vert="horz" anchor="t">
+                    <a:lnL w="9525" cap="flat" cmpd="sng">
+                      <a:solidFill>
+                        <a:srgbClr val="000000"/>
+                      </a:solidFill>
+                      <a:prstDash val="solid"/>
+                      <a:headEnd type="none" w="med" len="med"/>
+                      <a:tailEnd type="none" w="med" len="med"/>
+                    </a:lnL>
+                    <a:lnR w="9525" cap="flat" cmpd="sng">
+                      <a:solidFill>
+                        <a:srgbClr val="000000"/>
+                      </a:solidFill>
+                      <a:prstDash val="solid"/>
+                      <a:headEnd type="none" w="med" len="med"/>
+                      <a:tailEnd type="none" w="med" len="med"/>
+                    </a:lnR>
+                    <a:lnT w="12700" cap="flat" cmpd="sng">
+                      <a:solidFill>
+                        <a:srgbClr val="080000"/>
+                      </a:solidFill>
+                      <a:prstDash val="solid"/>
+                      <a:headEnd type="none" w="med" len="med"/>
+                      <a:tailEnd type="none" w="med" len="med"/>
+                    </a:lnT>
+                    <a:lnB w="12700" cap="flat" cmpd="sng">
+                      <a:solidFill>
+                        <a:srgbClr val="080000"/>
+                      </a:solidFill>
+                      <a:prstDash val="solid"/>
+                      <a:headEnd type="none" w="med" len="med"/>
+                      <a:tailEnd type="none" w="med" len="med"/>
+                    </a:lnB>
+                    <a:lnTlToBr>
+                      <a:noFill/>
+                    </a:lnTlToBr>
+                    <a:lnBlToTr>
+                      <a:noFill/>
+                    </a:lnBlToTr>
+                    <a:noFill/>
+                  </a:tcPr>
+                </a:tc>
+                <a:tc>
+                  <a:txBody>
+                    <a:bodyPr/>
+                    <a:p>
+                      <a:pPr indent="0">
+                        <a:buNone/>
+                      </a:pPr>
+                      <a:r>
+                        <a:rPr lang="zh-CN" altLang="en-US" sz="1200" b="0">
+                          <a:latin typeface="宋体" panose="02010600030101010101" pitchFamily="2" charset="-122"/>
+                          <a:ea typeface="宋体" panose="02010600030101010101" pitchFamily="2" charset="-122"/>
+                          <a:cs typeface="宋体" panose="02010600030101010101" pitchFamily="2" charset="-122"/>
+                        </a:rPr>
+                        <a:t>改进的多元线性回归模型</a:t>
+                      </a:r>
+                      <a:endParaRPr lang="zh-CN" altLang="en-US" sz="1200" b="0">
+                        <a:latin typeface="宋体" panose="02010600030101010101" pitchFamily="2" charset="-122"/>
+                        <a:ea typeface="宋体" panose="02010600030101010101" pitchFamily="2" charset="-122"/>
+                        <a:cs typeface="宋体" panose="02010600030101010101" pitchFamily="2" charset="-122"/>
+                      </a:endParaRPr>
+                    </a:p>
+                  </a:txBody>
+                  <a:tcPr marL="0" marR="0" marT="63500" marB="63500" vert="horz" anchor="t">
+                    <a:lnL w="9525" cap="flat" cmpd="sng">
+                      <a:solidFill>
+                        <a:srgbClr val="000000"/>
+                      </a:solidFill>
+                      <a:prstDash val="solid"/>
+                      <a:headEnd type="none" w="med" len="med"/>
+                      <a:tailEnd type="none" w="med" len="med"/>
+                    </a:lnL>
+                    <a:lnR w="9525" cap="flat" cmpd="sng">
+                      <a:solidFill>
+                        <a:srgbClr val="000000"/>
+                      </a:solidFill>
+                      <a:prstDash val="solid"/>
+                      <a:headEnd type="none" w="med" len="med"/>
+                      <a:tailEnd type="none" w="med" len="med"/>
+                    </a:lnR>
+                    <a:lnT w="12700" cap="flat" cmpd="sng">
+                      <a:solidFill>
+                        <a:srgbClr val="080000"/>
+                      </a:solidFill>
+                      <a:prstDash val="solid"/>
+                      <a:headEnd type="none" w="med" len="med"/>
+                      <a:tailEnd type="none" w="med" len="med"/>
+                    </a:lnT>
+                    <a:lnB w="12700" cap="flat" cmpd="sng">
+                      <a:solidFill>
+                        <a:srgbClr val="080000"/>
+                      </a:solidFill>
+                      <a:prstDash val="solid"/>
+                      <a:headEnd type="none" w="med" len="med"/>
+                      <a:tailEnd type="none" w="med" len="med"/>
+                    </a:lnB>
+                    <a:lnTlToBr>
+                      <a:noFill/>
+                    </a:lnTlToBr>
+                    <a:lnBlToTr>
+                      <a:noFill/>
+                    </a:lnBlToTr>
+                    <a:noFill/>
+                  </a:tcPr>
+                </a:tc>
+                <a:tc>
+                  <a:txBody>
+                    <a:bodyPr/>
+                    <a:p>
+                      <a:pPr indent="0">
+                        <a:buNone/>
+                      </a:pPr>
+                      <a:r>
+                        <a:rPr lang="zh-CN" altLang="en-US" sz="1200" b="0">
+                          <a:latin typeface="宋体" panose="02010600030101010101" pitchFamily="2" charset="-122"/>
+                          <a:ea typeface="宋体" panose="02010600030101010101" pitchFamily="2" charset="-122"/>
+                          <a:cs typeface="宋体" panose="02010600030101010101" pitchFamily="2" charset="-122"/>
+                        </a:rPr>
+                        <a:t>搜索数据对销量变化有指示意义，但对现有模型的预测性能提升较小，因此更适用于其它数据来源缺失的情况</a:t>
+                      </a:r>
+                      <a:endParaRPr lang="zh-CN" altLang="en-US" sz="1200" b="0">
+                        <a:latin typeface="宋体" panose="02010600030101010101" pitchFamily="2" charset="-122"/>
+                        <a:ea typeface="宋体" panose="02010600030101010101" pitchFamily="2" charset="-122"/>
+                        <a:cs typeface="宋体" panose="02010600030101010101" pitchFamily="2" charset="-122"/>
+                      </a:endParaRPr>
+                    </a:p>
+                  </a:txBody>
+                  <a:tcPr marL="0" marR="0" marT="63500" marB="63500" vert="horz" anchor="t">
+                    <a:lnL w="9525" cap="flat" cmpd="sng">
+                      <a:solidFill>
+                        <a:srgbClr val="000000"/>
+                      </a:solidFill>
+                      <a:prstDash val="solid"/>
+                      <a:headEnd type="none" w="med" len="med"/>
+                      <a:tailEnd type="none" w="med" len="med"/>
+                    </a:lnL>
+                    <a:lnR w="9525" cap="flat" cmpd="sng">
+                      <a:solidFill>
+                        <a:srgbClr val="000000"/>
+                      </a:solidFill>
+                      <a:prstDash val="solid"/>
+                      <a:headEnd type="none" w="med" len="med"/>
+                      <a:tailEnd type="none" w="med" len="med"/>
+                    </a:lnR>
+                    <a:lnT w="12700" cap="flat" cmpd="sng">
+                      <a:solidFill>
+                        <a:srgbClr val="080000"/>
+                      </a:solidFill>
+                      <a:prstDash val="solid"/>
+                      <a:headEnd type="none" w="med" len="med"/>
+                      <a:tailEnd type="none" w="med" len="med"/>
+                    </a:lnT>
+                    <a:lnB w="12700" cap="flat" cmpd="sng">
+                      <a:solidFill>
+                        <a:srgbClr val="080000"/>
+                      </a:solidFill>
+                      <a:prstDash val="solid"/>
+                      <a:headEnd type="none" w="med" len="med"/>
+                      <a:tailEnd type="none" w="med" len="med"/>
+                    </a:lnB>
+                    <a:lnTlToBr>
+                      <a:noFill/>
+                    </a:lnTlToBr>
+                    <a:lnBlToTr>
+                      <a:noFill/>
+                    </a:lnBlToTr>
+                    <a:noFill/>
+                  </a:tcPr>
+                </a:tc>
+              </a:tr>
+              <a:tr h="770890">
+                <a:tc>
+                  <a:txBody>
+                    <a:bodyPr/>
+                    <a:p>
+                      <a:pPr indent="0">
+                        <a:buNone/>
+                      </a:pPr>
+                      <a:r>
+                        <a:rPr lang="en-US" altLang="zh-CN" sz="1200" b="0">
+                          <a:latin typeface="Calibri" panose="020F0502020204030204" charset="0"/>
+                          <a:cs typeface="Calibri" panose="020F0502020204030204" charset="0"/>
+                        </a:rPr>
+                        <a:t>Asur, S., &amp; Huberman, B. (2010)</a:t>
+                      </a:r>
+                      <a:endParaRPr lang="en-US" altLang="zh-CN" sz="1200" b="0">
+                        <a:latin typeface="Calibri" panose="020F0502020204030204" charset="0"/>
+                        <a:ea typeface="Calibri" panose="020F0502020204030204" charset="0"/>
+                        <a:cs typeface="Calibri" panose="020F0502020204030204" charset="0"/>
+                      </a:endParaRPr>
+                    </a:p>
+                  </a:txBody>
+                  <a:tcPr marL="0" marR="0" marT="63500" marB="63500" vert="horz" anchor="t">
+                    <a:lnL w="12700" cap="flat" cmpd="sng">
+                      <a:solidFill>
+                        <a:srgbClr val="080000"/>
+                      </a:solidFill>
+                      <a:prstDash val="solid"/>
+                      <a:headEnd type="none" w="med" len="med"/>
+                      <a:tailEnd type="none" w="med" len="med"/>
+                    </a:lnL>
+                    <a:lnR w="12700" cap="flat" cmpd="sng">
+                      <a:solidFill>
+                        <a:srgbClr val="080000"/>
+                      </a:solidFill>
+                      <a:prstDash val="solid"/>
+                      <a:headEnd type="none" w="med" len="med"/>
+                      <a:tailEnd type="none" w="med" len="med"/>
+                    </a:lnR>
+                    <a:lnT w="12700" cap="flat" cmpd="sng">
+                      <a:solidFill>
+                        <a:srgbClr val="080000"/>
+                      </a:solidFill>
+                      <a:prstDash val="solid"/>
+                      <a:headEnd type="none" w="med" len="med"/>
+                      <a:tailEnd type="none" w="med" len="med"/>
+                    </a:lnT>
+                    <a:lnB w="12700" cap="flat" cmpd="sng">
+                      <a:solidFill>
+                        <a:srgbClr val="080000"/>
+                      </a:solidFill>
+                      <a:prstDash val="solid"/>
+                      <a:headEnd type="none" w="med" len="med"/>
+                      <a:tailEnd type="none" w="med" len="med"/>
+                    </a:lnB>
+                    <a:lnTlToBr>
+                      <a:noFill/>
+                    </a:lnTlToBr>
+                    <a:lnBlToTr>
+                      <a:noFill/>
+                    </a:lnBlToTr>
+                    <a:noFill/>
+                  </a:tcPr>
+                </a:tc>
+                <a:tc>
+                  <a:txBody>
+                    <a:bodyPr/>
+                    <a:p>
+                      <a:pPr indent="0">
+                        <a:buNone/>
+                      </a:pPr>
+                      <a:r>
+                        <a:rPr lang="zh-CN" altLang="en-US" sz="1200" b="0">
+                          <a:latin typeface="Calibri" panose="020F0502020204030204" charset="0"/>
+                          <a:cs typeface="Calibri" panose="020F0502020204030204" charset="0"/>
+                        </a:rPr>
+                        <a:t>电影卖座率</a:t>
+                      </a:r>
+                      <a:endParaRPr lang="zh-CN" altLang="en-US" sz="1200" b="0">
+                        <a:latin typeface="Calibri" panose="020F0502020204030204" charset="0"/>
+                        <a:ea typeface="Calibri" panose="020F0502020204030204" charset="0"/>
+                        <a:cs typeface="Calibri" panose="020F0502020204030204" charset="0"/>
+                      </a:endParaRPr>
+                    </a:p>
+                  </a:txBody>
+                  <a:tcPr marL="0" marR="0" marT="63500" marB="63500" vert="horz" anchor="t">
+                    <a:lnL w="12700" cap="flat" cmpd="sng">
+                      <a:solidFill>
+                        <a:srgbClr val="080000"/>
+                      </a:solidFill>
+                      <a:prstDash val="solid"/>
+                      <a:headEnd type="none" w="med" len="med"/>
+                      <a:tailEnd type="none" w="med" len="med"/>
+                    </a:lnL>
+                    <a:lnR w="9525" cap="flat" cmpd="sng">
+                      <a:solidFill>
+                        <a:srgbClr val="000000"/>
+                      </a:solidFill>
+                      <a:prstDash val="solid"/>
+                      <a:headEnd type="none" w="med" len="med"/>
+                      <a:tailEnd type="none" w="med" len="med"/>
+                    </a:lnR>
+                    <a:lnT w="12700" cap="flat" cmpd="sng">
+                      <a:solidFill>
+                        <a:srgbClr val="080000"/>
+                      </a:solidFill>
+                      <a:prstDash val="solid"/>
+                      <a:headEnd type="none" w="med" len="med"/>
+                      <a:tailEnd type="none" w="med" len="med"/>
+                    </a:lnT>
+                    <a:lnB w="12700" cap="flat" cmpd="sng">
+                      <a:solidFill>
+                        <a:srgbClr val="080000"/>
+                      </a:solidFill>
+                      <a:prstDash val="solid"/>
+                      <a:headEnd type="none" w="med" len="med"/>
+                      <a:tailEnd type="none" w="med" len="med"/>
+                    </a:lnB>
+                    <a:lnTlToBr>
+                      <a:noFill/>
+                    </a:lnTlToBr>
+                    <a:lnBlToTr>
+                      <a:noFill/>
+                    </a:lnBlToTr>
+                    <a:noFill/>
+                  </a:tcPr>
+                </a:tc>
+                <a:tc>
+                  <a:txBody>
+                    <a:bodyPr/>
+                    <a:p>
+                      <a:pPr indent="0">
+                        <a:buNone/>
+                      </a:pPr>
+                      <a:r>
+                        <a:rPr lang="zh-CN" altLang="en-US" sz="1200" b="0">
+                          <a:latin typeface="宋体" panose="02010600030101010101" pitchFamily="2" charset="-122"/>
+                          <a:ea typeface="宋体" panose="02010600030101010101" pitchFamily="2" charset="-122"/>
+                          <a:cs typeface="宋体" panose="02010600030101010101" pitchFamily="2" charset="-122"/>
+                        </a:rPr>
+                        <a:t>通过</a:t>
+                      </a:r>
+                      <a:r>
+                        <a:rPr lang="en-US" altLang="zh-CN" sz="1200" b="0">
+                          <a:latin typeface="宋体" panose="02010600030101010101" pitchFamily="2" charset="-122"/>
+                          <a:ea typeface="宋体" panose="02010600030101010101" pitchFamily="2" charset="-122"/>
+                          <a:cs typeface="宋体" panose="02010600030101010101" pitchFamily="2" charset="-122"/>
+                        </a:rPr>
+                        <a:t>Twitter Search Api</a:t>
+                      </a:r>
+                      <a:r>
+                        <a:rPr lang="zh-CN" altLang="en-US" sz="1200" b="0">
+                          <a:latin typeface="宋体" panose="02010600030101010101" pitchFamily="2" charset="-122"/>
+                          <a:ea typeface="宋体" panose="02010600030101010101" pitchFamily="2" charset="-122"/>
+                          <a:cs typeface="宋体" panose="02010600030101010101" pitchFamily="2" charset="-122"/>
+                        </a:rPr>
+                        <a:t>获取</a:t>
+                      </a:r>
+                      <a:r>
+                        <a:rPr lang="en-US" altLang="zh-CN" sz="1200" b="0">
+                          <a:latin typeface="宋体" panose="02010600030101010101" pitchFamily="2" charset="-122"/>
+                          <a:ea typeface="宋体" panose="02010600030101010101" pitchFamily="2" charset="-122"/>
+                          <a:cs typeface="宋体" panose="02010600030101010101" pitchFamily="2" charset="-122"/>
+                        </a:rPr>
+                        <a:t>3</a:t>
+                      </a:r>
+                      <a:r>
+                        <a:rPr lang="zh-CN" altLang="en-US" sz="1200" b="0">
+                          <a:latin typeface="宋体" panose="02010600030101010101" pitchFamily="2" charset="-122"/>
+                          <a:ea typeface="宋体" panose="02010600030101010101" pitchFamily="2" charset="-122"/>
+                          <a:cs typeface="宋体" panose="02010600030101010101" pitchFamily="2" charset="-122"/>
+                        </a:rPr>
+                        <a:t>个月的与某些电影相关的全部微博，关键字为电影标题中所有词汇</a:t>
+                      </a:r>
+                      <a:endParaRPr lang="zh-CN" altLang="en-US" sz="1200" b="0">
+                        <a:latin typeface="宋体" panose="02010600030101010101" pitchFamily="2" charset="-122"/>
+                        <a:ea typeface="宋体" panose="02010600030101010101" pitchFamily="2" charset="-122"/>
+                        <a:cs typeface="宋体" panose="02010600030101010101" pitchFamily="2" charset="-122"/>
+                      </a:endParaRPr>
+                    </a:p>
+                  </a:txBody>
+                  <a:tcPr marL="0" marR="0" marT="63500" marB="63500" vert="horz" anchor="t">
+                    <a:lnL w="9525" cap="flat" cmpd="sng">
+                      <a:solidFill>
+                        <a:srgbClr val="000000"/>
+                      </a:solidFill>
+                      <a:prstDash val="solid"/>
+                      <a:headEnd type="none" w="med" len="med"/>
+                      <a:tailEnd type="none" w="med" len="med"/>
+                    </a:lnL>
+                    <a:lnR w="9525" cap="flat" cmpd="sng">
+                      <a:solidFill>
+                        <a:srgbClr val="000000"/>
+                      </a:solidFill>
+                      <a:prstDash val="solid"/>
+                      <a:headEnd type="none" w="med" len="med"/>
+                      <a:tailEnd type="none" w="med" len="med"/>
+                    </a:lnR>
+                    <a:lnT w="12700" cap="flat" cmpd="sng">
+                      <a:solidFill>
+                        <a:srgbClr val="080000"/>
+                      </a:solidFill>
+                      <a:prstDash val="solid"/>
+                      <a:headEnd type="none" w="med" len="med"/>
+                      <a:tailEnd type="none" w="med" len="med"/>
+                    </a:lnT>
+                    <a:lnB w="12700" cap="flat" cmpd="sng">
+                      <a:solidFill>
+                        <a:srgbClr val="080000"/>
+                      </a:solidFill>
+                      <a:prstDash val="solid"/>
+                      <a:headEnd type="none" w="med" len="med"/>
+                      <a:tailEnd type="none" w="med" len="med"/>
+                    </a:lnB>
+                    <a:lnTlToBr>
+                      <a:noFill/>
+                    </a:lnTlToBr>
+                    <a:lnBlToTr>
+                      <a:noFill/>
+                    </a:lnBlToTr>
+                    <a:noFill/>
+                  </a:tcPr>
+                </a:tc>
+                <a:tc>
+                  <a:txBody>
+                    <a:bodyPr/>
+                    <a:p>
+                      <a:pPr indent="0">
+                        <a:buNone/>
+                      </a:pPr>
+                      <a:r>
+                        <a:rPr lang="zh-CN" altLang="en-US" sz="1200" b="0">
+                          <a:latin typeface="宋体" panose="02010600030101010101" pitchFamily="2" charset="-122"/>
+                          <a:ea typeface="宋体" panose="02010600030101010101" pitchFamily="2" charset="-122"/>
+                          <a:cs typeface="宋体" panose="02010600030101010101" pitchFamily="2" charset="-122"/>
+                        </a:rPr>
+                        <a:t>改进的多元线性回归模型</a:t>
+                      </a:r>
+                      <a:endParaRPr lang="zh-CN" altLang="en-US" sz="1200" b="0">
+                        <a:latin typeface="宋体" panose="02010600030101010101" pitchFamily="2" charset="-122"/>
+                        <a:ea typeface="宋体" panose="02010600030101010101" pitchFamily="2" charset="-122"/>
+                        <a:cs typeface="宋体" panose="02010600030101010101" pitchFamily="2" charset="-122"/>
+                      </a:endParaRPr>
+                    </a:p>
+                  </a:txBody>
+                  <a:tcPr marL="0" marR="0" marT="63500" marB="63500" vert="horz" anchor="t">
+                    <a:lnL w="9525" cap="flat" cmpd="sng">
+                      <a:solidFill>
+                        <a:srgbClr val="000000"/>
+                      </a:solidFill>
+                      <a:prstDash val="solid"/>
+                      <a:headEnd type="none" w="med" len="med"/>
+                      <a:tailEnd type="none" w="med" len="med"/>
+                    </a:lnL>
+                    <a:lnR w="9525" cap="flat" cmpd="sng">
+                      <a:solidFill>
+                        <a:srgbClr val="000000"/>
+                      </a:solidFill>
+                      <a:prstDash val="solid"/>
+                      <a:headEnd type="none" w="med" len="med"/>
+                      <a:tailEnd type="none" w="med" len="med"/>
+                    </a:lnR>
+                    <a:lnT w="12700" cap="flat" cmpd="sng">
+                      <a:solidFill>
+                        <a:srgbClr val="080000"/>
+                      </a:solidFill>
+                      <a:prstDash val="solid"/>
+                      <a:headEnd type="none" w="med" len="med"/>
+                      <a:tailEnd type="none" w="med" len="med"/>
+                    </a:lnT>
+                    <a:lnB w="12700" cap="flat" cmpd="sng">
+                      <a:solidFill>
+                        <a:srgbClr val="080000"/>
+                      </a:solidFill>
+                      <a:prstDash val="solid"/>
+                      <a:headEnd type="none" w="med" len="med"/>
+                      <a:tailEnd type="none" w="med" len="med"/>
+                    </a:lnB>
+                    <a:lnTlToBr>
+                      <a:noFill/>
+                    </a:lnTlToBr>
+                    <a:lnBlToTr>
+                      <a:noFill/>
+                    </a:lnBlToTr>
+                    <a:noFill/>
+                  </a:tcPr>
+                </a:tc>
+                <a:tc>
+                  <a:txBody>
+                    <a:bodyPr/>
+                    <a:p>
+                      <a:pPr indent="0">
+                        <a:buNone/>
+                      </a:pPr>
+                      <a:r>
+                        <a:rPr lang="zh-CN" altLang="en-US" sz="1200" b="0">
+                          <a:latin typeface="宋体" panose="02010600030101010101" pitchFamily="2" charset="-122"/>
+                          <a:ea typeface="宋体" panose="02010600030101010101" pitchFamily="2" charset="-122"/>
+                          <a:cs typeface="宋体" panose="02010600030101010101" pitchFamily="2" charset="-122"/>
+                        </a:rPr>
+                        <a:t>拟合优度</a:t>
+                      </a:r>
+                      <a:r>
+                        <a:rPr lang="en-US" altLang="zh-CN" sz="1200" b="0">
+                          <a:latin typeface="宋体" panose="02010600030101010101" pitchFamily="2" charset="-122"/>
+                          <a:ea typeface="宋体" panose="02010600030101010101" pitchFamily="2" charset="-122"/>
+                          <a:cs typeface="宋体" panose="02010600030101010101" pitchFamily="2" charset="-122"/>
+                        </a:rPr>
+                        <a:t>R</a:t>
+                      </a:r>
+                      <a:r>
+                        <a:rPr lang="en-US" altLang="zh-CN" sz="1200" b="0" baseline="30000">
+                          <a:latin typeface="宋体" panose="02010600030101010101" pitchFamily="2" charset="-122"/>
+                          <a:ea typeface="宋体" panose="02010600030101010101" pitchFamily="2" charset="-122"/>
+                          <a:cs typeface="宋体" panose="02010600030101010101" pitchFamily="2" charset="-122"/>
+                        </a:rPr>
+                        <a:t>2</a:t>
+                      </a:r>
+                      <a:r>
+                        <a:rPr lang="zh-CN" altLang="en-US" sz="1200" b="0">
+                          <a:latin typeface="宋体" panose="02010600030101010101" pitchFamily="2" charset="-122"/>
+                          <a:ea typeface="宋体" panose="02010600030101010101" pitchFamily="2" charset="-122"/>
+                          <a:cs typeface="宋体" panose="02010600030101010101" pitchFamily="2" charset="-122"/>
+                        </a:rPr>
+                        <a:t>达到</a:t>
+                      </a:r>
+                      <a:r>
+                        <a:rPr lang="en-US" altLang="zh-CN" sz="1200" b="0">
+                          <a:latin typeface="宋体" panose="02010600030101010101" pitchFamily="2" charset="-122"/>
+                          <a:ea typeface="宋体" panose="02010600030101010101" pitchFamily="2" charset="-122"/>
+                          <a:cs typeface="宋体" panose="02010600030101010101" pitchFamily="2" charset="-122"/>
+                        </a:rPr>
+                        <a:t>0.9</a:t>
+                      </a:r>
+                      <a:r>
+                        <a:rPr lang="zh-CN" altLang="en-US" sz="1200" b="0">
+                          <a:latin typeface="宋体" panose="02010600030101010101" pitchFamily="2" charset="-122"/>
+                          <a:ea typeface="宋体" panose="02010600030101010101" pitchFamily="2" charset="-122"/>
+                          <a:cs typeface="宋体" panose="02010600030101010101" pitchFamily="2" charset="-122"/>
+                        </a:rPr>
+                        <a:t>以上，社交媒体的讨论情况对于电影销量有很好的指示作用</a:t>
+                      </a:r>
+                      <a:endParaRPr lang="zh-CN" altLang="en-US" sz="1200" b="0">
+                        <a:latin typeface="宋体" panose="02010600030101010101" pitchFamily="2" charset="-122"/>
+                        <a:ea typeface="宋体" panose="02010600030101010101" pitchFamily="2" charset="-122"/>
+                        <a:cs typeface="宋体" panose="02010600030101010101" pitchFamily="2" charset="-122"/>
+                      </a:endParaRPr>
+                    </a:p>
+                  </a:txBody>
+                  <a:tcPr marL="0" marR="0" marT="63500" marB="63500" vert="horz" anchor="t">
+                    <a:lnL w="9525" cap="flat" cmpd="sng">
+                      <a:solidFill>
+                        <a:srgbClr val="000000"/>
+                      </a:solidFill>
+                      <a:prstDash val="solid"/>
+                      <a:headEnd type="none" w="med" len="med"/>
+                      <a:tailEnd type="none" w="med" len="med"/>
+                    </a:lnL>
+                    <a:lnR w="9525" cap="flat" cmpd="sng">
+                      <a:solidFill>
+                        <a:srgbClr val="000000"/>
+                      </a:solidFill>
+                      <a:prstDash val="solid"/>
+                      <a:headEnd type="none" w="med" len="med"/>
+                      <a:tailEnd type="none" w="med" len="med"/>
+                    </a:lnR>
+                    <a:lnT w="12700" cap="flat" cmpd="sng">
+                      <a:solidFill>
+                        <a:srgbClr val="080000"/>
+                      </a:solidFill>
+                      <a:prstDash val="solid"/>
+                      <a:headEnd type="none" w="med" len="med"/>
+                      <a:tailEnd type="none" w="med" len="med"/>
+                    </a:lnT>
+                    <a:lnB w="12700" cap="flat" cmpd="sng">
+                      <a:solidFill>
+                        <a:srgbClr val="080000"/>
+                      </a:solidFill>
+                      <a:prstDash val="solid"/>
+                      <a:headEnd type="none" w="med" len="med"/>
+                      <a:tailEnd type="none" w="med" len="med"/>
+                    </a:lnB>
+                    <a:lnTlToBr>
+                      <a:noFill/>
+                    </a:lnTlToBr>
+                    <a:lnBlToTr>
+                      <a:noFill/>
+                    </a:lnBlToTr>
+                    <a:noFill/>
+                  </a:tcPr>
+                </a:tc>
+              </a:tr>
+              <a:tr h="671195">
+                <a:tc>
+                  <a:txBody>
+                    <a:bodyPr/>
+                    <a:p>
+                      <a:pPr indent="0">
+                        <a:buNone/>
+                      </a:pPr>
+                      <a:r>
+                        <a:rPr lang="en-US" altLang="zh-CN" sz="1200" b="0">
+                          <a:latin typeface="Calibri" panose="020F0502020204030204" charset="0"/>
+                          <a:cs typeface="Calibri" panose="020F0502020204030204" charset="0"/>
+                        </a:rPr>
+                        <a:t>Chevalier, J., &amp; Mayzlin, D. (2006)</a:t>
+                      </a:r>
+                      <a:endParaRPr lang="en-US" altLang="zh-CN" sz="1200" b="0">
+                        <a:latin typeface="Calibri" panose="020F0502020204030204" charset="0"/>
+                        <a:ea typeface="Calibri" panose="020F0502020204030204" charset="0"/>
+                        <a:cs typeface="Calibri" panose="020F0502020204030204" charset="0"/>
+                      </a:endParaRPr>
+                    </a:p>
+                  </a:txBody>
+                  <a:tcPr marL="0" marR="0" marT="63500" marB="63500" vert="horz" anchor="t">
+                    <a:lnL w="12700" cap="flat" cmpd="sng">
+                      <a:solidFill>
+                        <a:srgbClr val="080000"/>
+                      </a:solidFill>
+                      <a:prstDash val="solid"/>
+                      <a:headEnd type="none" w="med" len="med"/>
+                      <a:tailEnd type="none" w="med" len="med"/>
+                    </a:lnL>
+                    <a:lnR w="12700" cap="flat" cmpd="sng">
+                      <a:solidFill>
+                        <a:srgbClr val="080000"/>
+                      </a:solidFill>
+                      <a:prstDash val="solid"/>
+                      <a:headEnd type="none" w="med" len="med"/>
+                      <a:tailEnd type="none" w="med" len="med"/>
+                    </a:lnR>
+                    <a:lnT w="12700" cap="flat" cmpd="sng">
+                      <a:solidFill>
+                        <a:srgbClr val="080000"/>
+                      </a:solidFill>
+                      <a:prstDash val="solid"/>
+                      <a:headEnd type="none" w="med" len="med"/>
+                      <a:tailEnd type="none" w="med" len="med"/>
+                    </a:lnT>
+                    <a:lnB w="12700" cap="flat" cmpd="sng">
+                      <a:solidFill>
+                        <a:srgbClr val="080000"/>
+                      </a:solidFill>
+                      <a:prstDash val="solid"/>
+                      <a:headEnd type="none" w="med" len="med"/>
+                      <a:tailEnd type="none" w="med" len="med"/>
+                    </a:lnB>
+                    <a:lnTlToBr>
+                      <a:noFill/>
+                    </a:lnTlToBr>
+                    <a:lnBlToTr>
+                      <a:noFill/>
+                    </a:lnBlToTr>
+                    <a:noFill/>
+                  </a:tcPr>
+                </a:tc>
+                <a:tc>
+                  <a:txBody>
+                    <a:bodyPr/>
+                    <a:p>
+                      <a:pPr indent="0">
+                        <a:buNone/>
+                      </a:pPr>
+                      <a:r>
+                        <a:rPr lang="zh-CN" altLang="en-US" sz="1200" b="0">
+                          <a:latin typeface="Calibri" panose="020F0502020204030204" charset="0"/>
+                          <a:cs typeface="Calibri" panose="020F0502020204030204" charset="0"/>
+                        </a:rPr>
+                        <a:t>亚马逊网站的和</a:t>
+                      </a:r>
+                      <a:r>
+                        <a:rPr lang="en-US" altLang="zh-CN" sz="1200" b="0">
+                          <a:latin typeface="Calibri" panose="020F0502020204030204" charset="0"/>
+                          <a:cs typeface="Calibri" panose="020F0502020204030204" charset="0"/>
+                        </a:rPr>
+                        <a:t>BN.com</a:t>
+                      </a:r>
+                      <a:r>
+                        <a:rPr lang="zh-CN" altLang="en-US" sz="1200" b="0">
+                          <a:latin typeface="Calibri" panose="020F0502020204030204" charset="0"/>
+                          <a:cs typeface="Calibri" panose="020F0502020204030204" charset="0"/>
+                        </a:rPr>
+                        <a:t>售书情况</a:t>
+                      </a:r>
+                      <a:endParaRPr lang="zh-CN" altLang="en-US" sz="1200" b="0">
+                        <a:latin typeface="Calibri" panose="020F0502020204030204" charset="0"/>
+                        <a:ea typeface="Calibri" panose="020F0502020204030204" charset="0"/>
+                        <a:cs typeface="Calibri" panose="020F0502020204030204" charset="0"/>
+                      </a:endParaRPr>
+                    </a:p>
+                  </a:txBody>
+                  <a:tcPr marL="0" marR="0" marT="63500" marB="63500" vert="horz" anchor="t">
+                    <a:lnL w="12700" cap="flat" cmpd="sng">
+                      <a:solidFill>
+                        <a:srgbClr val="080000"/>
+                      </a:solidFill>
+                      <a:prstDash val="solid"/>
+                      <a:headEnd type="none" w="med" len="med"/>
+                      <a:tailEnd type="none" w="med" len="med"/>
+                    </a:lnL>
+                    <a:lnR w="9525" cap="flat" cmpd="sng">
+                      <a:solidFill>
+                        <a:srgbClr val="000000"/>
+                      </a:solidFill>
+                      <a:prstDash val="solid"/>
+                      <a:headEnd type="none" w="med" len="med"/>
+                      <a:tailEnd type="none" w="med" len="med"/>
+                    </a:lnR>
+                    <a:lnT w="12700" cap="flat" cmpd="sng">
+                      <a:solidFill>
+                        <a:srgbClr val="080000"/>
+                      </a:solidFill>
+                      <a:prstDash val="solid"/>
+                      <a:headEnd type="none" w="med" len="med"/>
+                      <a:tailEnd type="none" w="med" len="med"/>
+                    </a:lnT>
+                    <a:lnB w="12700" cap="flat" cmpd="sng">
+                      <a:solidFill>
+                        <a:srgbClr val="080000"/>
+                      </a:solidFill>
+                      <a:prstDash val="solid"/>
+                      <a:headEnd type="none" w="med" len="med"/>
+                      <a:tailEnd type="none" w="med" len="med"/>
+                    </a:lnB>
+                    <a:lnTlToBr>
+                      <a:noFill/>
+                    </a:lnTlToBr>
+                    <a:lnBlToTr>
+                      <a:noFill/>
+                    </a:lnBlToTr>
+                    <a:noFill/>
+                  </a:tcPr>
+                </a:tc>
+                <a:tc>
+                  <a:txBody>
+                    <a:bodyPr/>
+                    <a:p>
+                      <a:pPr indent="0">
+                        <a:buNone/>
+                      </a:pPr>
+                      <a:r>
+                        <a:rPr lang="zh-CN" altLang="en-US" sz="1200" b="0">
+                          <a:latin typeface="宋体" panose="02010600030101010101" pitchFamily="2" charset="-122"/>
+                          <a:ea typeface="宋体" panose="02010600030101010101" pitchFamily="2" charset="-122"/>
+                          <a:cs typeface="宋体" panose="02010600030101010101" pitchFamily="2" charset="-122"/>
+                        </a:rPr>
+                        <a:t>亚马逊和</a:t>
+                      </a:r>
+                      <a:r>
+                        <a:rPr lang="en-US" altLang="zh-CN" sz="1200" b="0">
+                          <a:latin typeface="宋体" panose="02010600030101010101" pitchFamily="2" charset="-122"/>
+                          <a:ea typeface="宋体" panose="02010600030101010101" pitchFamily="2" charset="-122"/>
+                          <a:cs typeface="宋体" panose="02010600030101010101" pitchFamily="2" charset="-122"/>
+                        </a:rPr>
+                        <a:t>BN.com</a:t>
+                      </a:r>
+                      <a:r>
+                        <a:rPr lang="zh-CN" altLang="en-US" sz="1200" b="0">
+                          <a:latin typeface="宋体" panose="02010600030101010101" pitchFamily="2" charset="-122"/>
+                          <a:ea typeface="宋体" panose="02010600030101010101" pitchFamily="2" charset="-122"/>
+                          <a:cs typeface="宋体" panose="02010600030101010101" pitchFamily="2" charset="-122"/>
+                        </a:rPr>
+                        <a:t>的图书销售排名，图书评价，和上架时间、价格等基本信息</a:t>
+                      </a:r>
+                      <a:endParaRPr lang="zh-CN" altLang="en-US" sz="1200" b="0">
+                        <a:latin typeface="宋体" panose="02010600030101010101" pitchFamily="2" charset="-122"/>
+                        <a:ea typeface="宋体" panose="02010600030101010101" pitchFamily="2" charset="-122"/>
+                        <a:cs typeface="宋体" panose="02010600030101010101" pitchFamily="2" charset="-122"/>
+                      </a:endParaRPr>
+                    </a:p>
+                  </a:txBody>
+                  <a:tcPr marL="0" marR="0" marT="63500" marB="63500" vert="horz" anchor="t">
+                    <a:lnL w="9525" cap="flat" cmpd="sng">
+                      <a:solidFill>
+                        <a:srgbClr val="000000"/>
+                      </a:solidFill>
+                      <a:prstDash val="solid"/>
+                      <a:headEnd type="none" w="med" len="med"/>
+                      <a:tailEnd type="none" w="med" len="med"/>
+                    </a:lnL>
+                    <a:lnR w="9525" cap="flat" cmpd="sng">
+                      <a:solidFill>
+                        <a:srgbClr val="000000"/>
+                      </a:solidFill>
+                      <a:prstDash val="solid"/>
+                      <a:headEnd type="none" w="med" len="med"/>
+                      <a:tailEnd type="none" w="med" len="med"/>
+                    </a:lnR>
+                    <a:lnT w="12700" cap="flat" cmpd="sng">
+                      <a:solidFill>
+                        <a:srgbClr val="080000"/>
+                      </a:solidFill>
+                      <a:prstDash val="solid"/>
+                      <a:headEnd type="none" w="med" len="med"/>
+                      <a:tailEnd type="none" w="med" len="med"/>
+                    </a:lnT>
+                    <a:lnB w="12700" cap="flat" cmpd="sng">
+                      <a:solidFill>
+                        <a:srgbClr val="080000"/>
+                      </a:solidFill>
+                      <a:prstDash val="solid"/>
+                      <a:headEnd type="none" w="med" len="med"/>
+                      <a:tailEnd type="none" w="med" len="med"/>
+                    </a:lnB>
+                    <a:lnTlToBr>
+                      <a:noFill/>
+                    </a:lnTlToBr>
+                    <a:lnBlToTr>
+                      <a:noFill/>
+                    </a:lnBlToTr>
+                    <a:noFill/>
+                  </a:tcPr>
+                </a:tc>
+                <a:tc>
+                  <a:txBody>
+                    <a:bodyPr/>
+                    <a:p>
+                      <a:pPr indent="0">
+                        <a:buNone/>
+                      </a:pPr>
+                      <a:r>
+                        <a:rPr lang="zh-CN" altLang="en-US" sz="1200" b="0">
+                          <a:latin typeface="宋体" panose="02010600030101010101" pitchFamily="2" charset="-122"/>
+                          <a:ea typeface="宋体" panose="02010600030101010101" pitchFamily="2" charset="-122"/>
+                          <a:cs typeface="宋体" panose="02010600030101010101" pitchFamily="2" charset="-122"/>
+                        </a:rPr>
+                        <a:t>改进的多元线性回归模型</a:t>
+                      </a:r>
+                      <a:endParaRPr lang="zh-CN" altLang="en-US" sz="1200" b="0">
+                        <a:latin typeface="宋体" panose="02010600030101010101" pitchFamily="2" charset="-122"/>
+                        <a:ea typeface="宋体" panose="02010600030101010101" pitchFamily="2" charset="-122"/>
+                        <a:cs typeface="宋体" panose="02010600030101010101" pitchFamily="2" charset="-122"/>
+                      </a:endParaRPr>
+                    </a:p>
+                  </a:txBody>
+                  <a:tcPr marL="0" marR="0" marT="63500" marB="63500" vert="horz" anchor="t">
+                    <a:lnL w="9525" cap="flat" cmpd="sng">
+                      <a:solidFill>
+                        <a:srgbClr val="000000"/>
+                      </a:solidFill>
+                      <a:prstDash val="solid"/>
+                      <a:headEnd type="none" w="med" len="med"/>
+                      <a:tailEnd type="none" w="med" len="med"/>
+                    </a:lnL>
+                    <a:lnR w="9525" cap="flat" cmpd="sng">
+                      <a:solidFill>
+                        <a:srgbClr val="000000"/>
+                      </a:solidFill>
+                      <a:prstDash val="solid"/>
+                      <a:headEnd type="none" w="med" len="med"/>
+                      <a:tailEnd type="none" w="med" len="med"/>
+                    </a:lnR>
+                    <a:lnT w="12700" cap="flat" cmpd="sng">
+                      <a:solidFill>
+                        <a:srgbClr val="080000"/>
+                      </a:solidFill>
+                      <a:prstDash val="solid"/>
+                      <a:headEnd type="none" w="med" len="med"/>
+                      <a:tailEnd type="none" w="med" len="med"/>
+                    </a:lnT>
+                    <a:lnB w="12700" cap="flat" cmpd="sng">
+                      <a:solidFill>
+                        <a:srgbClr val="080000"/>
+                      </a:solidFill>
+                      <a:prstDash val="solid"/>
+                      <a:headEnd type="none" w="med" len="med"/>
+                      <a:tailEnd type="none" w="med" len="med"/>
+                    </a:lnB>
+                    <a:lnTlToBr>
+                      <a:noFill/>
+                    </a:lnTlToBr>
+                    <a:lnBlToTr>
+                      <a:noFill/>
+                    </a:lnBlToTr>
+                    <a:noFill/>
+                  </a:tcPr>
+                </a:tc>
+                <a:tc>
+                  <a:txBody>
+                    <a:bodyPr/>
+                    <a:p>
+                      <a:pPr indent="0">
+                        <a:buNone/>
+                      </a:pPr>
+                      <a:r>
+                        <a:rPr lang="zh-CN" altLang="en-US" sz="1200" b="0">
+                          <a:latin typeface="宋体" panose="02010600030101010101" pitchFamily="2" charset="-122"/>
+                          <a:ea typeface="宋体" panose="02010600030101010101" pitchFamily="2" charset="-122"/>
+                          <a:cs typeface="宋体" panose="02010600030101010101" pitchFamily="2" charset="-122"/>
+                        </a:rPr>
+                        <a:t>购书用户评价与图书销量排名之间的关系具有一定的相关性，在不同平台上关系不同</a:t>
+                      </a:r>
+                      <a:endParaRPr lang="zh-CN" altLang="en-US" sz="1200" b="0">
+                        <a:latin typeface="宋体" panose="02010600030101010101" pitchFamily="2" charset="-122"/>
+                        <a:ea typeface="宋体" panose="02010600030101010101" pitchFamily="2" charset="-122"/>
+                        <a:cs typeface="宋体" panose="02010600030101010101" pitchFamily="2" charset="-122"/>
+                      </a:endParaRPr>
+                    </a:p>
+                  </a:txBody>
+                  <a:tcPr marL="0" marR="0" marT="63500" marB="63500" vert="horz" anchor="t">
+                    <a:lnL w="9525" cap="flat" cmpd="sng">
+                      <a:solidFill>
+                        <a:srgbClr val="000000"/>
+                      </a:solidFill>
+                      <a:prstDash val="solid"/>
+                      <a:headEnd type="none" w="med" len="med"/>
+                      <a:tailEnd type="none" w="med" len="med"/>
+                    </a:lnL>
+                    <a:lnR w="9525" cap="flat" cmpd="sng">
+                      <a:solidFill>
+                        <a:srgbClr val="000000"/>
+                      </a:solidFill>
+                      <a:prstDash val="solid"/>
+                      <a:headEnd type="none" w="med" len="med"/>
+                      <a:tailEnd type="none" w="med" len="med"/>
+                    </a:lnR>
+                    <a:lnT w="12700" cap="flat" cmpd="sng">
+                      <a:solidFill>
+                        <a:srgbClr val="080000"/>
+                      </a:solidFill>
+                      <a:prstDash val="solid"/>
+                      <a:headEnd type="none" w="med" len="med"/>
+                      <a:tailEnd type="none" w="med" len="med"/>
+                    </a:lnT>
+                    <a:lnB w="12700" cap="flat" cmpd="sng">
+                      <a:solidFill>
+                        <a:srgbClr val="080000"/>
+                      </a:solidFill>
+                      <a:prstDash val="solid"/>
+                      <a:headEnd type="none" w="med" len="med"/>
+                      <a:tailEnd type="none" w="med" len="med"/>
+                    </a:lnB>
+                    <a:lnTlToBr>
+                      <a:noFill/>
+                    </a:lnTlToBr>
+                    <a:lnBlToTr>
+                      <a:noFill/>
+                    </a:lnBlToTr>
+                    <a:noFill/>
+                  </a:tcPr>
+                </a:tc>
+              </a:tr>
+              <a:tr h="1071880">
+                <a:tc>
+                  <a:txBody>
+                    <a:bodyPr/>
+                    <a:p>
+                      <a:pPr indent="0">
+                        <a:buNone/>
+                      </a:pPr>
+                      <a:r>
+                        <a:rPr lang="en-US" altLang="zh-CN" sz="1200" b="0">
+                          <a:latin typeface="Calibri" panose="020F0502020204030204" charset="0"/>
+                          <a:cs typeface="Calibri" panose="020F0502020204030204" charset="0"/>
+                        </a:rPr>
+                        <a:t>Jacques Bughin</a:t>
+                      </a:r>
+                      <a:endParaRPr lang="en-US" altLang="zh-CN" sz="1200" b="0">
+                        <a:latin typeface="Calibri" panose="020F0502020204030204" charset="0"/>
+                        <a:ea typeface="Calibri" panose="020F0502020204030204" charset="0"/>
+                        <a:cs typeface="Calibri" panose="020F0502020204030204" charset="0"/>
+                      </a:endParaRPr>
+                    </a:p>
+                  </a:txBody>
+                  <a:tcPr marL="0" marR="0" marT="63500" marB="63500" vert="horz" anchor="t">
+                    <a:lnL w="12700" cap="flat" cmpd="sng">
+                      <a:solidFill>
+                        <a:srgbClr val="080000"/>
+                      </a:solidFill>
+                      <a:prstDash val="solid"/>
+                      <a:headEnd type="none" w="med" len="med"/>
+                      <a:tailEnd type="none" w="med" len="med"/>
+                    </a:lnL>
+                    <a:lnR w="12700" cap="flat" cmpd="sng">
+                      <a:solidFill>
+                        <a:srgbClr val="080000"/>
+                      </a:solidFill>
+                      <a:prstDash val="solid"/>
+                      <a:headEnd type="none" w="med" len="med"/>
+                      <a:tailEnd type="none" w="med" len="med"/>
+                    </a:lnR>
+                    <a:lnT w="12700" cap="flat" cmpd="sng">
+                      <a:solidFill>
+                        <a:srgbClr val="080000"/>
+                      </a:solidFill>
+                      <a:prstDash val="solid"/>
+                      <a:headEnd type="none" w="med" len="med"/>
+                      <a:tailEnd type="none" w="med" len="med"/>
+                    </a:lnT>
+                    <a:lnB w="12700" cap="flat" cmpd="sng">
+                      <a:solidFill>
+                        <a:srgbClr val="080000"/>
+                      </a:solidFill>
+                      <a:prstDash val="solid"/>
+                      <a:headEnd type="none" w="med" len="med"/>
+                      <a:tailEnd type="none" w="med" len="med"/>
+                    </a:lnB>
+                    <a:lnTlToBr>
+                      <a:noFill/>
+                    </a:lnTlToBr>
+                    <a:lnBlToTr>
+                      <a:noFill/>
+                    </a:lnBlToTr>
+                    <a:noFill/>
+                  </a:tcPr>
+                </a:tc>
+                <a:tc>
+                  <a:txBody>
+                    <a:bodyPr/>
+                    <a:p>
+                      <a:pPr indent="0">
+                        <a:buNone/>
+                      </a:pPr>
+                      <a:r>
+                        <a:rPr lang="zh-CN" altLang="en-US" sz="1200" b="0">
+                          <a:latin typeface="宋体" panose="02010600030101010101" pitchFamily="2" charset="-122"/>
+                          <a:ea typeface="宋体" panose="02010600030101010101" pitchFamily="2" charset="-122"/>
+                          <a:cs typeface="宋体" panose="02010600030101010101" pitchFamily="2" charset="-122"/>
+                        </a:rPr>
+                        <a:t>实时监测预测</a:t>
+                      </a:r>
+                      <a:r>
+                        <a:rPr lang="zh-CN" altLang="en-US" sz="1200" b="0">
+                          <a:latin typeface="Calibri" panose="020F0502020204030204" charset="0"/>
+                          <a:cs typeface="Calibri" panose="020F0502020204030204" charset="0"/>
+                        </a:rPr>
+                        <a:t>比利时国家电信公司销量</a:t>
+                      </a:r>
+                      <a:r>
+                        <a:rPr lang="zh-CN" altLang="en-US" sz="1200" b="0">
+                          <a:latin typeface="宋体" panose="02010600030101010101" pitchFamily="2" charset="-122"/>
+                          <a:ea typeface="宋体" panose="02010600030101010101" pitchFamily="2" charset="-122"/>
+                          <a:cs typeface="宋体" panose="02010600030101010101" pitchFamily="2" charset="-122"/>
+                        </a:rPr>
+                        <a:t>（网络和数字电视的）</a:t>
+                      </a:r>
+                      <a:endParaRPr lang="zh-CN" altLang="en-US" sz="1200" b="0">
+                        <a:latin typeface="宋体" panose="02010600030101010101" pitchFamily="2" charset="-122"/>
+                        <a:ea typeface="宋体" panose="02010600030101010101" pitchFamily="2" charset="-122"/>
+                        <a:cs typeface="宋体" panose="02010600030101010101" pitchFamily="2" charset="-122"/>
+                      </a:endParaRPr>
+                    </a:p>
+                  </a:txBody>
+                  <a:tcPr marL="0" marR="0" marT="63500" marB="63500" vert="horz" anchor="t">
+                    <a:lnL w="12700" cap="flat" cmpd="sng">
+                      <a:solidFill>
+                        <a:srgbClr val="080000"/>
+                      </a:solidFill>
+                      <a:prstDash val="solid"/>
+                      <a:headEnd type="none" w="med" len="med"/>
+                      <a:tailEnd type="none" w="med" len="med"/>
+                    </a:lnL>
+                    <a:lnR w="9525" cap="flat" cmpd="sng">
+                      <a:solidFill>
+                        <a:srgbClr val="000000"/>
+                      </a:solidFill>
+                      <a:prstDash val="solid"/>
+                      <a:headEnd type="none" w="med" len="med"/>
+                      <a:tailEnd type="none" w="med" len="med"/>
+                    </a:lnR>
+                    <a:lnT w="12700" cap="flat" cmpd="sng">
+                      <a:solidFill>
+                        <a:srgbClr val="080000"/>
+                      </a:solidFill>
+                      <a:prstDash val="solid"/>
+                      <a:headEnd type="none" w="med" len="med"/>
+                      <a:tailEnd type="none" w="med" len="med"/>
+                    </a:lnT>
+                    <a:lnB w="12700" cap="flat" cmpd="sng">
+                      <a:solidFill>
+                        <a:srgbClr val="080000"/>
+                      </a:solidFill>
+                      <a:prstDash val="solid"/>
+                      <a:headEnd type="none" w="med" len="med"/>
+                      <a:tailEnd type="none" w="med" len="med"/>
+                    </a:lnB>
+                    <a:lnTlToBr>
+                      <a:noFill/>
+                    </a:lnTlToBr>
+                    <a:lnBlToTr>
+                      <a:noFill/>
+                    </a:lnBlToTr>
+                    <a:noFill/>
+                  </a:tcPr>
+                </a:tc>
+                <a:tc>
+                  <a:txBody>
+                    <a:bodyPr/>
+                    <a:p>
+                      <a:pPr indent="0">
+                        <a:buNone/>
+                      </a:pPr>
+                      <a:r>
+                        <a:rPr lang="en-US" altLang="zh-CN" sz="1200" b="0">
+                          <a:latin typeface="宋体" panose="02010600030101010101" pitchFamily="2" charset="-122"/>
+                          <a:ea typeface="宋体" panose="02010600030101010101" pitchFamily="2" charset="-122"/>
+                          <a:cs typeface="宋体" panose="02010600030101010101" pitchFamily="2" charset="-122"/>
+                        </a:rPr>
+                        <a:t>Google </a:t>
+                      </a:r>
+                      <a:r>
+                        <a:rPr lang="zh-CN" altLang="en-US" sz="1200" b="0">
+                          <a:latin typeface="宋体" panose="02010600030101010101" pitchFamily="2" charset="-122"/>
+                          <a:ea typeface="宋体" panose="02010600030101010101" pitchFamily="2" charset="-122"/>
+                          <a:cs typeface="宋体" panose="02010600030101010101" pitchFamily="2" charset="-122"/>
+                        </a:rPr>
+                        <a:t>搜索数据与社交媒体数据的融合（</a:t>
+                      </a:r>
+                      <a:r>
+                        <a:rPr lang="en-US" altLang="zh-CN" sz="1200" b="0">
+                          <a:latin typeface="宋体" panose="02010600030101010101" pitchFamily="2" charset="-122"/>
+                          <a:ea typeface="宋体" panose="02010600030101010101" pitchFamily="2" charset="-122"/>
+                          <a:cs typeface="宋体" panose="02010600030101010101" pitchFamily="2" charset="-122"/>
+                        </a:rPr>
+                        <a:t>Twitter, Facebook</a:t>
+                      </a:r>
+                      <a:r>
+                        <a:rPr lang="zh-CN" altLang="en-US" sz="1200" b="0">
+                          <a:latin typeface="宋体" panose="02010600030101010101" pitchFamily="2" charset="-122"/>
+                          <a:ea typeface="宋体" panose="02010600030101010101" pitchFamily="2" charset="-122"/>
+                          <a:cs typeface="宋体" panose="02010600030101010101" pitchFamily="2" charset="-122"/>
+                        </a:rPr>
+                        <a:t>和其它博客数据）</a:t>
+                      </a:r>
+                      <a:endParaRPr lang="zh-CN" altLang="en-US" sz="1200" b="0">
+                        <a:latin typeface="宋体" panose="02010600030101010101" pitchFamily="2" charset="-122"/>
+                        <a:ea typeface="宋体" panose="02010600030101010101" pitchFamily="2" charset="-122"/>
+                        <a:cs typeface="宋体" panose="02010600030101010101" pitchFamily="2" charset="-122"/>
+                      </a:endParaRPr>
+                    </a:p>
+                  </a:txBody>
+                  <a:tcPr marL="0" marR="0" marT="63500" marB="63500" vert="horz" anchor="t">
+                    <a:lnL w="9525" cap="flat" cmpd="sng">
+                      <a:solidFill>
+                        <a:srgbClr val="000000"/>
+                      </a:solidFill>
+                      <a:prstDash val="solid"/>
+                      <a:headEnd type="none" w="med" len="med"/>
+                      <a:tailEnd type="none" w="med" len="med"/>
+                    </a:lnL>
+                    <a:lnR w="9525" cap="flat" cmpd="sng">
+                      <a:solidFill>
+                        <a:srgbClr val="000000"/>
+                      </a:solidFill>
+                      <a:prstDash val="solid"/>
+                      <a:headEnd type="none" w="med" len="med"/>
+                      <a:tailEnd type="none" w="med" len="med"/>
+                    </a:lnR>
+                    <a:lnT w="12700" cap="flat" cmpd="sng">
+                      <a:solidFill>
+                        <a:srgbClr val="080000"/>
+                      </a:solidFill>
+                      <a:prstDash val="solid"/>
+                      <a:headEnd type="none" w="med" len="med"/>
+                      <a:tailEnd type="none" w="med" len="med"/>
+                    </a:lnT>
+                    <a:lnB w="12700" cap="flat" cmpd="sng">
+                      <a:solidFill>
+                        <a:srgbClr val="080000"/>
+                      </a:solidFill>
+                      <a:prstDash val="solid"/>
+                      <a:headEnd type="none" w="med" len="med"/>
+                      <a:tailEnd type="none" w="med" len="med"/>
+                    </a:lnB>
+                    <a:lnTlToBr>
+                      <a:noFill/>
+                    </a:lnTlToBr>
+                    <a:lnBlToTr>
+                      <a:noFill/>
+                    </a:lnBlToTr>
+                    <a:noFill/>
+                  </a:tcPr>
+                </a:tc>
+                <a:tc>
+                  <a:txBody>
+                    <a:bodyPr/>
+                    <a:p>
+                      <a:pPr indent="0">
+                        <a:buNone/>
+                      </a:pPr>
+                      <a:r>
+                        <a:rPr lang="zh-CN" altLang="en-US" sz="1200" b="0">
+                          <a:latin typeface="宋体" panose="02010600030101010101" pitchFamily="2" charset="-122"/>
+                          <a:ea typeface="宋体" panose="02010600030101010101" pitchFamily="2" charset="-122"/>
+                          <a:cs typeface="宋体" panose="02010600030101010101" pitchFamily="2" charset="-122"/>
+                        </a:rPr>
+                        <a:t>加入了短期预测变量的误差修正机制模型</a:t>
+                      </a:r>
+                      <a:r>
+                        <a:rPr lang="en-US" altLang="zh-CN" sz="1200" b="0">
+                          <a:latin typeface="宋体" panose="02010600030101010101" pitchFamily="2" charset="-122"/>
+                          <a:ea typeface="宋体" panose="02010600030101010101" pitchFamily="2" charset="-122"/>
+                          <a:cs typeface="宋体" panose="02010600030101010101" pitchFamily="2" charset="-122"/>
+                        </a:rPr>
+                        <a:t>(Error Correction Mechanism</a:t>
+                      </a:r>
+                      <a:r>
+                        <a:rPr lang="zh-CN" altLang="en-US" sz="1200" b="0">
+                          <a:latin typeface="宋体" panose="02010600030101010101" pitchFamily="2" charset="-122"/>
+                          <a:ea typeface="宋体" panose="02010600030101010101" pitchFamily="2" charset="-122"/>
+                          <a:cs typeface="宋体" panose="02010600030101010101" pitchFamily="2" charset="-122"/>
+                        </a:rPr>
+                        <a:t>，</a:t>
+                      </a:r>
+                      <a:r>
+                        <a:rPr lang="en-US" altLang="zh-CN" sz="1200" b="0">
+                          <a:latin typeface="宋体" panose="02010600030101010101" pitchFamily="2" charset="-122"/>
+                          <a:ea typeface="宋体" panose="02010600030101010101" pitchFamily="2" charset="-122"/>
+                          <a:cs typeface="宋体" panose="02010600030101010101" pitchFamily="2" charset="-122"/>
+                        </a:rPr>
+                        <a:t>ECM)</a:t>
+                      </a:r>
+                      <a:endParaRPr lang="en-US" altLang="zh-CN" sz="1200" b="0">
+                        <a:latin typeface="宋体" panose="02010600030101010101" pitchFamily="2" charset="-122"/>
+                        <a:ea typeface="宋体" panose="02010600030101010101" pitchFamily="2" charset="-122"/>
+                        <a:cs typeface="宋体" panose="02010600030101010101" pitchFamily="2" charset="-122"/>
+                      </a:endParaRPr>
+                    </a:p>
+                  </a:txBody>
+                  <a:tcPr marL="0" marR="0" marT="63500" marB="63500" vert="horz" anchor="t">
+                    <a:lnL w="9525" cap="flat" cmpd="sng">
+                      <a:solidFill>
+                        <a:srgbClr val="000000"/>
+                      </a:solidFill>
+                      <a:prstDash val="solid"/>
+                      <a:headEnd type="none" w="med" len="med"/>
+                      <a:tailEnd type="none" w="med" len="med"/>
+                    </a:lnL>
+                    <a:lnR w="9525" cap="flat" cmpd="sng">
+                      <a:solidFill>
+                        <a:srgbClr val="000000"/>
+                      </a:solidFill>
+                      <a:prstDash val="solid"/>
+                      <a:headEnd type="none" w="med" len="med"/>
+                      <a:tailEnd type="none" w="med" len="med"/>
+                    </a:lnR>
+                    <a:lnT w="12700" cap="flat" cmpd="sng">
+                      <a:solidFill>
+                        <a:srgbClr val="080000"/>
+                      </a:solidFill>
+                      <a:prstDash val="solid"/>
+                      <a:headEnd type="none" w="med" len="med"/>
+                      <a:tailEnd type="none" w="med" len="med"/>
+                    </a:lnT>
+                    <a:lnB w="12700" cap="flat" cmpd="sng">
+                      <a:solidFill>
+                        <a:srgbClr val="080000"/>
+                      </a:solidFill>
+                      <a:prstDash val="solid"/>
+                      <a:headEnd type="none" w="med" len="med"/>
+                      <a:tailEnd type="none" w="med" len="med"/>
+                    </a:lnB>
+                    <a:lnTlToBr>
+                      <a:noFill/>
+                    </a:lnTlToBr>
+                    <a:lnBlToTr>
+                      <a:noFill/>
+                    </a:lnBlToTr>
+                    <a:noFill/>
+                  </a:tcPr>
+                </a:tc>
+                <a:tc>
+                  <a:txBody>
+                    <a:bodyPr/>
+                    <a:p>
+                      <a:pPr indent="0">
+                        <a:buNone/>
+                      </a:pPr>
+                      <a:r>
+                        <a:rPr lang="zh-CN" altLang="en-US" sz="1200" b="0">
+                          <a:latin typeface="宋体" panose="02010600030101010101" pitchFamily="2" charset="-122"/>
+                          <a:ea typeface="宋体" panose="02010600030101010101" pitchFamily="2" charset="-122"/>
+                          <a:cs typeface="宋体" panose="02010600030101010101" pitchFamily="2" charset="-122"/>
+                        </a:rPr>
+                        <a:t>销量的 </a:t>
+                      </a:r>
+                      <a:r>
+                        <a:rPr lang="en-US" altLang="zh-CN" sz="1200" b="0">
+                          <a:latin typeface="宋体" panose="02010600030101010101" pitchFamily="2" charset="-122"/>
+                          <a:ea typeface="宋体" panose="02010600030101010101" pitchFamily="2" charset="-122"/>
+                          <a:cs typeface="宋体" panose="02010600030101010101" pitchFamily="2" charset="-122"/>
+                        </a:rPr>
+                        <a:t>15%</a:t>
+                      </a:r>
+                      <a:r>
+                        <a:rPr lang="zh-CN" altLang="en-US" sz="1200" b="0">
+                          <a:latin typeface="宋体" panose="02010600030101010101" pitchFamily="2" charset="-122"/>
+                          <a:ea typeface="宋体" panose="02010600030101010101" pitchFamily="2" charset="-122"/>
+                          <a:cs typeface="宋体" panose="02010600030101010101" pitchFamily="2" charset="-122"/>
+                        </a:rPr>
+                        <a:t>可以通过网络社交媒体数据解释，</a:t>
+                      </a:r>
+                      <a:r>
+                        <a:rPr lang="en-US" altLang="zh-CN" sz="1200" b="0">
+                          <a:latin typeface="宋体" panose="02010600030101010101" pitchFamily="2" charset="-122"/>
+                          <a:ea typeface="宋体" panose="02010600030101010101" pitchFamily="2" charset="-122"/>
+                          <a:cs typeface="宋体" panose="02010600030101010101" pitchFamily="2" charset="-122"/>
+                        </a:rPr>
+                        <a:t>25%</a:t>
+                      </a:r>
+                      <a:r>
+                        <a:rPr lang="zh-CN" altLang="en-US" sz="1200" b="0">
+                          <a:latin typeface="宋体" panose="02010600030101010101" pitchFamily="2" charset="-122"/>
+                          <a:ea typeface="宋体" panose="02010600030101010101" pitchFamily="2" charset="-122"/>
+                          <a:cs typeface="宋体" panose="02010600030101010101" pitchFamily="2" charset="-122"/>
+                        </a:rPr>
+                        <a:t>可以通过网络搜索数据解释；加入网络社交媒体和网络搜索数据以后，模型的整体预测能力提高了 </a:t>
+                      </a:r>
+                      <a:r>
+                        <a:rPr lang="en-US" altLang="zh-CN" sz="1200" b="0">
+                          <a:latin typeface="宋体" panose="02010600030101010101" pitchFamily="2" charset="-122"/>
+                          <a:ea typeface="宋体" panose="02010600030101010101" pitchFamily="2" charset="-122"/>
+                          <a:cs typeface="宋体" panose="02010600030101010101" pitchFamily="2" charset="-122"/>
+                        </a:rPr>
+                        <a:t>25%</a:t>
+                      </a:r>
+                      <a:r>
+                        <a:rPr lang="zh-CN" altLang="en-US" sz="1200" b="0">
+                          <a:latin typeface="宋体" panose="02010600030101010101" pitchFamily="2" charset="-122"/>
+                          <a:ea typeface="宋体" panose="02010600030101010101" pitchFamily="2" charset="-122"/>
+                          <a:cs typeface="宋体" panose="02010600030101010101" pitchFamily="2" charset="-122"/>
+                        </a:rPr>
+                        <a:t>。</a:t>
+                      </a:r>
+                      <a:endParaRPr lang="zh-CN" altLang="en-US" sz="1200" b="0">
+                        <a:latin typeface="宋体" panose="02010600030101010101" pitchFamily="2" charset="-122"/>
+                        <a:ea typeface="宋体" panose="02010600030101010101" pitchFamily="2" charset="-122"/>
+                        <a:cs typeface="宋体" panose="02010600030101010101" pitchFamily="2" charset="-122"/>
+                      </a:endParaRPr>
+                    </a:p>
+                  </a:txBody>
+                  <a:tcPr marL="0" marR="0" marT="63500" marB="63500" vert="horz" anchor="t">
+                    <a:lnL w="9525" cap="flat" cmpd="sng">
+                      <a:solidFill>
+                        <a:srgbClr val="000000"/>
+                      </a:solidFill>
+                      <a:prstDash val="solid"/>
+                      <a:headEnd type="none" w="med" len="med"/>
+                      <a:tailEnd type="none" w="med" len="med"/>
+                    </a:lnL>
+                    <a:lnR w="9525" cap="flat" cmpd="sng">
+                      <a:solidFill>
+                        <a:srgbClr val="000000"/>
+                      </a:solidFill>
+                      <a:prstDash val="solid"/>
+                      <a:headEnd type="none" w="med" len="med"/>
+                      <a:tailEnd type="none" w="med" len="med"/>
+                    </a:lnR>
+                    <a:lnT w="12700" cap="flat" cmpd="sng">
+                      <a:solidFill>
+                        <a:srgbClr val="080000"/>
+                      </a:solidFill>
+                      <a:prstDash val="solid"/>
+                      <a:headEnd type="none" w="med" len="med"/>
+                      <a:tailEnd type="none" w="med" len="med"/>
+                    </a:lnT>
+                    <a:lnB w="12700" cap="flat" cmpd="sng">
+                      <a:solidFill>
+                        <a:srgbClr val="080000"/>
+                      </a:solidFill>
+                      <a:prstDash val="solid"/>
+                      <a:headEnd type="none" w="med" len="med"/>
+                      <a:tailEnd type="none" w="med" len="med"/>
+                    </a:lnB>
+                    <a:lnTlToBr>
+                      <a:noFill/>
+                    </a:lnTlToBr>
+                    <a:lnBlToTr>
+                      <a:noFill/>
+                    </a:lnBlToTr>
+                    <a:noFill/>
+                  </a:tcPr>
+                </a:tc>
+              </a:tr>
+              <a:tr h="670560">
+                <a:tc>
+                  <a:txBody>
+                    <a:bodyPr/>
+                    <a:p>
+                      <a:pPr indent="0">
+                        <a:buNone/>
+                      </a:pPr>
+                      <a:r>
+                        <a:rPr lang="en-US" altLang="zh-CN" sz="1200" b="0">
+                          <a:latin typeface="Calibri" panose="020F0502020204030204" charset="0"/>
+                          <a:cs typeface="Calibri" panose="020F0502020204030204" charset="0"/>
+                        </a:rPr>
+                        <a:t>Choi H, Varian H</a:t>
+                      </a:r>
+                      <a:r>
+                        <a:rPr lang="zh-CN" altLang="en-US" sz="1200" b="0">
+                          <a:latin typeface="Calibri" panose="020F0502020204030204" charset="0"/>
+                          <a:cs typeface="Calibri" panose="020F0502020204030204" charset="0"/>
+                        </a:rPr>
+                        <a:t>（</a:t>
+                      </a:r>
+                      <a:r>
+                        <a:rPr lang="en-US" altLang="zh-CN" sz="1200" b="0">
+                          <a:latin typeface="Calibri" panose="020F0502020204030204" charset="0"/>
+                          <a:cs typeface="Calibri" panose="020F0502020204030204" charset="0"/>
+                        </a:rPr>
+                        <a:t>2012</a:t>
+                      </a:r>
+                      <a:r>
+                        <a:rPr lang="zh-CN" altLang="en-US" sz="1200" b="0">
+                          <a:latin typeface="Calibri" panose="020F0502020204030204" charset="0"/>
+                          <a:cs typeface="Calibri" panose="020F0502020204030204" charset="0"/>
+                        </a:rPr>
+                        <a:t>）</a:t>
+                      </a:r>
+                      <a:endParaRPr lang="zh-CN" altLang="en-US" sz="1200" b="0">
+                        <a:latin typeface="Calibri" panose="020F0502020204030204" charset="0"/>
+                        <a:ea typeface="Calibri" panose="020F0502020204030204" charset="0"/>
+                        <a:cs typeface="Calibri" panose="020F0502020204030204" charset="0"/>
+                      </a:endParaRPr>
+                    </a:p>
+                  </a:txBody>
+                  <a:tcPr marL="0" marR="0" marT="63500" marB="63500" vert="horz" anchor="t">
+                    <a:lnL w="12700" cap="flat" cmpd="sng">
+                      <a:solidFill>
+                        <a:srgbClr val="080000"/>
+                      </a:solidFill>
+                      <a:prstDash val="solid"/>
+                      <a:headEnd type="none" w="med" len="med"/>
+                      <a:tailEnd type="none" w="med" len="med"/>
+                    </a:lnL>
+                    <a:lnR w="12700" cap="flat" cmpd="sng">
+                      <a:solidFill>
+                        <a:srgbClr val="080000"/>
+                      </a:solidFill>
+                      <a:prstDash val="solid"/>
+                      <a:headEnd type="none" w="med" len="med"/>
+                      <a:tailEnd type="none" w="med" len="med"/>
+                    </a:lnR>
+                    <a:lnT w="12700" cap="flat" cmpd="sng">
+                      <a:solidFill>
+                        <a:srgbClr val="080000"/>
+                      </a:solidFill>
+                      <a:prstDash val="solid"/>
+                      <a:headEnd type="none" w="med" len="med"/>
+                      <a:tailEnd type="none" w="med" len="med"/>
+                    </a:lnT>
+                    <a:lnB w="12700" cap="flat" cmpd="sng">
+                      <a:solidFill>
+                        <a:srgbClr val="080000"/>
+                      </a:solidFill>
+                      <a:prstDash val="solid"/>
+                      <a:headEnd type="none" w="med" len="med"/>
+                      <a:tailEnd type="none" w="med" len="med"/>
+                    </a:lnB>
+                    <a:lnTlToBr>
+                      <a:noFill/>
+                    </a:lnTlToBr>
+                    <a:lnBlToTr>
+                      <a:noFill/>
+                    </a:lnBlToTr>
+                    <a:noFill/>
+                  </a:tcPr>
+                </a:tc>
+                <a:tc>
+                  <a:txBody>
+                    <a:bodyPr/>
+                    <a:p>
+                      <a:pPr indent="0">
+                        <a:buNone/>
+                      </a:pPr>
+                      <a:r>
+                        <a:rPr lang="zh-CN" altLang="en-US" sz="1200" b="0">
+                          <a:latin typeface="Calibri" panose="020F0502020204030204" charset="0"/>
+                          <a:cs typeface="Calibri" panose="020F0502020204030204" charset="0"/>
+                        </a:rPr>
+                        <a:t>汽车销售</a:t>
+                      </a:r>
+                      <a:endParaRPr lang="zh-CN" altLang="en-US" sz="1200" b="0">
+                        <a:latin typeface="Calibri" panose="020F0502020204030204" charset="0"/>
+                        <a:ea typeface="Calibri" panose="020F0502020204030204" charset="0"/>
+                        <a:cs typeface="Calibri" panose="020F0502020204030204" charset="0"/>
+                      </a:endParaRPr>
+                    </a:p>
+                  </a:txBody>
+                  <a:tcPr marL="0" marR="0" marT="63500" marB="63500" vert="horz" anchor="t">
+                    <a:lnL w="12700" cap="flat" cmpd="sng">
+                      <a:solidFill>
+                        <a:srgbClr val="080000"/>
+                      </a:solidFill>
+                      <a:prstDash val="solid"/>
+                      <a:headEnd type="none" w="med" len="med"/>
+                      <a:tailEnd type="none" w="med" len="med"/>
+                    </a:lnL>
+                    <a:lnR w="9525" cap="flat" cmpd="sng">
+                      <a:solidFill>
+                        <a:srgbClr val="000000"/>
+                      </a:solidFill>
+                      <a:prstDash val="solid"/>
+                      <a:headEnd type="none" w="med" len="med"/>
+                      <a:tailEnd type="none" w="med" len="med"/>
+                    </a:lnR>
+                    <a:lnT w="12700" cap="flat" cmpd="sng">
+                      <a:solidFill>
+                        <a:srgbClr val="080000"/>
+                      </a:solidFill>
+                      <a:prstDash val="solid"/>
+                      <a:headEnd type="none" w="med" len="med"/>
+                      <a:tailEnd type="none" w="med" len="med"/>
+                    </a:lnT>
+                    <a:lnB w="12700" cap="flat" cmpd="sng">
+                      <a:solidFill>
+                        <a:srgbClr val="080000"/>
+                      </a:solidFill>
+                      <a:prstDash val="solid"/>
+                      <a:headEnd type="none" w="med" len="med"/>
+                      <a:tailEnd type="none" w="med" len="med"/>
+                    </a:lnB>
+                    <a:lnTlToBr>
+                      <a:noFill/>
+                    </a:lnTlToBr>
+                    <a:lnBlToTr>
+                      <a:noFill/>
+                    </a:lnBlToTr>
+                    <a:noFill/>
+                  </a:tcPr>
+                </a:tc>
+                <a:tc>
+                  <a:txBody>
+                    <a:bodyPr/>
+                    <a:p>
+                      <a:pPr indent="0">
+                        <a:buNone/>
+                      </a:pPr>
+                      <a:r>
+                        <a:rPr lang="zh-CN" altLang="en-US" sz="1200" b="0">
+                          <a:latin typeface="宋体" panose="02010600030101010101" pitchFamily="2" charset="-122"/>
+                          <a:ea typeface="宋体" panose="02010600030101010101" pitchFamily="2" charset="-122"/>
+                          <a:cs typeface="宋体" panose="02010600030101010101" pitchFamily="2" charset="-122"/>
+                        </a:rPr>
+                        <a:t>美国国家统计局公布的机动车及其零部件销售情况，</a:t>
+                      </a:r>
+                      <a:r>
+                        <a:rPr lang="en-US" altLang="zh-CN" sz="1200" b="0">
+                          <a:latin typeface="宋体" panose="02010600030101010101" pitchFamily="2" charset="-122"/>
+                          <a:ea typeface="宋体" panose="02010600030101010101" pitchFamily="2" charset="-122"/>
+                          <a:cs typeface="宋体" panose="02010600030101010101" pitchFamily="2" charset="-122"/>
+                        </a:rPr>
+                        <a:t>Google </a:t>
+                      </a:r>
+                      <a:r>
+                        <a:rPr lang="zh-CN" altLang="en-US" sz="1200" b="0">
+                          <a:latin typeface="宋体" panose="02010600030101010101" pitchFamily="2" charset="-122"/>
+                          <a:ea typeface="宋体" panose="02010600030101010101" pitchFamily="2" charset="-122"/>
+                          <a:cs typeface="宋体" panose="02010600030101010101" pitchFamily="2" charset="-122"/>
+                        </a:rPr>
+                        <a:t>搜索与机动车有关的数据</a:t>
+                      </a:r>
+                      <a:endParaRPr lang="zh-CN" altLang="en-US" sz="1200" b="0">
+                        <a:latin typeface="宋体" panose="02010600030101010101" pitchFamily="2" charset="-122"/>
+                        <a:ea typeface="宋体" panose="02010600030101010101" pitchFamily="2" charset="-122"/>
+                        <a:cs typeface="宋体" panose="02010600030101010101" pitchFamily="2" charset="-122"/>
+                      </a:endParaRPr>
+                    </a:p>
+                  </a:txBody>
+                  <a:tcPr marL="0" marR="0" marT="63500" marB="63500" vert="horz" anchor="t">
+                    <a:lnL w="9525" cap="flat" cmpd="sng">
+                      <a:solidFill>
+                        <a:srgbClr val="000000"/>
+                      </a:solidFill>
+                      <a:prstDash val="solid"/>
+                      <a:headEnd type="none" w="med" len="med"/>
+                      <a:tailEnd type="none" w="med" len="med"/>
+                    </a:lnL>
+                    <a:lnR w="9525" cap="flat" cmpd="sng">
+                      <a:solidFill>
+                        <a:srgbClr val="000000"/>
+                      </a:solidFill>
+                      <a:prstDash val="solid"/>
+                      <a:headEnd type="none" w="med" len="med"/>
+                      <a:tailEnd type="none" w="med" len="med"/>
+                    </a:lnR>
+                    <a:lnT w="12700" cap="flat" cmpd="sng">
+                      <a:solidFill>
+                        <a:srgbClr val="080000"/>
+                      </a:solidFill>
+                      <a:prstDash val="solid"/>
+                      <a:headEnd type="none" w="med" len="med"/>
+                      <a:tailEnd type="none" w="med" len="med"/>
+                    </a:lnT>
+                    <a:lnB w="12700" cap="flat" cmpd="sng">
+                      <a:solidFill>
+                        <a:srgbClr val="080000"/>
+                      </a:solidFill>
+                      <a:prstDash val="solid"/>
+                      <a:headEnd type="none" w="med" len="med"/>
+                      <a:tailEnd type="none" w="med" len="med"/>
+                    </a:lnB>
+                    <a:lnTlToBr>
+                      <a:noFill/>
+                    </a:lnTlToBr>
+                    <a:lnBlToTr>
+                      <a:noFill/>
+                    </a:lnBlToTr>
+                    <a:noFill/>
+                  </a:tcPr>
+                </a:tc>
+                <a:tc>
+                  <a:txBody>
+                    <a:bodyPr/>
+                    <a:p>
+                      <a:pPr indent="0">
+                        <a:buNone/>
+                      </a:pPr>
+                      <a:r>
+                        <a:rPr lang="zh-CN" altLang="en-US" sz="1200" b="0">
+                          <a:latin typeface="Calibri" panose="020F0502020204030204" charset="0"/>
+                          <a:cs typeface="Calibri" panose="020F0502020204030204" charset="0"/>
+                        </a:rPr>
+                        <a:t>自回归模型（</a:t>
+                      </a:r>
+                      <a:r>
+                        <a:rPr lang="en-US" altLang="zh-CN" sz="1200" b="0">
+                          <a:latin typeface="Calibri" panose="020F0502020204030204" charset="0"/>
+                          <a:cs typeface="Calibri" panose="020F0502020204030204" charset="0"/>
+                        </a:rPr>
+                        <a:t>Autoregressive models</a:t>
+                      </a:r>
+                      <a:r>
+                        <a:rPr lang="zh-CN" altLang="en-US" sz="1200" b="0">
+                          <a:latin typeface="Calibri" panose="020F0502020204030204" charset="0"/>
+                          <a:cs typeface="Calibri" panose="020F0502020204030204" charset="0"/>
+                        </a:rPr>
+                        <a:t>）</a:t>
+                      </a:r>
+                      <a:endParaRPr lang="zh-CN" altLang="en-US" sz="1200" b="0">
+                        <a:latin typeface="Calibri" panose="020F0502020204030204" charset="0"/>
+                        <a:ea typeface="Calibri" panose="020F0502020204030204" charset="0"/>
+                        <a:cs typeface="Calibri" panose="020F0502020204030204" charset="0"/>
+                      </a:endParaRPr>
+                    </a:p>
+                  </a:txBody>
+                  <a:tcPr marL="0" marR="0" marT="63500" marB="63500" vert="horz" anchor="t">
+                    <a:lnL w="9525" cap="flat" cmpd="sng">
+                      <a:solidFill>
+                        <a:srgbClr val="000000"/>
+                      </a:solidFill>
+                      <a:prstDash val="solid"/>
+                      <a:headEnd type="none" w="med" len="med"/>
+                      <a:tailEnd type="none" w="med" len="med"/>
+                    </a:lnL>
+                    <a:lnR w="9525" cap="flat" cmpd="sng">
+                      <a:solidFill>
+                        <a:srgbClr val="000000"/>
+                      </a:solidFill>
+                      <a:prstDash val="solid"/>
+                      <a:headEnd type="none" w="med" len="med"/>
+                      <a:tailEnd type="none" w="med" len="med"/>
+                    </a:lnR>
+                    <a:lnT w="12700" cap="flat" cmpd="sng">
+                      <a:solidFill>
+                        <a:srgbClr val="080000"/>
+                      </a:solidFill>
+                      <a:prstDash val="solid"/>
+                      <a:headEnd type="none" w="med" len="med"/>
+                      <a:tailEnd type="none" w="med" len="med"/>
+                    </a:lnT>
+                    <a:lnB w="12700" cap="flat" cmpd="sng">
+                      <a:solidFill>
+                        <a:srgbClr val="080000"/>
+                      </a:solidFill>
+                      <a:prstDash val="solid"/>
+                      <a:headEnd type="none" w="med" len="med"/>
+                      <a:tailEnd type="none" w="med" len="med"/>
+                    </a:lnB>
+                    <a:lnTlToBr>
+                      <a:noFill/>
+                    </a:lnTlToBr>
+                    <a:lnBlToTr>
+                      <a:noFill/>
+                    </a:lnBlToTr>
+                    <a:noFill/>
+                  </a:tcPr>
+                </a:tc>
+                <a:tc>
+                  <a:txBody>
+                    <a:bodyPr/>
+                    <a:p>
+                      <a:pPr indent="0">
+                        <a:buNone/>
+                      </a:pPr>
+                      <a:r>
+                        <a:rPr lang="zh-CN" altLang="en-US" sz="1200" b="0">
+                          <a:latin typeface="宋体" panose="02010600030101010101" pitchFamily="2" charset="-122"/>
+                          <a:ea typeface="宋体" panose="02010600030101010101" pitchFamily="2" charset="-122"/>
+                          <a:cs typeface="宋体" panose="02010600030101010101" pitchFamily="2" charset="-122"/>
+                        </a:rPr>
+                        <a:t>加入搜索数据后模型在实时预报上有性能提升，样本外的相对提升达到</a:t>
+                      </a:r>
+                      <a:r>
+                        <a:rPr lang="en-US" altLang="zh-CN" sz="1200" b="0">
+                          <a:latin typeface="宋体" panose="02010600030101010101" pitchFamily="2" charset="-122"/>
+                          <a:ea typeface="宋体" panose="02010600030101010101" pitchFamily="2" charset="-122"/>
+                          <a:cs typeface="宋体" panose="02010600030101010101" pitchFamily="2" charset="-122"/>
+                        </a:rPr>
+                        <a:t>21.5%</a:t>
+                      </a:r>
+                      <a:endParaRPr lang="en-US" altLang="zh-CN" sz="1200" b="0">
+                        <a:latin typeface="宋体" panose="02010600030101010101" pitchFamily="2" charset="-122"/>
+                        <a:ea typeface="宋体" panose="02010600030101010101" pitchFamily="2" charset="-122"/>
+                        <a:cs typeface="宋体" panose="02010600030101010101" pitchFamily="2" charset="-122"/>
+                      </a:endParaRPr>
+                    </a:p>
+                  </a:txBody>
+                  <a:tcPr marL="0" marR="0" marT="63500" marB="63500" vert="horz" anchor="t">
+                    <a:lnL w="9525" cap="flat" cmpd="sng">
+                      <a:solidFill>
+                        <a:srgbClr val="000000"/>
+                      </a:solidFill>
+                      <a:prstDash val="solid"/>
+                      <a:headEnd type="none" w="med" len="med"/>
+                      <a:tailEnd type="none" w="med" len="med"/>
+                    </a:lnL>
+                    <a:lnR w="9525" cap="flat" cmpd="sng">
+                      <a:solidFill>
+                        <a:srgbClr val="000000"/>
+                      </a:solidFill>
+                      <a:prstDash val="solid"/>
+                      <a:headEnd type="none" w="med" len="med"/>
+                      <a:tailEnd type="none" w="med" len="med"/>
+                    </a:lnR>
+                    <a:lnT w="12700" cap="flat" cmpd="sng">
+                      <a:solidFill>
+                        <a:srgbClr val="080000"/>
+                      </a:solidFill>
+                      <a:prstDash val="solid"/>
+                      <a:headEnd type="none" w="med" len="med"/>
+                      <a:tailEnd type="none" w="med" len="med"/>
+                    </a:lnT>
+                    <a:lnB w="12700" cap="flat" cmpd="sng">
+                      <a:solidFill>
+                        <a:srgbClr val="080000"/>
+                      </a:solidFill>
+                      <a:prstDash val="solid"/>
+                      <a:headEnd type="none" w="med" len="med"/>
+                      <a:tailEnd type="none" w="med" len="med"/>
+                    </a:lnB>
+                    <a:lnTlToBr>
+                      <a:noFill/>
+                    </a:lnTlToBr>
+                    <a:lnBlToTr>
+                      <a:noFill/>
+                    </a:lnBlToTr>
+                    <a:noFill/>
+                  </a:tcPr>
+                </a:tc>
+              </a:tr>
+            </a:tbl>
+          </a:graphicData>
+        </a:graphic>
+      </p:graphicFrame>
+    </p:spTree>
+  </p:cSld>
+  <p:clrMapOvr>
+    <a:masterClrMapping/>
+  </p:clrMapOvr>
+</p:sld>
+</file>
+
+<file path=ppt/slides/slide3.xml><?xml version="1.0" encoding="utf-8"?>
+<p:sld xmlns:a="http://schemas.openxmlformats.org/drawingml/2006/main" xmlns:r="http://schemas.openxmlformats.org/officeDocument/2006/relationships" xmlns:p="http://schemas.openxmlformats.org/presentationml/2006/main">
+  <p:cSld>
+    <p:spTree>
+      <p:nvGrpSpPr>
+        <p:cNvPr id="1" name=""/>
+        <p:cNvGrpSpPr/>
+        <p:nvPr/>
+      </p:nvGrpSpPr>
+      <p:grpSpPr/>
+      <p:sp>
+        <p:nvSpPr>
+          <p:cNvPr id="2" name="标题 1"/>
+          <p:cNvSpPr>
+            <a:spLocks noGrp="1"/>
+          </p:cNvSpPr>
+          <p:nvPr>
+            <p:ph type="title"/>
+          </p:nvPr>
+        </p:nvSpPr>
+        <p:spPr/>
+        <p:txBody>
+          <a:bodyPr/>
+          <a:p>
+            <a:r>
+              <a:rPr lang="zh-CN" altLang="en-US"/>
+              <a:t>相关行业产品需求、销量</a:t>
+            </a:r>
+            <a:endParaRPr lang="zh-CN" altLang="en-US"/>
+          </a:p>
+        </p:txBody>
+      </p:sp>
+      <p:graphicFrame>
+        <p:nvGraphicFramePr>
+          <p:cNvPr id="0" name="表格 -1"/>
+          <p:cNvGraphicFramePr/>
+          <p:nvPr/>
+        </p:nvGraphicFramePr>
+        <p:xfrm>
+          <a:off x="999490" y="1489710"/>
+          <a:ext cx="10439400" cy="4526280"/>
+        </p:xfrm>
+        <a:graphic>
+          <a:graphicData uri="http://schemas.openxmlformats.org/drawingml/2006/table">
+            <a:tbl>
+              <a:tblPr firstRow="1" bandRow="1">
+                <a:tableStyleId>{5940675A-B579-460E-94D1-54222C63F5DA}</a:tableStyleId>
+              </a:tblPr>
+              <a:tblGrid>
+                <a:gridCol w="2087880"/>
+                <a:gridCol w="2087880"/>
+                <a:gridCol w="2087880"/>
+                <a:gridCol w="2087880"/>
+                <a:gridCol w="2087880"/>
+              </a:tblGrid>
+              <a:tr h="531495">
+                <a:tc>
+                  <a:txBody>
+                    <a:bodyPr/>
+                    <a:p>
+                      <a:pPr indent="0">
+                        <a:buNone/>
+                      </a:pPr>
+                      <a:r>
+                        <a:rPr lang="en-US" altLang="zh-CN" sz="1200" b="0">
+                          <a:latin typeface="Calibri" panose="020F0502020204030204" charset="0"/>
+                          <a:cs typeface="Calibri" panose="020F0502020204030204" charset="0"/>
+                        </a:rPr>
+                        <a:t>Barreira, N., Godinho, P., &amp; Melo, P. (2013)</a:t>
+                      </a:r>
+                      <a:endParaRPr lang="en-US" altLang="zh-CN" sz="1200" b="0">
+                        <a:latin typeface="Calibri" panose="020F0502020204030204" charset="0"/>
+                        <a:ea typeface="Calibri" panose="020F0502020204030204" charset="0"/>
+                        <a:cs typeface="Calibri" panose="020F0502020204030204" charset="0"/>
+                      </a:endParaRPr>
+                    </a:p>
+                  </a:txBody>
+                  <a:tcPr marL="0" marR="0" marT="63500" marB="63500" vert="horz" anchor="t">
+                    <a:lnL w="12700" cap="flat" cmpd="sng">
+                      <a:solidFill>
+                        <a:srgbClr val="080000"/>
+                      </a:solidFill>
+                      <a:prstDash val="solid"/>
+                      <a:headEnd type="none" w="med" len="med"/>
+                      <a:tailEnd type="none" w="med" len="med"/>
+                    </a:lnL>
+                    <a:lnR w="12700" cap="flat" cmpd="sng">
+                      <a:solidFill>
+                        <a:srgbClr val="080000"/>
+                      </a:solidFill>
+                      <a:prstDash val="solid"/>
+                      <a:headEnd type="none" w="med" len="med"/>
+                      <a:tailEnd type="none" w="med" len="med"/>
+                    </a:lnR>
+                    <a:lnT w="12700" cap="flat" cmpd="sng">
+                      <a:solidFill>
+                        <a:srgbClr val="080000"/>
+                      </a:solidFill>
+                      <a:prstDash val="solid"/>
+                      <a:headEnd type="none" w="med" len="med"/>
+                      <a:tailEnd type="none" w="med" len="med"/>
+                    </a:lnT>
+                    <a:lnB w="12700" cap="flat" cmpd="sng">
+                      <a:solidFill>
+                        <a:srgbClr val="080000"/>
+                      </a:solidFill>
+                      <a:prstDash val="solid"/>
+                      <a:headEnd type="none" w="med" len="med"/>
+                      <a:tailEnd type="none" w="med" len="med"/>
+                    </a:lnB>
+                    <a:lnTlToBr>
+                      <a:noFill/>
+                    </a:lnTlToBr>
+                    <a:lnBlToTr>
+                      <a:noFill/>
+                    </a:lnBlToTr>
+                    <a:noFill/>
+                  </a:tcPr>
+                </a:tc>
+                <a:tc>
+                  <a:txBody>
+                    <a:bodyPr/>
+                    <a:p>
+                      <a:pPr indent="0">
+                        <a:buNone/>
+                      </a:pPr>
+                      <a:r>
+                        <a:rPr lang="zh-CN" altLang="en-US" sz="1200" b="0">
+                          <a:latin typeface="宋体" panose="02010600030101010101" pitchFamily="2" charset="-122"/>
+                          <a:ea typeface="宋体" panose="02010600030101010101" pitchFamily="2" charset="-122"/>
+                          <a:cs typeface="宋体" panose="02010600030101010101" pitchFamily="2" charset="-122"/>
+                        </a:rPr>
+                        <a:t>实时监测预测汽车销量</a:t>
+                      </a:r>
+                      <a:endParaRPr lang="zh-CN" altLang="en-US" sz="1200" b="0">
+                        <a:latin typeface="宋体" panose="02010600030101010101" pitchFamily="2" charset="-122"/>
+                        <a:ea typeface="宋体" panose="02010600030101010101" pitchFamily="2" charset="-122"/>
+                        <a:cs typeface="宋体" panose="02010600030101010101" pitchFamily="2" charset="-122"/>
+                      </a:endParaRPr>
+                    </a:p>
+                  </a:txBody>
+                  <a:tcPr marL="0" marR="0" marT="63500" marB="63500" vert="horz" anchor="t">
+                    <a:lnL w="12700" cap="flat" cmpd="sng">
+                      <a:solidFill>
+                        <a:srgbClr val="080000"/>
+                      </a:solidFill>
+                      <a:prstDash val="solid"/>
+                      <a:headEnd type="none" w="med" len="med"/>
+                      <a:tailEnd type="none" w="med" len="med"/>
+                    </a:lnL>
+                    <a:lnR w="9525" cap="flat" cmpd="sng">
+                      <a:solidFill>
+                        <a:srgbClr val="000000"/>
+                      </a:solidFill>
+                      <a:prstDash val="solid"/>
+                      <a:headEnd type="none" w="med" len="med"/>
+                      <a:tailEnd type="none" w="med" len="med"/>
+                    </a:lnR>
+                    <a:lnT w="12700" cap="flat" cmpd="sng">
+                      <a:solidFill>
+                        <a:srgbClr val="080000"/>
+                      </a:solidFill>
+                      <a:prstDash val="solid"/>
+                      <a:headEnd type="none" w="med" len="med"/>
+                      <a:tailEnd type="none" w="med" len="med"/>
+                    </a:lnT>
+                    <a:lnB w="12700" cap="flat" cmpd="sng">
+                      <a:solidFill>
+                        <a:srgbClr val="080000"/>
+                      </a:solidFill>
+                      <a:prstDash val="solid"/>
+                      <a:headEnd type="none" w="med" len="med"/>
+                      <a:tailEnd type="none" w="med" len="med"/>
+                    </a:lnB>
+                    <a:lnTlToBr>
+                      <a:noFill/>
+                    </a:lnTlToBr>
+                    <a:lnBlToTr>
+                      <a:noFill/>
+                    </a:lnBlToTr>
+                    <a:noFill/>
+                  </a:tcPr>
+                </a:tc>
+                <a:tc>
+                  <a:txBody>
+                    <a:bodyPr/>
+                    <a:p>
+                      <a:pPr indent="0">
+                        <a:buNone/>
+                      </a:pPr>
+                      <a:r>
+                        <a:rPr lang="zh-CN" altLang="en-US" sz="1200" b="0">
+                          <a:latin typeface="宋体" panose="02010600030101010101" pitchFamily="2" charset="-122"/>
+                          <a:ea typeface="宋体" panose="02010600030101010101" pitchFamily="2" charset="-122"/>
+                          <a:cs typeface="宋体" panose="02010600030101010101" pitchFamily="2" charset="-122"/>
+                        </a:rPr>
+                        <a:t>四个国家的与汽车销量相关的</a:t>
+                      </a:r>
+                      <a:r>
+                        <a:rPr lang="en-US" altLang="zh-CN" sz="1200" b="0">
+                          <a:latin typeface="宋体" panose="02010600030101010101" pitchFamily="2" charset="-122"/>
+                          <a:ea typeface="宋体" panose="02010600030101010101" pitchFamily="2" charset="-122"/>
+                          <a:cs typeface="宋体" panose="02010600030101010101" pitchFamily="2" charset="-122"/>
+                        </a:rPr>
+                        <a:t>Google </a:t>
+                      </a:r>
+                      <a:r>
+                        <a:rPr lang="zh-CN" altLang="en-US" sz="1200" b="0">
+                          <a:latin typeface="宋体" panose="02010600030101010101" pitchFamily="2" charset="-122"/>
+                          <a:ea typeface="宋体" panose="02010600030101010101" pitchFamily="2" charset="-122"/>
+                          <a:cs typeface="宋体" panose="02010600030101010101" pitchFamily="2" charset="-122"/>
+                        </a:rPr>
+                        <a:t>搜索数据</a:t>
+                      </a:r>
+                      <a:endParaRPr lang="zh-CN" altLang="en-US" sz="1200" b="0">
+                        <a:latin typeface="宋体" panose="02010600030101010101" pitchFamily="2" charset="-122"/>
+                        <a:ea typeface="宋体" panose="02010600030101010101" pitchFamily="2" charset="-122"/>
+                        <a:cs typeface="宋体" panose="02010600030101010101" pitchFamily="2" charset="-122"/>
+                      </a:endParaRPr>
+                    </a:p>
+                  </a:txBody>
+                  <a:tcPr marL="0" marR="0" marT="63500" marB="63500" vert="horz" anchor="t">
+                    <a:lnL w="9525" cap="flat" cmpd="sng">
+                      <a:solidFill>
+                        <a:srgbClr val="000000"/>
+                      </a:solidFill>
+                      <a:prstDash val="solid"/>
+                      <a:headEnd type="none" w="med" len="med"/>
+                      <a:tailEnd type="none" w="med" len="med"/>
+                    </a:lnL>
+                    <a:lnR w="9525" cap="flat" cmpd="sng">
+                      <a:solidFill>
+                        <a:srgbClr val="000000"/>
+                      </a:solidFill>
+                      <a:prstDash val="solid"/>
+                      <a:headEnd type="none" w="med" len="med"/>
+                      <a:tailEnd type="none" w="med" len="med"/>
+                    </a:lnR>
+                    <a:lnT w="12700" cap="flat" cmpd="sng">
+                      <a:solidFill>
+                        <a:srgbClr val="080000"/>
+                      </a:solidFill>
+                      <a:prstDash val="solid"/>
+                      <a:headEnd type="none" w="med" len="med"/>
+                      <a:tailEnd type="none" w="med" len="med"/>
+                    </a:lnT>
+                    <a:lnB w="12700" cap="flat" cmpd="sng">
+                      <a:solidFill>
+                        <a:srgbClr val="080000"/>
+                      </a:solidFill>
+                      <a:prstDash val="solid"/>
+                      <a:headEnd type="none" w="med" len="med"/>
+                      <a:tailEnd type="none" w="med" len="med"/>
+                    </a:lnB>
+                    <a:lnTlToBr>
+                      <a:noFill/>
+                    </a:lnTlToBr>
+                    <a:lnBlToTr>
+                      <a:noFill/>
+                    </a:lnBlToTr>
+                    <a:noFill/>
+                  </a:tcPr>
+                </a:tc>
+                <a:tc>
+                  <a:txBody>
+                    <a:bodyPr/>
+                    <a:p>
+                      <a:pPr indent="0">
+                        <a:buNone/>
+                      </a:pPr>
+                      <a:r>
+                        <a:rPr lang="zh-CN" altLang="en-US" sz="1200" b="0">
+                          <a:latin typeface="宋体" panose="02010600030101010101" pitchFamily="2" charset="-122"/>
+                          <a:ea typeface="宋体" panose="02010600030101010101" pitchFamily="2" charset="-122"/>
+                          <a:cs typeface="宋体" panose="02010600030101010101" pitchFamily="2" charset="-122"/>
+                        </a:rPr>
+                        <a:t>基本的自回归模型（</a:t>
+                      </a:r>
+                      <a:r>
+                        <a:rPr lang="en-US" altLang="zh-CN" sz="1200" b="0">
+                          <a:latin typeface="宋体" panose="02010600030101010101" pitchFamily="2" charset="-122"/>
+                          <a:ea typeface="宋体" panose="02010600030101010101" pitchFamily="2" charset="-122"/>
+                          <a:cs typeface="宋体" panose="02010600030101010101" pitchFamily="2" charset="-122"/>
+                        </a:rPr>
+                        <a:t>Autoregressive models</a:t>
+                      </a:r>
+                      <a:r>
+                        <a:rPr lang="zh-CN" altLang="en-US" sz="1200" b="0">
+                          <a:latin typeface="宋体" panose="02010600030101010101" pitchFamily="2" charset="-122"/>
+                          <a:ea typeface="宋体" panose="02010600030101010101" pitchFamily="2" charset="-122"/>
+                          <a:cs typeface="宋体" panose="02010600030101010101" pitchFamily="2" charset="-122"/>
+                        </a:rPr>
+                        <a:t>）</a:t>
+                      </a:r>
+                      <a:endParaRPr lang="zh-CN" altLang="en-US" sz="1200" b="0">
+                        <a:latin typeface="宋体" panose="02010600030101010101" pitchFamily="2" charset="-122"/>
+                        <a:ea typeface="宋体" panose="02010600030101010101" pitchFamily="2" charset="-122"/>
+                        <a:cs typeface="宋体" panose="02010600030101010101" pitchFamily="2" charset="-122"/>
+                      </a:endParaRPr>
+                    </a:p>
+                  </a:txBody>
+                  <a:tcPr marL="0" marR="0" marT="63500" marB="63500" vert="horz" anchor="t">
+                    <a:lnL w="9525" cap="flat" cmpd="sng">
+                      <a:solidFill>
+                        <a:srgbClr val="000000"/>
+                      </a:solidFill>
+                      <a:prstDash val="solid"/>
+                      <a:headEnd type="none" w="med" len="med"/>
+                      <a:tailEnd type="none" w="med" len="med"/>
+                    </a:lnL>
+                    <a:lnR w="9525" cap="flat" cmpd="sng">
+                      <a:solidFill>
+                        <a:srgbClr val="000000"/>
+                      </a:solidFill>
+                      <a:prstDash val="solid"/>
+                      <a:headEnd type="none" w="med" len="med"/>
+                      <a:tailEnd type="none" w="med" len="med"/>
+                    </a:lnR>
+                    <a:lnT w="12700" cap="flat" cmpd="sng">
+                      <a:solidFill>
+                        <a:srgbClr val="080000"/>
+                      </a:solidFill>
+                      <a:prstDash val="solid"/>
+                      <a:headEnd type="none" w="med" len="med"/>
+                      <a:tailEnd type="none" w="med" len="med"/>
+                    </a:lnT>
+                    <a:lnB w="12700" cap="flat" cmpd="sng">
+                      <a:solidFill>
+                        <a:srgbClr val="080000"/>
+                      </a:solidFill>
+                      <a:prstDash val="solid"/>
+                      <a:headEnd type="none" w="med" len="med"/>
+                      <a:tailEnd type="none" w="med" len="med"/>
+                    </a:lnB>
+                    <a:lnTlToBr>
+                      <a:noFill/>
+                    </a:lnTlToBr>
+                    <a:lnBlToTr>
+                      <a:noFill/>
+                    </a:lnBlToTr>
+                    <a:noFill/>
+                  </a:tcPr>
+                </a:tc>
+                <a:tc>
+                  <a:txBody>
+                    <a:bodyPr/>
+                    <a:p>
+                      <a:pPr indent="0">
+                        <a:buNone/>
+                      </a:pPr>
+                      <a:r>
+                        <a:rPr lang="zh-CN" altLang="en-US" sz="1200" b="0">
+                          <a:latin typeface="宋体" panose="02010600030101010101" pitchFamily="2" charset="-122"/>
+                          <a:ea typeface="宋体" panose="02010600030101010101" pitchFamily="2" charset="-122"/>
+                          <a:cs typeface="宋体" panose="02010600030101010101" pitchFamily="2" charset="-122"/>
+                        </a:rPr>
+                        <a:t>部分情况下搜索数据可以帮助解释销量的方差，在实时预报上有优势</a:t>
+                      </a:r>
+                      <a:endParaRPr lang="zh-CN" altLang="en-US" sz="1200" b="0">
+                        <a:latin typeface="宋体" panose="02010600030101010101" pitchFamily="2" charset="-122"/>
+                        <a:ea typeface="宋体" panose="02010600030101010101" pitchFamily="2" charset="-122"/>
+                        <a:cs typeface="宋体" panose="02010600030101010101" pitchFamily="2" charset="-122"/>
+                      </a:endParaRPr>
+                    </a:p>
+                  </a:txBody>
+                  <a:tcPr marL="0" marR="0" marT="63500" marB="63500" vert="horz" anchor="t">
+                    <a:lnL w="9525" cap="flat" cmpd="sng">
+                      <a:solidFill>
+                        <a:srgbClr val="000000"/>
+                      </a:solidFill>
+                      <a:prstDash val="solid"/>
+                      <a:headEnd type="none" w="med" len="med"/>
+                      <a:tailEnd type="none" w="med" len="med"/>
+                    </a:lnL>
+                    <a:lnR w="9525" cap="flat" cmpd="sng">
+                      <a:solidFill>
+                        <a:srgbClr val="000000"/>
+                      </a:solidFill>
+                      <a:prstDash val="solid"/>
+                      <a:headEnd type="none" w="med" len="med"/>
+                      <a:tailEnd type="none" w="med" len="med"/>
+                    </a:lnR>
+                    <a:lnT w="12700" cap="flat" cmpd="sng">
+                      <a:solidFill>
+                        <a:srgbClr val="080000"/>
+                      </a:solidFill>
+                      <a:prstDash val="solid"/>
+                      <a:headEnd type="none" w="med" len="med"/>
+                      <a:tailEnd type="none" w="med" len="med"/>
+                    </a:lnT>
+                    <a:lnB w="12700" cap="flat" cmpd="sng">
+                      <a:solidFill>
+                        <a:srgbClr val="080000"/>
+                      </a:solidFill>
+                      <a:prstDash val="solid"/>
+                      <a:headEnd type="none" w="med" len="med"/>
+                      <a:tailEnd type="none" w="med" len="med"/>
+                    </a:lnB>
+                    <a:lnTlToBr>
+                      <a:noFill/>
+                    </a:lnTlToBr>
+                    <a:lnBlToTr>
+                      <a:noFill/>
+                    </a:lnBlToTr>
+                    <a:noFill/>
+                  </a:tcPr>
+                </a:tc>
+              </a:tr>
+              <a:tr h="1092200">
+                <a:tc>
+                  <a:txBody>
+                    <a:bodyPr/>
+                    <a:p>
+                      <a:pPr indent="0">
+                        <a:buNone/>
+                      </a:pPr>
+                      <a:r>
+                        <a:rPr lang="zh-CN" altLang="en-US" sz="1200" b="0">
+                          <a:latin typeface="Calibri" panose="020F0502020204030204" charset="0"/>
+                          <a:cs typeface="Calibri" panose="020F0502020204030204" charset="0"/>
+                        </a:rPr>
+                        <a:t>章旭</a:t>
+                      </a:r>
+                      <a:r>
+                        <a:rPr lang="zh-CN" altLang="en-US" sz="1200" b="0">
+                          <a:latin typeface="宋体" panose="02010600030101010101" pitchFamily="2" charset="-122"/>
+                          <a:ea typeface="宋体" panose="02010600030101010101" pitchFamily="2" charset="-122"/>
+                          <a:cs typeface="宋体" panose="02010600030101010101" pitchFamily="2" charset="-122"/>
+                        </a:rPr>
+                        <a:t>（</a:t>
+                      </a:r>
+                      <a:r>
+                        <a:rPr lang="en-US" altLang="zh-CN" sz="1200" b="0">
+                          <a:latin typeface="宋体" panose="02010600030101010101" pitchFamily="2" charset="-122"/>
+                          <a:ea typeface="宋体" panose="02010600030101010101" pitchFamily="2" charset="-122"/>
+                          <a:cs typeface="宋体" panose="02010600030101010101" pitchFamily="2" charset="-122"/>
+                        </a:rPr>
+                        <a:t>2017</a:t>
+                      </a:r>
+                      <a:r>
+                        <a:rPr lang="zh-CN" altLang="en-US" sz="1200" b="0">
+                          <a:latin typeface="宋体" panose="02010600030101010101" pitchFamily="2" charset="-122"/>
+                          <a:ea typeface="宋体" panose="02010600030101010101" pitchFamily="2" charset="-122"/>
+                          <a:cs typeface="宋体" panose="02010600030101010101" pitchFamily="2" charset="-122"/>
+                        </a:rPr>
+                        <a:t>）</a:t>
+                      </a:r>
+                      <a:endParaRPr lang="zh-CN" altLang="en-US" sz="1200" b="0">
+                        <a:latin typeface="宋体" panose="02010600030101010101" pitchFamily="2" charset="-122"/>
+                        <a:ea typeface="宋体" panose="02010600030101010101" pitchFamily="2" charset="-122"/>
+                        <a:cs typeface="宋体" panose="02010600030101010101" pitchFamily="2" charset="-122"/>
+                      </a:endParaRPr>
+                    </a:p>
+                  </a:txBody>
+                  <a:tcPr marL="0" marR="0" marT="63500" marB="63500" vert="horz" anchor="t">
+                    <a:lnL w="12700" cap="flat" cmpd="sng">
+                      <a:solidFill>
+                        <a:srgbClr val="080000"/>
+                      </a:solidFill>
+                      <a:prstDash val="solid"/>
+                      <a:headEnd type="none" w="med" len="med"/>
+                      <a:tailEnd type="none" w="med" len="med"/>
+                    </a:lnL>
+                    <a:lnR w="12700" cap="flat" cmpd="sng">
+                      <a:solidFill>
+                        <a:srgbClr val="080000"/>
+                      </a:solidFill>
+                      <a:prstDash val="solid"/>
+                      <a:headEnd type="none" w="med" len="med"/>
+                      <a:tailEnd type="none" w="med" len="med"/>
+                    </a:lnR>
+                    <a:lnT w="12700" cap="flat" cmpd="sng">
+                      <a:solidFill>
+                        <a:srgbClr val="080000"/>
+                      </a:solidFill>
+                      <a:prstDash val="solid"/>
+                      <a:headEnd type="none" w="med" len="med"/>
+                      <a:tailEnd type="none" w="med" len="med"/>
+                    </a:lnT>
+                    <a:lnB w="12700" cap="flat" cmpd="sng">
+                      <a:solidFill>
+                        <a:srgbClr val="080000"/>
+                      </a:solidFill>
+                      <a:prstDash val="solid"/>
+                      <a:headEnd type="none" w="med" len="med"/>
+                      <a:tailEnd type="none" w="med" len="med"/>
+                    </a:lnB>
+                    <a:lnTlToBr>
+                      <a:noFill/>
+                    </a:lnTlToBr>
+                    <a:lnBlToTr>
+                      <a:noFill/>
+                    </a:lnBlToTr>
+                    <a:noFill/>
+                  </a:tcPr>
+                </a:tc>
+                <a:tc>
+                  <a:txBody>
+                    <a:bodyPr/>
+                    <a:p>
+                      <a:pPr indent="0">
+                        <a:buNone/>
+                      </a:pPr>
+                      <a:r>
+                        <a:rPr lang="zh-CN" altLang="en-US" sz="1200" b="0">
+                          <a:latin typeface="Calibri" panose="020F0502020204030204" charset="0"/>
+                          <a:cs typeface="Calibri" panose="020F0502020204030204" charset="0"/>
+                        </a:rPr>
+                        <a:t>预测汽车销量</a:t>
+                      </a:r>
+                      <a:endParaRPr lang="zh-CN" altLang="en-US" sz="1200" b="0">
+                        <a:latin typeface="Calibri" panose="020F0502020204030204" charset="0"/>
+                        <a:ea typeface="Calibri" panose="020F0502020204030204" charset="0"/>
+                        <a:cs typeface="Calibri" panose="020F0502020204030204" charset="0"/>
+                      </a:endParaRPr>
+                    </a:p>
+                  </a:txBody>
+                  <a:tcPr marL="0" marR="0" marT="63500" marB="63500" vert="horz" anchor="t">
+                    <a:lnL w="12700" cap="flat" cmpd="sng">
+                      <a:solidFill>
+                        <a:srgbClr val="080000"/>
+                      </a:solidFill>
+                      <a:prstDash val="solid"/>
+                      <a:headEnd type="none" w="med" len="med"/>
+                      <a:tailEnd type="none" w="med" len="med"/>
+                    </a:lnL>
+                    <a:lnR w="9525" cap="flat" cmpd="sng">
+                      <a:solidFill>
+                        <a:srgbClr val="000000"/>
+                      </a:solidFill>
+                      <a:prstDash val="solid"/>
+                      <a:headEnd type="none" w="med" len="med"/>
+                      <a:tailEnd type="none" w="med" len="med"/>
+                    </a:lnR>
+                    <a:lnT w="12700" cap="flat" cmpd="sng">
+                      <a:solidFill>
+                        <a:srgbClr val="080000"/>
+                      </a:solidFill>
+                      <a:prstDash val="solid"/>
+                      <a:headEnd type="none" w="med" len="med"/>
+                      <a:tailEnd type="none" w="med" len="med"/>
+                    </a:lnT>
+                    <a:lnB w="12700" cap="flat" cmpd="sng">
+                      <a:solidFill>
+                        <a:srgbClr val="080000"/>
+                      </a:solidFill>
+                      <a:prstDash val="solid"/>
+                      <a:headEnd type="none" w="med" len="med"/>
+                      <a:tailEnd type="none" w="med" len="med"/>
+                    </a:lnB>
+                    <a:lnTlToBr>
+                      <a:noFill/>
+                    </a:lnTlToBr>
+                    <a:lnBlToTr>
+                      <a:noFill/>
+                    </a:lnBlToTr>
+                    <a:noFill/>
+                  </a:tcPr>
+                </a:tc>
+                <a:tc>
+                  <a:txBody>
+                    <a:bodyPr/>
+                    <a:p>
+                      <a:pPr indent="0">
+                        <a:buNone/>
+                      </a:pPr>
+                      <a:r>
+                        <a:rPr lang="zh-CN" altLang="en-US" sz="1200" b="0">
+                          <a:latin typeface="宋体" panose="02010600030101010101" pitchFamily="2" charset="-122"/>
+                          <a:ea typeface="宋体" panose="02010600030101010101" pitchFamily="2" charset="-122"/>
+                          <a:cs typeface="宋体" panose="02010600030101010101" pitchFamily="2" charset="-122"/>
+                        </a:rPr>
+                        <a:t>历史同期销量、前期销量，用户在线评论</a:t>
+                      </a:r>
+                      <a:endParaRPr lang="zh-CN" altLang="en-US" sz="1200" b="0">
+                        <a:latin typeface="宋体" panose="02010600030101010101" pitchFamily="2" charset="-122"/>
+                        <a:ea typeface="宋体" panose="02010600030101010101" pitchFamily="2" charset="-122"/>
+                        <a:cs typeface="宋体" panose="02010600030101010101" pitchFamily="2" charset="-122"/>
+                      </a:endParaRPr>
+                    </a:p>
+                  </a:txBody>
+                  <a:tcPr marL="0" marR="0" marT="63500" marB="63500" vert="horz" anchor="t">
+                    <a:lnL w="9525" cap="flat" cmpd="sng">
+                      <a:solidFill>
+                        <a:srgbClr val="000000"/>
+                      </a:solidFill>
+                      <a:prstDash val="solid"/>
+                      <a:headEnd type="none" w="med" len="med"/>
+                      <a:tailEnd type="none" w="med" len="med"/>
+                    </a:lnL>
+                    <a:lnR w="9525" cap="flat" cmpd="sng">
+                      <a:solidFill>
+                        <a:srgbClr val="000000"/>
+                      </a:solidFill>
+                      <a:prstDash val="solid"/>
+                      <a:headEnd type="none" w="med" len="med"/>
+                      <a:tailEnd type="none" w="med" len="med"/>
+                    </a:lnR>
+                    <a:lnT w="12700" cap="flat" cmpd="sng">
+                      <a:solidFill>
+                        <a:srgbClr val="080000"/>
+                      </a:solidFill>
+                      <a:prstDash val="solid"/>
+                      <a:headEnd type="none" w="med" len="med"/>
+                      <a:tailEnd type="none" w="med" len="med"/>
+                    </a:lnT>
+                    <a:lnB w="12700" cap="flat" cmpd="sng">
+                      <a:solidFill>
+                        <a:srgbClr val="080000"/>
+                      </a:solidFill>
+                      <a:prstDash val="solid"/>
+                      <a:headEnd type="none" w="med" len="med"/>
+                      <a:tailEnd type="none" w="med" len="med"/>
+                    </a:lnB>
+                    <a:lnTlToBr>
+                      <a:noFill/>
+                    </a:lnTlToBr>
+                    <a:lnBlToTr>
+                      <a:noFill/>
+                    </a:lnBlToTr>
+                    <a:noFill/>
+                  </a:tcPr>
+                </a:tc>
+                <a:tc>
+                  <a:txBody>
+                    <a:bodyPr/>
+                    <a:p>
+                      <a:pPr indent="0">
+                        <a:buNone/>
+                      </a:pPr>
+                      <a:r>
+                        <a:rPr lang="zh-CN" altLang="en-US" sz="1200" b="0">
+                          <a:latin typeface="宋体" panose="02010600030101010101" pitchFamily="2" charset="-122"/>
+                          <a:ea typeface="宋体" panose="02010600030101010101" pitchFamily="2" charset="-122"/>
+                          <a:cs typeface="宋体" panose="02010600030101010101" pitchFamily="2" charset="-122"/>
+                        </a:rPr>
+                        <a:t>基于网络大数据和传统统计学时间序列分析的考虑品牌情感的汽车销量预测</a:t>
+                      </a:r>
+                      <a:r>
+                        <a:rPr lang="en-US" altLang="zh-CN" sz="1200" b="0">
+                          <a:latin typeface="宋体" panose="02010600030101010101" pitchFamily="2" charset="-122"/>
+                          <a:ea typeface="宋体" panose="02010600030101010101" pitchFamily="2" charset="-122"/>
+                          <a:cs typeface="宋体" panose="02010600030101010101" pitchFamily="2" charset="-122"/>
+                        </a:rPr>
+                        <a:t>BOAR</a:t>
+                      </a:r>
+                      <a:r>
+                        <a:rPr lang="zh-CN" altLang="en-US" sz="1200" b="0">
+                          <a:latin typeface="宋体" panose="02010600030101010101" pitchFamily="2" charset="-122"/>
+                          <a:ea typeface="宋体" panose="02010600030101010101" pitchFamily="2" charset="-122"/>
+                          <a:cs typeface="宋体" panose="02010600030101010101" pitchFamily="2" charset="-122"/>
+                        </a:rPr>
+                        <a:t>模型。通用的销量预测</a:t>
+                      </a:r>
+                      <a:r>
+                        <a:rPr lang="en-US" altLang="zh-CN" sz="1200" b="0">
+                          <a:latin typeface="宋体" panose="02010600030101010101" pitchFamily="2" charset="-122"/>
+                          <a:ea typeface="宋体" panose="02010600030101010101" pitchFamily="2" charset="-122"/>
+                          <a:cs typeface="宋体" panose="02010600030101010101" pitchFamily="2" charset="-122"/>
+                        </a:rPr>
+                        <a:t>MISF</a:t>
+                      </a:r>
+                      <a:r>
+                        <a:rPr lang="zh-CN" altLang="en-US" sz="1200" b="0">
+                          <a:latin typeface="宋体" panose="02010600030101010101" pitchFamily="2" charset="-122"/>
+                          <a:ea typeface="宋体" panose="02010600030101010101" pitchFamily="2" charset="-122"/>
+                          <a:cs typeface="宋体" panose="02010600030101010101" pitchFamily="2" charset="-122"/>
+                        </a:rPr>
+                        <a:t>模型</a:t>
+                      </a:r>
+                      <a:r>
+                        <a:rPr lang="en-US" altLang="zh-CN" sz="1200" b="0">
+                          <a:latin typeface="宋体" panose="02010600030101010101" pitchFamily="2" charset="-122"/>
+                          <a:ea typeface="宋体" panose="02010600030101010101" pitchFamily="2" charset="-122"/>
+                          <a:cs typeface="宋体" panose="02010600030101010101" pitchFamily="2" charset="-122"/>
+                        </a:rPr>
+                        <a:t>,</a:t>
+                      </a:r>
+                      <a:r>
+                        <a:rPr lang="zh-CN" altLang="en-US" sz="1200" b="0">
+                          <a:latin typeface="宋体" panose="02010600030101010101" pitchFamily="2" charset="-122"/>
+                          <a:ea typeface="宋体" panose="02010600030101010101" pitchFamily="2" charset="-122"/>
+                          <a:cs typeface="宋体" panose="02010600030101010101" pitchFamily="2" charset="-122"/>
+                        </a:rPr>
+                        <a:t>基于</a:t>
+                      </a:r>
+                      <a:r>
+                        <a:rPr lang="en-US" altLang="zh-CN" sz="1200" b="0">
+                          <a:latin typeface="宋体" panose="02010600030101010101" pitchFamily="2" charset="-122"/>
+                          <a:ea typeface="宋体" panose="02010600030101010101" pitchFamily="2" charset="-122"/>
+                          <a:cs typeface="宋体" panose="02010600030101010101" pitchFamily="2" charset="-122"/>
+                        </a:rPr>
+                        <a:t>MARS</a:t>
+                      </a:r>
+                      <a:r>
+                        <a:rPr lang="zh-CN" altLang="en-US" sz="1200" b="0">
+                          <a:latin typeface="宋体" panose="02010600030101010101" pitchFamily="2" charset="-122"/>
+                          <a:ea typeface="宋体" panose="02010600030101010101" pitchFamily="2" charset="-122"/>
+                          <a:cs typeface="宋体" panose="02010600030101010101" pitchFamily="2" charset="-122"/>
+                        </a:rPr>
+                        <a:t>变量选择过程和</a:t>
+                      </a:r>
+                      <a:r>
+                        <a:rPr lang="en-US" altLang="zh-CN" sz="1200" b="0">
+                          <a:latin typeface="宋体" panose="02010600030101010101" pitchFamily="2" charset="-122"/>
+                          <a:ea typeface="宋体" panose="02010600030101010101" pitchFamily="2" charset="-122"/>
+                          <a:cs typeface="宋体" panose="02010600030101010101" pitchFamily="2" charset="-122"/>
+                        </a:rPr>
+                        <a:t>BP</a:t>
+                      </a:r>
+                      <a:r>
+                        <a:rPr lang="zh-CN" altLang="en-US" sz="1200" b="0">
+                          <a:latin typeface="宋体" panose="02010600030101010101" pitchFamily="2" charset="-122"/>
+                          <a:ea typeface="宋体" panose="02010600030101010101" pitchFamily="2" charset="-122"/>
+                          <a:cs typeface="宋体" panose="02010600030101010101" pitchFamily="2" charset="-122"/>
+                        </a:rPr>
+                        <a:t>神经网络相结合的方式</a:t>
+                      </a:r>
+                      <a:endParaRPr lang="zh-CN" altLang="en-US" sz="1200" b="0">
+                        <a:latin typeface="宋体" panose="02010600030101010101" pitchFamily="2" charset="-122"/>
+                        <a:ea typeface="宋体" panose="02010600030101010101" pitchFamily="2" charset="-122"/>
+                        <a:cs typeface="宋体" panose="02010600030101010101" pitchFamily="2" charset="-122"/>
+                      </a:endParaRPr>
+                    </a:p>
+                  </a:txBody>
+                  <a:tcPr marL="0" marR="0" marT="63500" marB="63500" vert="horz" anchor="t">
+                    <a:lnL w="9525" cap="flat" cmpd="sng">
+                      <a:solidFill>
+                        <a:srgbClr val="000000"/>
+                      </a:solidFill>
+                      <a:prstDash val="solid"/>
+                      <a:headEnd type="none" w="med" len="med"/>
+                      <a:tailEnd type="none" w="med" len="med"/>
+                    </a:lnL>
+                    <a:lnR w="9525" cap="flat" cmpd="sng">
+                      <a:solidFill>
+                        <a:srgbClr val="000000"/>
+                      </a:solidFill>
+                      <a:prstDash val="solid"/>
+                      <a:headEnd type="none" w="med" len="med"/>
+                      <a:tailEnd type="none" w="med" len="med"/>
+                    </a:lnR>
+                    <a:lnT w="12700" cap="flat" cmpd="sng">
+                      <a:solidFill>
+                        <a:srgbClr val="080000"/>
+                      </a:solidFill>
+                      <a:prstDash val="solid"/>
+                      <a:headEnd type="none" w="med" len="med"/>
+                      <a:tailEnd type="none" w="med" len="med"/>
+                    </a:lnT>
+                    <a:lnB w="12700" cap="flat" cmpd="sng">
+                      <a:solidFill>
+                        <a:srgbClr val="080000"/>
+                      </a:solidFill>
+                      <a:prstDash val="solid"/>
+                      <a:headEnd type="none" w="med" len="med"/>
+                      <a:tailEnd type="none" w="med" len="med"/>
+                    </a:lnB>
+                    <a:lnTlToBr>
+                      <a:noFill/>
+                    </a:lnTlToBr>
+                    <a:lnBlToTr>
+                      <a:noFill/>
+                    </a:lnBlToTr>
+                    <a:noFill/>
+                  </a:tcPr>
+                </a:tc>
+                <a:tc>
+                  <a:txBody>
+                    <a:bodyPr/>
+                    <a:p>
+                      <a:pPr indent="0">
+                        <a:buNone/>
+                      </a:pPr>
+                      <a:r>
+                        <a:rPr lang="en-US" altLang="zh-CN" sz="1200" b="0">
+                          <a:latin typeface="宋体" panose="02010600030101010101" pitchFamily="2" charset="-122"/>
+                          <a:ea typeface="宋体" panose="02010600030101010101" pitchFamily="2" charset="-122"/>
+                          <a:cs typeface="宋体" panose="02010600030101010101" pitchFamily="2" charset="-122"/>
+                        </a:rPr>
+                        <a:t>BOAR</a:t>
+                      </a:r>
+                      <a:r>
+                        <a:rPr lang="zh-CN" altLang="en-US" sz="1200" b="0">
+                          <a:latin typeface="宋体" panose="02010600030101010101" pitchFamily="2" charset="-122"/>
+                          <a:ea typeface="宋体" panose="02010600030101010101" pitchFamily="2" charset="-122"/>
+                          <a:cs typeface="宋体" panose="02010600030101010101" pitchFamily="2" charset="-122"/>
+                        </a:rPr>
+                        <a:t>模型平均预测误差为</a:t>
+                      </a:r>
+                      <a:r>
+                        <a:rPr lang="en-US" altLang="zh-CN" sz="1200" b="0">
+                          <a:latin typeface="宋体" panose="02010600030101010101" pitchFamily="2" charset="-122"/>
+                          <a:ea typeface="宋体" panose="02010600030101010101" pitchFamily="2" charset="-122"/>
+                          <a:cs typeface="宋体" panose="02010600030101010101" pitchFamily="2" charset="-122"/>
+                        </a:rPr>
+                        <a:t>5.93%,</a:t>
+                      </a:r>
+                      <a:r>
+                        <a:rPr lang="zh-CN" altLang="en-US" sz="1200" b="0">
+                          <a:latin typeface="宋体" panose="02010600030101010101" pitchFamily="2" charset="-122"/>
+                          <a:ea typeface="宋体" panose="02010600030101010101" pitchFamily="2" charset="-122"/>
+                          <a:cs typeface="宋体" panose="02010600030101010101" pitchFamily="2" charset="-122"/>
+                        </a:rPr>
+                        <a:t>比自回归模型降低</a:t>
+                      </a:r>
+                      <a:r>
+                        <a:rPr lang="en-US" altLang="zh-CN" sz="1200" b="0">
+                          <a:latin typeface="宋体" panose="02010600030101010101" pitchFamily="2" charset="-122"/>
+                          <a:ea typeface="宋体" panose="02010600030101010101" pitchFamily="2" charset="-122"/>
+                          <a:cs typeface="宋体" panose="02010600030101010101" pitchFamily="2" charset="-122"/>
+                        </a:rPr>
+                        <a:t>8.59</a:t>
+                      </a:r>
+                      <a:r>
+                        <a:rPr lang="zh-CN" altLang="en-US" sz="1200" b="0">
+                          <a:latin typeface="宋体" panose="02010600030101010101" pitchFamily="2" charset="-122"/>
+                          <a:ea typeface="宋体" panose="02010600030101010101" pitchFamily="2" charset="-122"/>
+                          <a:cs typeface="宋体" panose="02010600030101010101" pitchFamily="2" charset="-122"/>
+                        </a:rPr>
+                        <a:t>个百分点</a:t>
+                      </a:r>
+                      <a:r>
+                        <a:rPr lang="en-US" altLang="zh-CN" sz="1200" b="0">
+                          <a:latin typeface="宋体" panose="02010600030101010101" pitchFamily="2" charset="-122"/>
+                          <a:ea typeface="宋体" panose="02010600030101010101" pitchFamily="2" charset="-122"/>
+                          <a:cs typeface="宋体" panose="02010600030101010101" pitchFamily="2" charset="-122"/>
+                        </a:rPr>
+                        <a:t>,</a:t>
+                      </a:r>
+                      <a:r>
+                        <a:rPr lang="zh-CN" altLang="en-US" sz="1200" b="0">
+                          <a:latin typeface="宋体" panose="02010600030101010101" pitchFamily="2" charset="-122"/>
+                          <a:ea typeface="宋体" panose="02010600030101010101" pitchFamily="2" charset="-122"/>
+                          <a:cs typeface="宋体" panose="02010600030101010101" pitchFamily="2" charset="-122"/>
+                        </a:rPr>
+                        <a:t>可以准确预测单一汽车品牌的销量。</a:t>
+                      </a:r>
+                      <a:r>
+                        <a:rPr lang="en-US" altLang="zh-CN" sz="1200" b="0">
+                          <a:latin typeface="宋体" panose="02010600030101010101" pitchFamily="2" charset="-122"/>
+                          <a:ea typeface="宋体" panose="02010600030101010101" pitchFamily="2" charset="-122"/>
+                          <a:cs typeface="宋体" panose="02010600030101010101" pitchFamily="2" charset="-122"/>
+                        </a:rPr>
+                        <a:t>MISF</a:t>
+                      </a:r>
+                      <a:r>
+                        <a:rPr lang="zh-CN" altLang="en-US" sz="1200" b="0">
+                          <a:latin typeface="宋体" panose="02010600030101010101" pitchFamily="2" charset="-122"/>
+                          <a:ea typeface="宋体" panose="02010600030101010101" pitchFamily="2" charset="-122"/>
+                          <a:cs typeface="宋体" panose="02010600030101010101" pitchFamily="2" charset="-122"/>
+                        </a:rPr>
+                        <a:t>模型的预测误差平均为</a:t>
+                      </a:r>
+                      <a:r>
+                        <a:rPr lang="en-US" altLang="zh-CN" sz="1200" b="0">
+                          <a:latin typeface="宋体" panose="02010600030101010101" pitchFamily="2" charset="-122"/>
+                          <a:ea typeface="宋体" panose="02010600030101010101" pitchFamily="2" charset="-122"/>
+                          <a:cs typeface="宋体" panose="02010600030101010101" pitchFamily="2" charset="-122"/>
+                        </a:rPr>
+                        <a:t>4.04%,</a:t>
+                      </a:r>
+                      <a:r>
+                        <a:rPr lang="zh-CN" altLang="en-US" sz="1200" b="0">
+                          <a:latin typeface="宋体" panose="02010600030101010101" pitchFamily="2" charset="-122"/>
+                          <a:ea typeface="宋体" panose="02010600030101010101" pitchFamily="2" charset="-122"/>
+                          <a:cs typeface="宋体" panose="02010600030101010101" pitchFamily="2" charset="-122"/>
+                        </a:rPr>
+                        <a:t>比</a:t>
+                      </a:r>
+                      <a:r>
+                        <a:rPr lang="en-US" altLang="zh-CN" sz="1200" b="0">
+                          <a:latin typeface="宋体" panose="02010600030101010101" pitchFamily="2" charset="-122"/>
+                          <a:ea typeface="宋体" panose="02010600030101010101" pitchFamily="2" charset="-122"/>
+                          <a:cs typeface="宋体" panose="02010600030101010101" pitchFamily="2" charset="-122"/>
+                        </a:rPr>
+                        <a:t>BOAR</a:t>
+                      </a:r>
+                      <a:r>
+                        <a:rPr lang="zh-CN" altLang="en-US" sz="1200" b="0">
+                          <a:latin typeface="宋体" panose="02010600030101010101" pitchFamily="2" charset="-122"/>
+                          <a:ea typeface="宋体" panose="02010600030101010101" pitchFamily="2" charset="-122"/>
+                          <a:cs typeface="宋体" panose="02010600030101010101" pitchFamily="2" charset="-122"/>
+                        </a:rPr>
+                        <a:t>模型进一步降低了</a:t>
+                      </a:r>
+                      <a:r>
+                        <a:rPr lang="en-US" altLang="zh-CN" sz="1200" b="0">
+                          <a:latin typeface="宋体" panose="02010600030101010101" pitchFamily="2" charset="-122"/>
+                          <a:ea typeface="宋体" panose="02010600030101010101" pitchFamily="2" charset="-122"/>
+                          <a:cs typeface="宋体" panose="02010600030101010101" pitchFamily="2" charset="-122"/>
+                        </a:rPr>
+                        <a:t>1.49</a:t>
+                      </a:r>
+                      <a:r>
+                        <a:rPr lang="zh-CN" altLang="en-US" sz="1200" b="0">
+                          <a:latin typeface="宋体" panose="02010600030101010101" pitchFamily="2" charset="-122"/>
+                          <a:ea typeface="宋体" panose="02010600030101010101" pitchFamily="2" charset="-122"/>
+                          <a:cs typeface="宋体" panose="02010600030101010101" pitchFamily="2" charset="-122"/>
+                        </a:rPr>
+                        <a:t>个百分点。</a:t>
+                      </a:r>
+                      <a:endParaRPr lang="zh-CN" altLang="en-US" sz="1200" b="0">
+                        <a:latin typeface="宋体" panose="02010600030101010101" pitchFamily="2" charset="-122"/>
+                        <a:ea typeface="宋体" panose="02010600030101010101" pitchFamily="2" charset="-122"/>
+                        <a:cs typeface="宋体" panose="02010600030101010101" pitchFamily="2" charset="-122"/>
+                      </a:endParaRPr>
+                    </a:p>
+                  </a:txBody>
+                  <a:tcPr marL="0" marR="0" marT="63500" marB="63500" vert="horz" anchor="t">
+                    <a:lnL w="9525" cap="flat" cmpd="sng">
+                      <a:solidFill>
+                        <a:srgbClr val="000000"/>
+                      </a:solidFill>
+                      <a:prstDash val="solid"/>
+                      <a:headEnd type="none" w="med" len="med"/>
+                      <a:tailEnd type="none" w="med" len="med"/>
+                    </a:lnL>
+                    <a:lnR w="9525" cap="flat" cmpd="sng">
+                      <a:solidFill>
+                        <a:srgbClr val="000000"/>
+                      </a:solidFill>
+                      <a:prstDash val="solid"/>
+                      <a:headEnd type="none" w="med" len="med"/>
+                      <a:tailEnd type="none" w="med" len="med"/>
+                    </a:lnR>
+                    <a:lnT w="12700" cap="flat" cmpd="sng">
+                      <a:solidFill>
+                        <a:srgbClr val="080000"/>
+                      </a:solidFill>
+                      <a:prstDash val="solid"/>
+                      <a:headEnd type="none" w="med" len="med"/>
+                      <a:tailEnd type="none" w="med" len="med"/>
+                    </a:lnT>
+                    <a:lnB w="12700" cap="flat" cmpd="sng">
+                      <a:solidFill>
+                        <a:srgbClr val="080000"/>
+                      </a:solidFill>
+                      <a:prstDash val="solid"/>
+                      <a:headEnd type="none" w="med" len="med"/>
+                      <a:tailEnd type="none" w="med" len="med"/>
+                    </a:lnB>
+                    <a:lnTlToBr>
+                      <a:noFill/>
+                    </a:lnTlToBr>
+                    <a:lnBlToTr>
+                      <a:noFill/>
+                    </a:lnBlToTr>
+                    <a:noFill/>
+                  </a:tcPr>
+                </a:tc>
+              </a:tr>
+              <a:tr h="718820">
+                <a:tc>
+                  <a:txBody>
+                    <a:bodyPr/>
+                    <a:p>
+                      <a:pPr indent="0">
+                        <a:buNone/>
+                      </a:pPr>
+                      <a:r>
+                        <a:rPr lang="zh-CN" altLang="en-US" sz="1200" b="0">
+                          <a:latin typeface="Calibri" panose="020F0502020204030204" charset="0"/>
+                          <a:cs typeface="Calibri" panose="020F0502020204030204" charset="0"/>
+                        </a:rPr>
+                        <a:t>李敏波</a:t>
+                      </a:r>
+                      <a:r>
+                        <a:rPr lang="en-US" altLang="zh-CN" sz="1200" b="0">
+                          <a:latin typeface="Calibri" panose="020F0502020204030204" charset="0"/>
+                          <a:cs typeface="Calibri" panose="020F0502020204030204" charset="0"/>
+                        </a:rPr>
+                        <a:t>, </a:t>
+                      </a:r>
+                      <a:r>
+                        <a:rPr lang="zh-CN" altLang="en-US" sz="1200" b="0">
+                          <a:latin typeface="Calibri" panose="020F0502020204030204" charset="0"/>
+                          <a:cs typeface="Calibri" panose="020F0502020204030204" charset="0"/>
+                        </a:rPr>
+                        <a:t>王海鹏</a:t>
+                      </a:r>
+                      <a:r>
+                        <a:rPr lang="en-US" altLang="zh-CN" sz="1200" b="0">
+                          <a:latin typeface="Calibri" panose="020F0502020204030204" charset="0"/>
+                          <a:cs typeface="Calibri" panose="020F0502020204030204" charset="0"/>
+                        </a:rPr>
+                        <a:t>, </a:t>
+                      </a:r>
+                      <a:r>
+                        <a:rPr lang="zh-CN" altLang="en-US" sz="1200" b="0">
+                          <a:latin typeface="Calibri" panose="020F0502020204030204" charset="0"/>
+                          <a:cs typeface="Calibri" panose="020F0502020204030204" charset="0"/>
+                        </a:rPr>
+                        <a:t>陈松奎</a:t>
+                      </a:r>
+                      <a:r>
+                        <a:rPr lang="en-US" altLang="zh-CN" sz="1200" b="0">
+                          <a:latin typeface="Calibri" panose="020F0502020204030204" charset="0"/>
+                          <a:cs typeface="Calibri" panose="020F0502020204030204" charset="0"/>
+                        </a:rPr>
+                        <a:t>,</a:t>
+                      </a:r>
+                      <a:r>
+                        <a:rPr lang="zh-CN" altLang="en-US" sz="1200" b="0">
+                          <a:latin typeface="Calibri" panose="020F0502020204030204" charset="0"/>
+                          <a:cs typeface="Calibri" panose="020F0502020204030204" charset="0"/>
+                        </a:rPr>
+                        <a:t>等</a:t>
+                      </a:r>
+                      <a:r>
+                        <a:rPr lang="en-US" altLang="zh-CN" sz="1200" b="0">
+                          <a:latin typeface="Calibri" panose="020F0502020204030204" charset="0"/>
+                          <a:cs typeface="Calibri" panose="020F0502020204030204" charset="0"/>
+                        </a:rPr>
+                        <a:t>.</a:t>
+                      </a:r>
+                      <a:r>
+                        <a:rPr lang="zh-CN" altLang="en-US" sz="1200" b="0">
+                          <a:latin typeface="宋体" panose="02010600030101010101" pitchFamily="2" charset="-122"/>
+                          <a:ea typeface="宋体" panose="02010600030101010101" pitchFamily="2" charset="-122"/>
+                          <a:cs typeface="宋体" panose="02010600030101010101" pitchFamily="2" charset="-122"/>
+                        </a:rPr>
+                        <a:t>（</a:t>
+                      </a:r>
+                      <a:r>
+                        <a:rPr lang="en-US" altLang="zh-CN" sz="1200" b="0">
+                          <a:latin typeface="宋体" panose="02010600030101010101" pitchFamily="2" charset="-122"/>
+                          <a:ea typeface="宋体" panose="02010600030101010101" pitchFamily="2" charset="-122"/>
+                          <a:cs typeface="宋体" panose="02010600030101010101" pitchFamily="2" charset="-122"/>
+                        </a:rPr>
+                        <a:t>2017</a:t>
+                      </a:r>
+                      <a:r>
+                        <a:rPr lang="zh-CN" altLang="en-US" sz="1200" b="0">
+                          <a:latin typeface="宋体" panose="02010600030101010101" pitchFamily="2" charset="-122"/>
+                          <a:ea typeface="宋体" panose="02010600030101010101" pitchFamily="2" charset="-122"/>
+                          <a:cs typeface="宋体" panose="02010600030101010101" pitchFamily="2" charset="-122"/>
+                        </a:rPr>
+                        <a:t>）</a:t>
+                      </a:r>
+                      <a:endParaRPr lang="zh-CN" altLang="en-US" sz="1200" b="0">
+                        <a:latin typeface="宋体" panose="02010600030101010101" pitchFamily="2" charset="-122"/>
+                        <a:ea typeface="宋体" panose="02010600030101010101" pitchFamily="2" charset="-122"/>
+                        <a:cs typeface="宋体" panose="02010600030101010101" pitchFamily="2" charset="-122"/>
+                      </a:endParaRPr>
+                    </a:p>
+                  </a:txBody>
+                  <a:tcPr marL="0" marR="0" marT="63500" marB="63500" vert="horz" anchor="t">
+                    <a:lnL w="12700" cap="flat" cmpd="sng">
+                      <a:solidFill>
+                        <a:srgbClr val="080000"/>
+                      </a:solidFill>
+                      <a:prstDash val="solid"/>
+                      <a:headEnd type="none" w="med" len="med"/>
+                      <a:tailEnd type="none" w="med" len="med"/>
+                    </a:lnL>
+                    <a:lnR w="12700" cap="flat" cmpd="sng">
+                      <a:solidFill>
+                        <a:srgbClr val="080000"/>
+                      </a:solidFill>
+                      <a:prstDash val="solid"/>
+                      <a:headEnd type="none" w="med" len="med"/>
+                      <a:tailEnd type="none" w="med" len="med"/>
+                    </a:lnR>
+                    <a:lnT w="12700" cap="flat" cmpd="sng">
+                      <a:solidFill>
+                        <a:srgbClr val="080000"/>
+                      </a:solidFill>
+                      <a:prstDash val="solid"/>
+                      <a:headEnd type="none" w="med" len="med"/>
+                      <a:tailEnd type="none" w="med" len="med"/>
+                    </a:lnT>
+                    <a:lnB w="12700" cap="flat" cmpd="sng">
+                      <a:solidFill>
+                        <a:srgbClr val="080000"/>
+                      </a:solidFill>
+                      <a:prstDash val="solid"/>
+                      <a:headEnd type="none" w="med" len="med"/>
+                      <a:tailEnd type="none" w="med" len="med"/>
+                    </a:lnB>
+                    <a:lnTlToBr>
+                      <a:noFill/>
+                    </a:lnTlToBr>
+                    <a:lnBlToTr>
+                      <a:noFill/>
+                    </a:lnBlToTr>
+                    <a:noFill/>
+                  </a:tcPr>
+                </a:tc>
+                <a:tc>
+                  <a:txBody>
+                    <a:bodyPr/>
+                    <a:p>
+                      <a:pPr indent="0">
+                        <a:buNone/>
+                      </a:pPr>
+                      <a:r>
+                        <a:rPr lang="zh-CN" altLang="en-US" sz="1200" b="0">
+                          <a:latin typeface="Calibri" panose="020F0502020204030204" charset="0"/>
+                          <a:cs typeface="Calibri" panose="020F0502020204030204" charset="0"/>
+                        </a:rPr>
+                        <a:t>轮胎销售数据预测</a:t>
+                      </a:r>
+                      <a:endParaRPr lang="zh-CN" altLang="en-US" sz="1200" b="0">
+                        <a:latin typeface="Calibri" panose="020F0502020204030204" charset="0"/>
+                        <a:ea typeface="Calibri" panose="020F0502020204030204" charset="0"/>
+                        <a:cs typeface="Calibri" panose="020F0502020204030204" charset="0"/>
+                      </a:endParaRPr>
+                    </a:p>
+                  </a:txBody>
+                  <a:tcPr marL="0" marR="0" marT="63500" marB="63500" vert="horz" anchor="t">
+                    <a:lnL w="12700" cap="flat" cmpd="sng">
+                      <a:solidFill>
+                        <a:srgbClr val="080000"/>
+                      </a:solidFill>
+                      <a:prstDash val="solid"/>
+                      <a:headEnd type="none" w="med" len="med"/>
+                      <a:tailEnd type="none" w="med" len="med"/>
+                    </a:lnL>
+                    <a:lnR w="9525" cap="flat" cmpd="sng">
+                      <a:solidFill>
+                        <a:srgbClr val="000000"/>
+                      </a:solidFill>
+                      <a:prstDash val="solid"/>
+                      <a:headEnd type="none" w="med" len="med"/>
+                      <a:tailEnd type="none" w="med" len="med"/>
+                    </a:lnR>
+                    <a:lnT w="12700" cap="flat" cmpd="sng">
+                      <a:solidFill>
+                        <a:srgbClr val="080000"/>
+                      </a:solidFill>
+                      <a:prstDash val="solid"/>
+                      <a:headEnd type="none" w="med" len="med"/>
+                      <a:tailEnd type="none" w="med" len="med"/>
+                    </a:lnT>
+                    <a:lnB w="12700" cap="flat" cmpd="sng">
+                      <a:solidFill>
+                        <a:srgbClr val="080000"/>
+                      </a:solidFill>
+                      <a:prstDash val="solid"/>
+                      <a:headEnd type="none" w="med" len="med"/>
+                      <a:tailEnd type="none" w="med" len="med"/>
+                    </a:lnB>
+                    <a:lnTlToBr>
+                      <a:noFill/>
+                    </a:lnTlToBr>
+                    <a:lnBlToTr>
+                      <a:noFill/>
+                    </a:lnBlToTr>
+                    <a:noFill/>
+                  </a:tcPr>
+                </a:tc>
+                <a:tc>
+                  <a:txBody>
+                    <a:bodyPr/>
+                    <a:p>
+                      <a:pPr indent="0">
+                        <a:buNone/>
+                      </a:pPr>
+                      <a:r>
+                        <a:rPr lang="zh-CN" altLang="en-US" sz="1200" b="0">
+                          <a:latin typeface="宋体" panose="02010600030101010101" pitchFamily="2" charset="-122"/>
+                          <a:ea typeface="宋体" panose="02010600030101010101" pitchFamily="2" charset="-122"/>
+                          <a:cs typeface="宋体" panose="02010600030101010101" pitchFamily="2" charset="-122"/>
+                        </a:rPr>
+                        <a:t>轮胎企业销售数据，多个不同领域的销售数据源</a:t>
+                      </a:r>
+                      <a:endParaRPr lang="zh-CN" altLang="en-US" sz="1200" b="0">
+                        <a:latin typeface="宋体" panose="02010600030101010101" pitchFamily="2" charset="-122"/>
+                        <a:ea typeface="宋体" panose="02010600030101010101" pitchFamily="2" charset="-122"/>
+                        <a:cs typeface="宋体" panose="02010600030101010101" pitchFamily="2" charset="-122"/>
+                      </a:endParaRPr>
+                    </a:p>
+                  </a:txBody>
+                  <a:tcPr marL="0" marR="0" marT="63500" marB="63500" vert="horz" anchor="t">
+                    <a:lnL w="9525" cap="flat" cmpd="sng">
+                      <a:solidFill>
+                        <a:srgbClr val="000000"/>
+                      </a:solidFill>
+                      <a:prstDash val="solid"/>
+                      <a:headEnd type="none" w="med" len="med"/>
+                      <a:tailEnd type="none" w="med" len="med"/>
+                    </a:lnL>
+                    <a:lnR w="9525" cap="flat" cmpd="sng">
+                      <a:solidFill>
+                        <a:srgbClr val="000000"/>
+                      </a:solidFill>
+                      <a:prstDash val="solid"/>
+                      <a:headEnd type="none" w="med" len="med"/>
+                      <a:tailEnd type="none" w="med" len="med"/>
+                    </a:lnR>
+                    <a:lnT w="12700" cap="flat" cmpd="sng">
+                      <a:solidFill>
+                        <a:srgbClr val="080000"/>
+                      </a:solidFill>
+                      <a:prstDash val="solid"/>
+                      <a:headEnd type="none" w="med" len="med"/>
+                      <a:tailEnd type="none" w="med" len="med"/>
+                    </a:lnT>
+                    <a:lnB w="12700" cap="flat" cmpd="sng">
+                      <a:solidFill>
+                        <a:srgbClr val="080000"/>
+                      </a:solidFill>
+                      <a:prstDash val="solid"/>
+                      <a:headEnd type="none" w="med" len="med"/>
+                      <a:tailEnd type="none" w="med" len="med"/>
+                    </a:lnB>
+                    <a:lnTlToBr>
+                      <a:noFill/>
+                    </a:lnTlToBr>
+                    <a:lnBlToTr>
+                      <a:noFill/>
+                    </a:lnBlToTr>
+                    <a:noFill/>
+                  </a:tcPr>
+                </a:tc>
+                <a:tc>
+                  <a:txBody>
+                    <a:bodyPr/>
+                    <a:p>
+                      <a:pPr indent="0">
+                        <a:buNone/>
+                      </a:pPr>
+                      <a:r>
+                        <a:rPr lang="en-US" altLang="zh-CN" sz="1200" b="0">
+                          <a:latin typeface="宋体" panose="02010600030101010101" pitchFamily="2" charset="-122"/>
+                          <a:ea typeface="宋体" panose="02010600030101010101" pitchFamily="2" charset="-122"/>
+                          <a:cs typeface="宋体" panose="02010600030101010101" pitchFamily="2" charset="-122"/>
+                        </a:rPr>
+                        <a:t>LASSO(The Least Absolute Shrinkage and Selectionator Operator)</a:t>
+                      </a:r>
+                      <a:r>
+                        <a:rPr lang="zh-CN" altLang="en-US" sz="1200" b="0">
+                          <a:latin typeface="宋体" panose="02010600030101010101" pitchFamily="2" charset="-122"/>
+                          <a:ea typeface="宋体" panose="02010600030101010101" pitchFamily="2" charset="-122"/>
+                          <a:cs typeface="宋体" panose="02010600030101010101" pitchFamily="2" charset="-122"/>
+                        </a:rPr>
+                        <a:t>方法的多任务学习方法</a:t>
+                      </a:r>
+                      <a:endParaRPr lang="zh-CN" altLang="en-US" sz="1200" b="0">
+                        <a:latin typeface="宋体" panose="02010600030101010101" pitchFamily="2" charset="-122"/>
+                        <a:ea typeface="宋体" panose="02010600030101010101" pitchFamily="2" charset="-122"/>
+                        <a:cs typeface="宋体" panose="02010600030101010101" pitchFamily="2" charset="-122"/>
+                      </a:endParaRPr>
+                    </a:p>
+                  </a:txBody>
+                  <a:tcPr marL="0" marR="0" marT="63500" marB="63500" vert="horz" anchor="t">
+                    <a:lnL w="9525" cap="flat" cmpd="sng">
+                      <a:solidFill>
+                        <a:srgbClr val="000000"/>
+                      </a:solidFill>
+                      <a:prstDash val="solid"/>
+                      <a:headEnd type="none" w="med" len="med"/>
+                      <a:tailEnd type="none" w="med" len="med"/>
+                    </a:lnL>
+                    <a:lnR w="9525" cap="flat" cmpd="sng">
+                      <a:solidFill>
+                        <a:srgbClr val="000000"/>
+                      </a:solidFill>
+                      <a:prstDash val="solid"/>
+                      <a:headEnd type="none" w="med" len="med"/>
+                      <a:tailEnd type="none" w="med" len="med"/>
+                    </a:lnR>
+                    <a:lnT w="12700" cap="flat" cmpd="sng">
+                      <a:solidFill>
+                        <a:srgbClr val="080000"/>
+                      </a:solidFill>
+                      <a:prstDash val="solid"/>
+                      <a:headEnd type="none" w="med" len="med"/>
+                      <a:tailEnd type="none" w="med" len="med"/>
+                    </a:lnT>
+                    <a:lnB w="12700" cap="flat" cmpd="sng">
+                      <a:solidFill>
+                        <a:srgbClr val="080000"/>
+                      </a:solidFill>
+                      <a:prstDash val="solid"/>
+                      <a:headEnd type="none" w="med" len="med"/>
+                      <a:tailEnd type="none" w="med" len="med"/>
+                    </a:lnB>
+                    <a:lnTlToBr>
+                      <a:noFill/>
+                    </a:lnTlToBr>
+                    <a:lnBlToTr>
+                      <a:noFill/>
+                    </a:lnBlToTr>
+                    <a:noFill/>
+                  </a:tcPr>
+                </a:tc>
+                <a:tc>
+                  <a:txBody>
+                    <a:bodyPr/>
+                    <a:p>
+                      <a:pPr indent="0">
+                        <a:buNone/>
+                      </a:pPr>
+                      <a:r>
+                        <a:rPr lang="zh-CN" altLang="en-US" sz="1200" b="0">
+                          <a:latin typeface="宋体" panose="02010600030101010101" pitchFamily="2" charset="-122"/>
+                          <a:ea typeface="宋体" panose="02010600030101010101" pitchFamily="2" charset="-122"/>
+                          <a:cs typeface="宋体" panose="02010600030101010101" pitchFamily="2" charset="-122"/>
+                        </a:rPr>
+                        <a:t>实验数据验证能够提升轮胎销售预测的准确率</a:t>
+                      </a:r>
+                      <a:endParaRPr lang="zh-CN" altLang="en-US" sz="1200" b="0">
+                        <a:latin typeface="宋体" panose="02010600030101010101" pitchFamily="2" charset="-122"/>
+                        <a:ea typeface="宋体" panose="02010600030101010101" pitchFamily="2" charset="-122"/>
+                        <a:cs typeface="宋体" panose="02010600030101010101" pitchFamily="2" charset="-122"/>
+                      </a:endParaRPr>
+                    </a:p>
+                  </a:txBody>
+                  <a:tcPr marL="0" marR="0" marT="63500" marB="63500" vert="horz" anchor="t">
+                    <a:lnL w="9525" cap="flat" cmpd="sng">
+                      <a:solidFill>
+                        <a:srgbClr val="000000"/>
+                      </a:solidFill>
+                      <a:prstDash val="solid"/>
+                      <a:headEnd type="none" w="med" len="med"/>
+                      <a:tailEnd type="none" w="med" len="med"/>
+                    </a:lnL>
+                    <a:lnR w="9525" cap="flat" cmpd="sng">
+                      <a:solidFill>
+                        <a:srgbClr val="000000"/>
+                      </a:solidFill>
+                      <a:prstDash val="solid"/>
+                      <a:headEnd type="none" w="med" len="med"/>
+                      <a:tailEnd type="none" w="med" len="med"/>
+                    </a:lnR>
+                    <a:lnT w="12700" cap="flat" cmpd="sng">
+                      <a:solidFill>
+                        <a:srgbClr val="080000"/>
+                      </a:solidFill>
+                      <a:prstDash val="solid"/>
+                      <a:headEnd type="none" w="med" len="med"/>
+                      <a:tailEnd type="none" w="med" len="med"/>
+                    </a:lnT>
+                    <a:lnB w="12700" cap="flat" cmpd="sng">
+                      <a:solidFill>
+                        <a:srgbClr val="080000"/>
+                      </a:solidFill>
+                      <a:prstDash val="solid"/>
+                      <a:headEnd type="none" w="med" len="med"/>
+                      <a:tailEnd type="none" w="med" len="med"/>
+                    </a:lnB>
+                    <a:lnTlToBr>
+                      <a:noFill/>
+                    </a:lnTlToBr>
+                    <a:lnBlToTr>
+                      <a:noFill/>
+                    </a:lnBlToTr>
+                    <a:noFill/>
+                  </a:tcPr>
+                </a:tc>
+              </a:tr>
+              <a:tr h="1184910">
+                <a:tc>
+                  <a:txBody>
+                    <a:bodyPr/>
+                    <a:p>
+                      <a:pPr indent="0">
+                        <a:buNone/>
+                      </a:pPr>
+                      <a:r>
+                        <a:rPr lang="zh-CN" altLang="en-US" sz="1200" b="0">
+                          <a:latin typeface="Calibri" panose="020F0502020204030204" charset="0"/>
+                          <a:cs typeface="Calibri" panose="020F0502020204030204" charset="0"/>
+                        </a:rPr>
+                        <a:t>崔东佳</a:t>
+                      </a:r>
+                      <a:r>
+                        <a:rPr lang="zh-CN" altLang="en-US" sz="1200" b="0">
+                          <a:latin typeface="宋体" panose="02010600030101010101" pitchFamily="2" charset="-122"/>
+                          <a:ea typeface="宋体" panose="02010600030101010101" pitchFamily="2" charset="-122"/>
+                          <a:cs typeface="宋体" panose="02010600030101010101" pitchFamily="2" charset="-122"/>
+                        </a:rPr>
+                        <a:t>（</a:t>
+                      </a:r>
+                      <a:r>
+                        <a:rPr lang="en-US" altLang="zh-CN" sz="1200" b="0">
+                          <a:latin typeface="宋体" panose="02010600030101010101" pitchFamily="2" charset="-122"/>
+                          <a:ea typeface="宋体" panose="02010600030101010101" pitchFamily="2" charset="-122"/>
+                          <a:cs typeface="宋体" panose="02010600030101010101" pitchFamily="2" charset="-122"/>
+                        </a:rPr>
+                        <a:t>2014</a:t>
+                      </a:r>
+                      <a:r>
+                        <a:rPr lang="zh-CN" altLang="en-US" sz="1200" b="0">
+                          <a:latin typeface="宋体" panose="02010600030101010101" pitchFamily="2" charset="-122"/>
+                          <a:ea typeface="宋体" panose="02010600030101010101" pitchFamily="2" charset="-122"/>
+                          <a:cs typeface="宋体" panose="02010600030101010101" pitchFamily="2" charset="-122"/>
+                        </a:rPr>
+                        <a:t>）</a:t>
+                      </a:r>
+                      <a:endParaRPr lang="zh-CN" altLang="en-US" sz="1200" b="0">
+                        <a:latin typeface="宋体" panose="02010600030101010101" pitchFamily="2" charset="-122"/>
+                        <a:ea typeface="宋体" panose="02010600030101010101" pitchFamily="2" charset="-122"/>
+                        <a:cs typeface="宋体" panose="02010600030101010101" pitchFamily="2" charset="-122"/>
+                      </a:endParaRPr>
+                    </a:p>
+                  </a:txBody>
+                  <a:tcPr marL="0" marR="0" marT="63500" marB="63500" vert="horz" anchor="t">
+                    <a:lnL w="12700" cap="flat" cmpd="sng">
+                      <a:solidFill>
+                        <a:srgbClr val="080000"/>
+                      </a:solidFill>
+                      <a:prstDash val="solid"/>
+                      <a:headEnd type="none" w="med" len="med"/>
+                      <a:tailEnd type="none" w="med" len="med"/>
+                    </a:lnL>
+                    <a:lnR w="12700" cap="flat" cmpd="sng">
+                      <a:solidFill>
+                        <a:srgbClr val="080000"/>
+                      </a:solidFill>
+                      <a:prstDash val="solid"/>
+                      <a:headEnd type="none" w="med" len="med"/>
+                      <a:tailEnd type="none" w="med" len="med"/>
+                    </a:lnR>
+                    <a:lnT w="12700" cap="flat" cmpd="sng">
+                      <a:solidFill>
+                        <a:srgbClr val="080000"/>
+                      </a:solidFill>
+                      <a:prstDash val="solid"/>
+                      <a:headEnd type="none" w="med" len="med"/>
+                      <a:tailEnd type="none" w="med" len="med"/>
+                    </a:lnT>
+                    <a:lnB w="12700" cap="flat" cmpd="sng">
+                      <a:solidFill>
+                        <a:srgbClr val="080000"/>
+                      </a:solidFill>
+                      <a:prstDash val="solid"/>
+                      <a:headEnd type="none" w="med" len="med"/>
+                      <a:tailEnd type="none" w="med" len="med"/>
+                    </a:lnB>
+                    <a:lnTlToBr>
+                      <a:noFill/>
+                    </a:lnTlToBr>
+                    <a:lnBlToTr>
+                      <a:noFill/>
+                    </a:lnBlToTr>
+                    <a:noFill/>
+                  </a:tcPr>
+                </a:tc>
+                <a:tc>
+                  <a:txBody>
+                    <a:bodyPr/>
+                    <a:p>
+                      <a:pPr indent="0">
+                        <a:buNone/>
+                      </a:pPr>
+                      <a:r>
+                        <a:rPr lang="zh-CN" altLang="en-US" sz="1200" b="0">
+                          <a:latin typeface="Calibri" panose="020F0502020204030204" charset="0"/>
+                          <a:cs typeface="Calibri" panose="020F0502020204030204" charset="0"/>
+                        </a:rPr>
+                        <a:t>品牌汽车销量预测</a:t>
+                      </a:r>
+                      <a:r>
+                        <a:rPr lang="zh-CN" altLang="en-US" sz="1200" b="0">
+                          <a:latin typeface="宋体" panose="02010600030101010101" pitchFamily="2" charset="-122"/>
+                          <a:ea typeface="宋体" panose="02010600030101010101" pitchFamily="2" charset="-122"/>
+                          <a:cs typeface="宋体" panose="02010600030101010101" pitchFamily="2" charset="-122"/>
+                        </a:rPr>
+                        <a:t>，实施监控</a:t>
+                      </a:r>
+                      <a:endParaRPr lang="zh-CN" altLang="en-US" sz="1200" b="0">
+                        <a:latin typeface="宋体" panose="02010600030101010101" pitchFamily="2" charset="-122"/>
+                        <a:ea typeface="宋体" panose="02010600030101010101" pitchFamily="2" charset="-122"/>
+                        <a:cs typeface="宋体" panose="02010600030101010101" pitchFamily="2" charset="-122"/>
+                      </a:endParaRPr>
+                    </a:p>
+                  </a:txBody>
+                  <a:tcPr marL="0" marR="0" marT="63500" marB="63500" vert="horz" anchor="t">
+                    <a:lnL w="12700" cap="flat" cmpd="sng">
+                      <a:solidFill>
+                        <a:srgbClr val="080000"/>
+                      </a:solidFill>
+                      <a:prstDash val="solid"/>
+                      <a:headEnd type="none" w="med" len="med"/>
+                      <a:tailEnd type="none" w="med" len="med"/>
+                    </a:lnL>
+                    <a:lnR w="9525" cap="flat" cmpd="sng">
+                      <a:solidFill>
+                        <a:srgbClr val="000000"/>
+                      </a:solidFill>
+                      <a:prstDash val="solid"/>
+                      <a:headEnd type="none" w="med" len="med"/>
+                      <a:tailEnd type="none" w="med" len="med"/>
+                    </a:lnR>
+                    <a:lnT w="12700" cap="flat" cmpd="sng">
+                      <a:solidFill>
+                        <a:srgbClr val="080000"/>
+                      </a:solidFill>
+                      <a:prstDash val="solid"/>
+                      <a:headEnd type="none" w="med" len="med"/>
+                      <a:tailEnd type="none" w="med" len="med"/>
+                    </a:lnT>
+                    <a:lnB w="12700" cap="flat" cmpd="sng">
+                      <a:solidFill>
+                        <a:srgbClr val="080000"/>
+                      </a:solidFill>
+                      <a:prstDash val="solid"/>
+                      <a:headEnd type="none" w="med" len="med"/>
+                      <a:tailEnd type="none" w="med" len="med"/>
+                    </a:lnB>
+                    <a:lnTlToBr>
+                      <a:noFill/>
+                    </a:lnTlToBr>
+                    <a:lnBlToTr>
+                      <a:noFill/>
+                    </a:lnBlToTr>
+                    <a:noFill/>
+                  </a:tcPr>
+                </a:tc>
+                <a:tc>
+                  <a:txBody>
+                    <a:bodyPr/>
+                    <a:p>
+                      <a:pPr indent="0">
+                        <a:buNone/>
+                      </a:pPr>
+                      <a:r>
+                        <a:rPr lang="zh-CN" altLang="en-US" sz="1200" b="0">
+                          <a:latin typeface="宋体" panose="02010600030101010101" pitchFamily="2" charset="-122"/>
+                          <a:ea typeface="宋体" panose="02010600030101010101" pitchFamily="2" charset="-122"/>
+                          <a:cs typeface="宋体" panose="02010600030101010101" pitchFamily="2" charset="-122"/>
+                        </a:rPr>
+                        <a:t>百度搜索引擎搜索与奇瑞、大众及宝马三个品牌汽车相关的关键词</a:t>
+                      </a:r>
+                      <a:endParaRPr lang="zh-CN" altLang="en-US" sz="1200" b="0">
+                        <a:latin typeface="宋体" panose="02010600030101010101" pitchFamily="2" charset="-122"/>
+                        <a:ea typeface="宋体" panose="02010600030101010101" pitchFamily="2" charset="-122"/>
+                        <a:cs typeface="宋体" panose="02010600030101010101" pitchFamily="2" charset="-122"/>
+                      </a:endParaRPr>
+                    </a:p>
+                  </a:txBody>
+                  <a:tcPr marL="0" marR="0" marT="63500" marB="63500" vert="horz" anchor="t">
+                    <a:lnL w="9525" cap="flat" cmpd="sng">
+                      <a:solidFill>
+                        <a:srgbClr val="000000"/>
+                      </a:solidFill>
+                      <a:prstDash val="solid"/>
+                      <a:headEnd type="none" w="med" len="med"/>
+                      <a:tailEnd type="none" w="med" len="med"/>
+                    </a:lnL>
+                    <a:lnR w="9525" cap="flat" cmpd="sng">
+                      <a:solidFill>
+                        <a:srgbClr val="000000"/>
+                      </a:solidFill>
+                      <a:prstDash val="solid"/>
+                      <a:headEnd type="none" w="med" len="med"/>
+                      <a:tailEnd type="none" w="med" len="med"/>
+                    </a:lnR>
+                    <a:lnT w="12700" cap="flat" cmpd="sng">
+                      <a:solidFill>
+                        <a:srgbClr val="080000"/>
+                      </a:solidFill>
+                      <a:prstDash val="solid"/>
+                      <a:headEnd type="none" w="med" len="med"/>
+                      <a:tailEnd type="none" w="med" len="med"/>
+                    </a:lnT>
+                    <a:lnB w="12700" cap="flat" cmpd="sng">
+                      <a:solidFill>
+                        <a:srgbClr val="080000"/>
+                      </a:solidFill>
+                      <a:prstDash val="solid"/>
+                      <a:headEnd type="none" w="med" len="med"/>
+                      <a:tailEnd type="none" w="med" len="med"/>
+                    </a:lnB>
+                    <a:lnTlToBr>
+                      <a:noFill/>
+                    </a:lnTlToBr>
+                    <a:lnBlToTr>
+                      <a:noFill/>
+                    </a:lnBlToTr>
+                    <a:noFill/>
+                  </a:tcPr>
+                </a:tc>
+                <a:tc>
+                  <a:txBody>
+                    <a:bodyPr/>
+                    <a:p>
+                      <a:pPr indent="0">
+                        <a:buNone/>
+                      </a:pPr>
+                      <a:r>
+                        <a:rPr lang="zh-CN" altLang="en-US" sz="1200" b="0">
+                          <a:latin typeface="宋体" panose="02010600030101010101" pitchFamily="2" charset="-122"/>
+                          <a:ea typeface="宋体" panose="02010600030101010101" pitchFamily="2" charset="-122"/>
+                          <a:cs typeface="宋体" panose="02010600030101010101" pitchFamily="2" charset="-122"/>
+                        </a:rPr>
+                        <a:t>综合赋权和错位逐步合成方法对搜索到的关键词进行合成，得出搜索指数。建立回归预测模型，进行协整分析和</a:t>
+                      </a:r>
+                      <a:r>
+                        <a:rPr lang="en-US" altLang="zh-CN" sz="1200" b="0">
+                          <a:latin typeface="宋体" panose="02010600030101010101" pitchFamily="2" charset="-122"/>
+                          <a:ea typeface="宋体" panose="02010600030101010101" pitchFamily="2" charset="-122"/>
+                          <a:cs typeface="宋体" panose="02010600030101010101" pitchFamily="2" charset="-122"/>
+                        </a:rPr>
+                        <a:t>Granger</a:t>
+                      </a:r>
+                      <a:r>
+                        <a:rPr lang="zh-CN" altLang="en-US" sz="1200" b="0">
+                          <a:latin typeface="宋体" panose="02010600030101010101" pitchFamily="2" charset="-122"/>
+                          <a:ea typeface="宋体" panose="02010600030101010101" pitchFamily="2" charset="-122"/>
+                          <a:cs typeface="宋体" panose="02010600030101010101" pitchFamily="2" charset="-122"/>
+                        </a:rPr>
+                        <a:t>因果检验。</a:t>
+                      </a:r>
+                      <a:endParaRPr lang="zh-CN" altLang="en-US" sz="1200" b="0">
+                        <a:latin typeface="宋体" panose="02010600030101010101" pitchFamily="2" charset="-122"/>
+                        <a:ea typeface="宋体" panose="02010600030101010101" pitchFamily="2" charset="-122"/>
+                        <a:cs typeface="宋体" panose="02010600030101010101" pitchFamily="2" charset="-122"/>
+                      </a:endParaRPr>
+                    </a:p>
+                  </a:txBody>
+                  <a:tcPr marL="0" marR="0" marT="63500" marB="63500" vert="horz" anchor="t">
+                    <a:lnL w="9525" cap="flat" cmpd="sng">
+                      <a:solidFill>
+                        <a:srgbClr val="000000"/>
+                      </a:solidFill>
+                      <a:prstDash val="solid"/>
+                      <a:headEnd type="none" w="med" len="med"/>
+                      <a:tailEnd type="none" w="med" len="med"/>
+                    </a:lnL>
+                    <a:lnR w="9525" cap="flat" cmpd="sng">
+                      <a:solidFill>
+                        <a:srgbClr val="000000"/>
+                      </a:solidFill>
+                      <a:prstDash val="solid"/>
+                      <a:headEnd type="none" w="med" len="med"/>
+                      <a:tailEnd type="none" w="med" len="med"/>
+                    </a:lnR>
+                    <a:lnT w="12700" cap="flat" cmpd="sng">
+                      <a:solidFill>
+                        <a:srgbClr val="080000"/>
+                      </a:solidFill>
+                      <a:prstDash val="solid"/>
+                      <a:headEnd type="none" w="med" len="med"/>
+                      <a:tailEnd type="none" w="med" len="med"/>
+                    </a:lnT>
+                    <a:lnB w="12700" cap="flat" cmpd="sng">
+                      <a:solidFill>
+                        <a:srgbClr val="080000"/>
+                      </a:solidFill>
+                      <a:prstDash val="solid"/>
+                      <a:headEnd type="none" w="med" len="med"/>
+                      <a:tailEnd type="none" w="med" len="med"/>
+                    </a:lnB>
+                    <a:lnTlToBr>
+                      <a:noFill/>
+                    </a:lnTlToBr>
+                    <a:lnBlToTr>
+                      <a:noFill/>
+                    </a:lnBlToTr>
+                    <a:noFill/>
+                  </a:tcPr>
+                </a:tc>
+                <a:tc>
+                  <a:txBody>
+                    <a:bodyPr/>
+                    <a:p>
+                      <a:pPr indent="0">
+                        <a:buNone/>
+                      </a:pPr>
+                      <a:r>
+                        <a:rPr lang="zh-CN" altLang="en-US" sz="1200" b="0">
+                          <a:latin typeface="宋体" panose="02010600030101010101" pitchFamily="2" charset="-122"/>
+                          <a:ea typeface="宋体" panose="02010600030101010101" pitchFamily="2" charset="-122"/>
+                          <a:cs typeface="宋体" panose="02010600030101010101" pitchFamily="2" charset="-122"/>
+                        </a:rPr>
+                        <a:t>相比传统的汽车销量预测方法，该方法具有很高的预测精度（处于低端市场，拟合度为</a:t>
+                      </a:r>
+                      <a:r>
+                        <a:rPr lang="en-US" altLang="zh-CN" sz="1200" b="0">
+                          <a:latin typeface="宋体" panose="02010600030101010101" pitchFamily="2" charset="-122"/>
+                          <a:ea typeface="宋体" panose="02010600030101010101" pitchFamily="2" charset="-122"/>
+                          <a:cs typeface="宋体" panose="02010600030101010101" pitchFamily="2" charset="-122"/>
+                        </a:rPr>
+                        <a:t>70.0</a:t>
+                      </a:r>
+                      <a:r>
+                        <a:rPr lang="zh-CN" altLang="en-US" sz="1200" b="0">
+                          <a:latin typeface="宋体" panose="02010600030101010101" pitchFamily="2" charset="-122"/>
+                          <a:ea typeface="宋体" panose="02010600030101010101" pitchFamily="2" charset="-122"/>
+                          <a:cs typeface="宋体" panose="02010600030101010101" pitchFamily="2" charset="-122"/>
+                        </a:rPr>
+                        <a:t>％，中端市场拟合度为</a:t>
+                      </a:r>
+                      <a:r>
+                        <a:rPr lang="en-US" altLang="zh-CN" sz="1200" b="0">
+                          <a:latin typeface="宋体" panose="02010600030101010101" pitchFamily="2" charset="-122"/>
+                          <a:ea typeface="宋体" panose="02010600030101010101" pitchFamily="2" charset="-122"/>
+                          <a:cs typeface="宋体" panose="02010600030101010101" pitchFamily="2" charset="-122"/>
+                        </a:rPr>
+                        <a:t>95.2</a:t>
+                      </a:r>
+                      <a:r>
+                        <a:rPr lang="zh-CN" altLang="en-US" sz="1200" b="0">
+                          <a:latin typeface="宋体" panose="02010600030101010101" pitchFamily="2" charset="-122"/>
+                          <a:ea typeface="宋体" panose="02010600030101010101" pitchFamily="2" charset="-122"/>
+                          <a:cs typeface="宋体" panose="02010600030101010101" pitchFamily="2" charset="-122"/>
+                        </a:rPr>
+                        <a:t>％，高端市场拟合度为</a:t>
+                      </a:r>
+                      <a:r>
+                        <a:rPr lang="en-US" altLang="zh-CN" sz="1200" b="0">
+                          <a:latin typeface="宋体" panose="02010600030101010101" pitchFamily="2" charset="-122"/>
+                          <a:ea typeface="宋体" panose="02010600030101010101" pitchFamily="2" charset="-122"/>
+                          <a:cs typeface="宋体" panose="02010600030101010101" pitchFamily="2" charset="-122"/>
+                        </a:rPr>
+                        <a:t>97.7</a:t>
+                      </a:r>
+                      <a:r>
+                        <a:rPr lang="zh-CN" altLang="en-US" sz="1200" b="0">
+                          <a:latin typeface="宋体" panose="02010600030101010101" pitchFamily="2" charset="-122"/>
+                          <a:ea typeface="宋体" panose="02010600030101010101" pitchFamily="2" charset="-122"/>
+                          <a:cs typeface="宋体" panose="02010600030101010101" pitchFamily="2" charset="-122"/>
+                        </a:rPr>
+                        <a:t>％，且比统计部门发布提前一个月左右。</a:t>
+                      </a:r>
+                      <a:endParaRPr lang="zh-CN" altLang="en-US" sz="1200" b="0">
+                        <a:latin typeface="宋体" panose="02010600030101010101" pitchFamily="2" charset="-122"/>
+                        <a:ea typeface="宋体" panose="02010600030101010101" pitchFamily="2" charset="-122"/>
+                        <a:cs typeface="宋体" panose="02010600030101010101" pitchFamily="2" charset="-122"/>
+                      </a:endParaRPr>
+                    </a:p>
+                  </a:txBody>
+                  <a:tcPr marL="0" marR="0" marT="63500" marB="63500" vert="horz" anchor="t">
+                    <a:lnL w="9525" cap="flat" cmpd="sng">
+                      <a:solidFill>
+                        <a:srgbClr val="000000"/>
+                      </a:solidFill>
+                      <a:prstDash val="solid"/>
+                      <a:headEnd type="none" w="med" len="med"/>
+                      <a:tailEnd type="none" w="med" len="med"/>
+                    </a:lnL>
+                    <a:lnR w="9525" cap="flat" cmpd="sng">
+                      <a:solidFill>
+                        <a:srgbClr val="000000"/>
+                      </a:solidFill>
+                      <a:prstDash val="solid"/>
+                      <a:headEnd type="none" w="med" len="med"/>
+                      <a:tailEnd type="none" w="med" len="med"/>
+                    </a:lnR>
+                    <a:lnT w="12700" cap="flat" cmpd="sng">
+                      <a:solidFill>
+                        <a:srgbClr val="080000"/>
+                      </a:solidFill>
+                      <a:prstDash val="solid"/>
+                      <a:headEnd type="none" w="med" len="med"/>
+                      <a:tailEnd type="none" w="med" len="med"/>
+                    </a:lnT>
+                    <a:lnB w="12700" cap="flat" cmpd="sng">
+                      <a:solidFill>
+                        <a:srgbClr val="080000"/>
+                      </a:solidFill>
+                      <a:prstDash val="solid"/>
+                      <a:headEnd type="none" w="med" len="med"/>
+                      <a:tailEnd type="none" w="med" len="med"/>
+                    </a:lnB>
+                    <a:lnTlToBr>
+                      <a:noFill/>
+                    </a:lnTlToBr>
+                    <a:lnBlToTr>
+                      <a:noFill/>
+                    </a:lnBlToTr>
+                    <a:noFill/>
+                  </a:tcPr>
+                </a:tc>
+              </a:tr>
+              <a:tr h="998855">
+                <a:tc>
+                  <a:txBody>
+                    <a:bodyPr/>
+                    <a:p>
+                      <a:pPr indent="0">
+                        <a:buNone/>
+                      </a:pPr>
+                      <a:r>
+                        <a:rPr lang="zh-CN" altLang="en-US" sz="1200" b="0">
+                          <a:latin typeface="Calibri" panose="020F0502020204030204" charset="0"/>
+                          <a:cs typeface="Calibri" panose="020F0502020204030204" charset="0"/>
+                        </a:rPr>
+                        <a:t>刘晶</a:t>
+                      </a:r>
+                      <a:r>
+                        <a:rPr lang="en-US" altLang="zh-CN" sz="1200" b="0">
+                          <a:latin typeface="Calibri" panose="020F0502020204030204" charset="0"/>
+                          <a:cs typeface="Calibri" panose="020F0502020204030204" charset="0"/>
+                        </a:rPr>
+                        <a:t>, </a:t>
+                      </a:r>
+                      <a:r>
+                        <a:rPr lang="zh-CN" altLang="en-US" sz="1200" b="0">
+                          <a:latin typeface="Calibri" panose="020F0502020204030204" charset="0"/>
+                          <a:cs typeface="Calibri" panose="020F0502020204030204" charset="0"/>
+                        </a:rPr>
+                        <a:t>和述群</a:t>
+                      </a:r>
+                      <a:r>
+                        <a:rPr lang="en-US" altLang="zh-CN" sz="1200" b="0">
+                          <a:latin typeface="Calibri" panose="020F0502020204030204" charset="0"/>
+                          <a:cs typeface="Calibri" panose="020F0502020204030204" charset="0"/>
+                        </a:rPr>
+                        <a:t>, </a:t>
+                      </a:r>
+                      <a:r>
+                        <a:rPr lang="zh-CN" altLang="en-US" sz="1200" b="0">
+                          <a:latin typeface="Calibri" panose="020F0502020204030204" charset="0"/>
+                          <a:cs typeface="Calibri" panose="020F0502020204030204" charset="0"/>
+                        </a:rPr>
+                        <a:t>朱清香</a:t>
+                      </a:r>
+                      <a:r>
+                        <a:rPr lang="en-US" altLang="zh-CN" sz="1200" b="0">
+                          <a:latin typeface="Calibri" panose="020F0502020204030204" charset="0"/>
+                          <a:cs typeface="Calibri" panose="020F0502020204030204" charset="0"/>
+                        </a:rPr>
+                        <a:t>,</a:t>
+                      </a:r>
+                      <a:r>
+                        <a:rPr lang="zh-CN" altLang="en-US" sz="1200" b="0">
+                          <a:latin typeface="Calibri" panose="020F0502020204030204" charset="0"/>
+                          <a:cs typeface="Calibri" panose="020F0502020204030204" charset="0"/>
+                        </a:rPr>
+                        <a:t>等</a:t>
+                      </a:r>
+                      <a:r>
+                        <a:rPr lang="zh-CN" altLang="en-US" sz="1200" b="0">
+                          <a:latin typeface="宋体" panose="02010600030101010101" pitchFamily="2" charset="-122"/>
+                          <a:ea typeface="宋体" panose="02010600030101010101" pitchFamily="2" charset="-122"/>
+                          <a:cs typeface="宋体" panose="02010600030101010101" pitchFamily="2" charset="-122"/>
+                        </a:rPr>
+                        <a:t>（</a:t>
+                      </a:r>
+                      <a:r>
+                        <a:rPr lang="en-US" altLang="zh-CN" sz="1200" b="0">
+                          <a:latin typeface="宋体" panose="02010600030101010101" pitchFamily="2" charset="-122"/>
+                          <a:ea typeface="宋体" panose="02010600030101010101" pitchFamily="2" charset="-122"/>
+                          <a:cs typeface="宋体" panose="02010600030101010101" pitchFamily="2" charset="-122"/>
+                        </a:rPr>
+                        <a:t>2017</a:t>
+                      </a:r>
+                      <a:r>
+                        <a:rPr lang="zh-CN" altLang="en-US" sz="1200" b="0">
+                          <a:latin typeface="宋体" panose="02010600030101010101" pitchFamily="2" charset="-122"/>
+                          <a:ea typeface="宋体" panose="02010600030101010101" pitchFamily="2" charset="-122"/>
+                          <a:cs typeface="宋体" panose="02010600030101010101" pitchFamily="2" charset="-122"/>
+                        </a:rPr>
+                        <a:t>）</a:t>
+                      </a:r>
+                      <a:endParaRPr lang="zh-CN" altLang="en-US" sz="1200" b="0">
+                        <a:latin typeface="宋体" panose="02010600030101010101" pitchFamily="2" charset="-122"/>
+                        <a:ea typeface="宋体" panose="02010600030101010101" pitchFamily="2" charset="-122"/>
+                        <a:cs typeface="宋体" panose="02010600030101010101" pitchFamily="2" charset="-122"/>
+                      </a:endParaRPr>
+                    </a:p>
+                  </a:txBody>
+                  <a:tcPr marL="0" marR="0" marT="63500" marB="63500" vert="horz" anchor="t">
+                    <a:lnL w="12700" cap="flat" cmpd="sng">
+                      <a:solidFill>
+                        <a:srgbClr val="080000"/>
+                      </a:solidFill>
+                      <a:prstDash val="solid"/>
+                      <a:headEnd type="none" w="med" len="med"/>
+                      <a:tailEnd type="none" w="med" len="med"/>
+                    </a:lnL>
+                    <a:lnR w="12700" cap="flat" cmpd="sng">
+                      <a:solidFill>
+                        <a:srgbClr val="080000"/>
+                      </a:solidFill>
+                      <a:prstDash val="solid"/>
+                      <a:headEnd type="none" w="med" len="med"/>
+                      <a:tailEnd type="none" w="med" len="med"/>
+                    </a:lnR>
+                    <a:lnT w="12700" cap="flat" cmpd="sng">
+                      <a:solidFill>
+                        <a:srgbClr val="080000"/>
+                      </a:solidFill>
+                      <a:prstDash val="solid"/>
+                      <a:headEnd type="none" w="med" len="med"/>
+                      <a:tailEnd type="none" w="med" len="med"/>
+                    </a:lnT>
+                    <a:lnB w="12700" cap="flat" cmpd="sng">
+                      <a:solidFill>
+                        <a:srgbClr val="080000"/>
+                      </a:solidFill>
+                      <a:prstDash val="solid"/>
+                      <a:headEnd type="none" w="med" len="med"/>
+                      <a:tailEnd type="none" w="med" len="med"/>
+                    </a:lnB>
+                    <a:lnTlToBr>
+                      <a:noFill/>
+                    </a:lnTlToBr>
+                    <a:lnBlToTr>
+                      <a:noFill/>
+                    </a:lnBlToTr>
+                    <a:noFill/>
+                  </a:tcPr>
+                </a:tc>
+                <a:tc>
+                  <a:txBody>
+                    <a:bodyPr/>
+                    <a:p>
+                      <a:pPr indent="0">
+                        <a:buNone/>
+                      </a:pPr>
+                      <a:r>
+                        <a:rPr lang="zh-CN" altLang="en-US" sz="1200" b="0">
+                          <a:latin typeface="Calibri" panose="020F0502020204030204" charset="0"/>
+                          <a:cs typeface="Calibri" panose="020F0502020204030204" charset="0"/>
+                        </a:rPr>
+                        <a:t>线上农产品销量预测</a:t>
+                      </a:r>
+                      <a:endParaRPr lang="zh-CN" altLang="en-US" sz="1200" b="0">
+                        <a:latin typeface="Calibri" panose="020F0502020204030204" charset="0"/>
+                        <a:ea typeface="Calibri" panose="020F0502020204030204" charset="0"/>
+                        <a:cs typeface="Calibri" panose="020F0502020204030204" charset="0"/>
+                      </a:endParaRPr>
+                    </a:p>
+                  </a:txBody>
+                  <a:tcPr marL="0" marR="0" marT="63500" marB="63500" vert="horz" anchor="t">
+                    <a:lnL w="12700" cap="flat" cmpd="sng">
+                      <a:solidFill>
+                        <a:srgbClr val="080000"/>
+                      </a:solidFill>
+                      <a:prstDash val="solid"/>
+                      <a:headEnd type="none" w="med" len="med"/>
+                      <a:tailEnd type="none" w="med" len="med"/>
+                    </a:lnL>
+                    <a:lnR w="9525" cap="flat" cmpd="sng">
+                      <a:solidFill>
+                        <a:srgbClr val="000000"/>
+                      </a:solidFill>
+                      <a:prstDash val="solid"/>
+                      <a:headEnd type="none" w="med" len="med"/>
+                      <a:tailEnd type="none" w="med" len="med"/>
+                    </a:lnR>
+                    <a:lnT w="12700" cap="flat" cmpd="sng">
+                      <a:solidFill>
+                        <a:srgbClr val="080000"/>
+                      </a:solidFill>
+                      <a:prstDash val="solid"/>
+                      <a:headEnd type="none" w="med" len="med"/>
+                      <a:tailEnd type="none" w="med" len="med"/>
+                    </a:lnT>
+                    <a:lnB w="12700" cap="flat" cmpd="sng">
+                      <a:solidFill>
+                        <a:srgbClr val="080000"/>
+                      </a:solidFill>
+                      <a:prstDash val="solid"/>
+                      <a:headEnd type="none" w="med" len="med"/>
+                      <a:tailEnd type="none" w="med" len="med"/>
+                    </a:lnB>
+                    <a:lnTlToBr>
+                      <a:noFill/>
+                    </a:lnTlToBr>
+                    <a:lnBlToTr>
+                      <a:noFill/>
+                    </a:lnBlToTr>
+                    <a:noFill/>
+                  </a:tcPr>
+                </a:tc>
+                <a:tc>
+                  <a:txBody>
+                    <a:bodyPr/>
+                    <a:p>
+                      <a:pPr indent="0">
+                        <a:buNone/>
+                      </a:pPr>
+                      <a:r>
+                        <a:rPr lang="zh-CN" altLang="en-US" sz="1200" b="0">
+                          <a:latin typeface="宋体" panose="02010600030101010101" pitchFamily="2" charset="-122"/>
+                          <a:ea typeface="宋体" panose="02010600030101010101" pitchFamily="2" charset="-122"/>
+                          <a:cs typeface="宋体" panose="02010600030101010101" pitchFamily="2" charset="-122"/>
+                        </a:rPr>
+                        <a:t>涉农电商销售数据</a:t>
+                      </a:r>
+                      <a:endParaRPr lang="zh-CN" altLang="en-US" sz="1200" b="0">
+                        <a:latin typeface="宋体" panose="02010600030101010101" pitchFamily="2" charset="-122"/>
+                        <a:ea typeface="宋体" panose="02010600030101010101" pitchFamily="2" charset="-122"/>
+                        <a:cs typeface="宋体" panose="02010600030101010101" pitchFamily="2" charset="-122"/>
+                      </a:endParaRPr>
+                    </a:p>
+                  </a:txBody>
+                  <a:tcPr marL="0" marR="0" marT="63500" marB="63500" vert="horz" anchor="t">
+                    <a:lnL w="9525" cap="flat" cmpd="sng">
+                      <a:solidFill>
+                        <a:srgbClr val="000000"/>
+                      </a:solidFill>
+                      <a:prstDash val="solid"/>
+                      <a:headEnd type="none" w="med" len="med"/>
+                      <a:tailEnd type="none" w="med" len="med"/>
+                    </a:lnL>
+                    <a:lnR w="9525" cap="flat" cmpd="sng">
+                      <a:solidFill>
+                        <a:srgbClr val="000000"/>
+                      </a:solidFill>
+                      <a:prstDash val="solid"/>
+                      <a:headEnd type="none" w="med" len="med"/>
+                      <a:tailEnd type="none" w="med" len="med"/>
+                    </a:lnR>
+                    <a:lnT w="12700" cap="flat" cmpd="sng">
+                      <a:solidFill>
+                        <a:srgbClr val="080000"/>
+                      </a:solidFill>
+                      <a:prstDash val="solid"/>
+                      <a:headEnd type="none" w="med" len="med"/>
+                      <a:tailEnd type="none" w="med" len="med"/>
+                    </a:lnT>
+                    <a:lnB w="12700" cap="flat" cmpd="sng">
+                      <a:solidFill>
+                        <a:srgbClr val="080000"/>
+                      </a:solidFill>
+                      <a:prstDash val="solid"/>
+                      <a:headEnd type="none" w="med" len="med"/>
+                      <a:tailEnd type="none" w="med" len="med"/>
+                    </a:lnB>
+                    <a:lnTlToBr>
+                      <a:noFill/>
+                    </a:lnTlToBr>
+                    <a:lnBlToTr>
+                      <a:noFill/>
+                    </a:lnBlToTr>
+                    <a:noFill/>
+                  </a:tcPr>
+                </a:tc>
+                <a:tc>
+                  <a:txBody>
+                    <a:bodyPr/>
+                    <a:p>
+                      <a:pPr indent="0">
+                        <a:buNone/>
+                      </a:pPr>
+                      <a:r>
+                        <a:rPr lang="zh-CN" altLang="en-US" sz="1200" b="0">
+                          <a:latin typeface="宋体" panose="02010600030101010101" pitchFamily="2" charset="-122"/>
+                          <a:ea typeface="宋体" panose="02010600030101010101" pitchFamily="2" charset="-122"/>
+                          <a:cs typeface="宋体" panose="02010600030101010101" pitchFamily="2" charset="-122"/>
+                        </a:rPr>
+                        <a:t>结合深度学习算法优势和涉农电商销售数据特点的皇冠模型</a:t>
+                      </a:r>
+                      <a:r>
+                        <a:rPr lang="en-US" altLang="zh-CN" sz="1200" b="0">
+                          <a:latin typeface="宋体" panose="02010600030101010101" pitchFamily="2" charset="-122"/>
+                          <a:ea typeface="宋体" panose="02010600030101010101" pitchFamily="2" charset="-122"/>
+                          <a:cs typeface="宋体" panose="02010600030101010101" pitchFamily="2" charset="-122"/>
+                        </a:rPr>
+                        <a:t>(ICM)</a:t>
+                      </a:r>
+                      <a:r>
+                        <a:rPr lang="zh-CN" altLang="en-US" sz="1200" b="0">
+                          <a:latin typeface="宋体" panose="02010600030101010101" pitchFamily="2" charset="-122"/>
+                          <a:ea typeface="宋体" panose="02010600030101010101" pitchFamily="2" charset="-122"/>
+                          <a:cs typeface="宋体" panose="02010600030101010101" pitchFamily="2" charset="-122"/>
+                        </a:rPr>
+                        <a:t>：建立因素评价指标，采用两层自编码网络提取样本特征，训练后用</a:t>
+                      </a:r>
+                      <a:r>
+                        <a:rPr lang="en-US" altLang="zh-CN" sz="1200" b="0">
+                          <a:latin typeface="宋体" panose="02010600030101010101" pitchFamily="2" charset="-122"/>
+                          <a:ea typeface="宋体" panose="02010600030101010101" pitchFamily="2" charset="-122"/>
+                          <a:cs typeface="宋体" panose="02010600030101010101" pitchFamily="2" charset="-122"/>
+                        </a:rPr>
+                        <a:t>BP</a:t>
+                      </a:r>
+                      <a:r>
+                        <a:rPr lang="zh-CN" altLang="en-US" sz="1200" b="0">
+                          <a:latin typeface="宋体" panose="02010600030101010101" pitchFamily="2" charset="-122"/>
+                          <a:ea typeface="宋体" panose="02010600030101010101" pitchFamily="2" charset="-122"/>
+                          <a:cs typeface="宋体" panose="02010600030101010101" pitchFamily="2" charset="-122"/>
+                        </a:rPr>
+                        <a:t>微调整个网络</a:t>
+                      </a:r>
+                      <a:endParaRPr lang="zh-CN" altLang="en-US" sz="1200" b="0">
+                        <a:latin typeface="宋体" panose="02010600030101010101" pitchFamily="2" charset="-122"/>
+                        <a:ea typeface="宋体" panose="02010600030101010101" pitchFamily="2" charset="-122"/>
+                        <a:cs typeface="宋体" panose="02010600030101010101" pitchFamily="2" charset="-122"/>
+                      </a:endParaRPr>
+                    </a:p>
+                  </a:txBody>
+                  <a:tcPr marL="0" marR="0" marT="63500" marB="63500" vert="horz" anchor="t">
+                    <a:lnL w="9525" cap="flat" cmpd="sng">
+                      <a:solidFill>
+                        <a:srgbClr val="000000"/>
+                      </a:solidFill>
+                      <a:prstDash val="solid"/>
+                      <a:headEnd type="none" w="med" len="med"/>
+                      <a:tailEnd type="none" w="med" len="med"/>
+                    </a:lnL>
+                    <a:lnR w="9525" cap="flat" cmpd="sng">
+                      <a:solidFill>
+                        <a:srgbClr val="000000"/>
+                      </a:solidFill>
+                      <a:prstDash val="solid"/>
+                      <a:headEnd type="none" w="med" len="med"/>
+                      <a:tailEnd type="none" w="med" len="med"/>
+                    </a:lnR>
+                    <a:lnT w="12700" cap="flat" cmpd="sng">
+                      <a:solidFill>
+                        <a:srgbClr val="080000"/>
+                      </a:solidFill>
+                      <a:prstDash val="solid"/>
+                      <a:headEnd type="none" w="med" len="med"/>
+                      <a:tailEnd type="none" w="med" len="med"/>
+                    </a:lnT>
+                    <a:lnB w="12700" cap="flat" cmpd="sng">
+                      <a:solidFill>
+                        <a:srgbClr val="080000"/>
+                      </a:solidFill>
+                      <a:prstDash val="solid"/>
+                      <a:headEnd type="none" w="med" len="med"/>
+                      <a:tailEnd type="none" w="med" len="med"/>
+                    </a:lnB>
+                    <a:lnTlToBr>
+                      <a:noFill/>
+                    </a:lnTlToBr>
+                    <a:lnBlToTr>
+                      <a:noFill/>
+                    </a:lnBlToTr>
+                    <a:noFill/>
+                  </a:tcPr>
+                </a:tc>
+                <a:tc>
+                  <a:txBody>
+                    <a:bodyPr/>
+                    <a:p>
+                      <a:pPr indent="0">
+                        <a:buNone/>
+                      </a:pPr>
+                      <a:r>
+                        <a:rPr lang="en-US" altLang="zh-CN" sz="1200" b="0">
+                          <a:latin typeface="宋体" panose="02010600030101010101" pitchFamily="2" charset="-122"/>
+                          <a:ea typeface="宋体" panose="02010600030101010101" pitchFamily="2" charset="-122"/>
+                          <a:cs typeface="宋体" panose="02010600030101010101" pitchFamily="2" charset="-122"/>
+                        </a:rPr>
+                        <a:t>ICM</a:t>
+                      </a:r>
+                      <a:r>
+                        <a:rPr lang="zh-CN" altLang="en-US" sz="1200" b="0">
+                          <a:latin typeface="宋体" panose="02010600030101010101" pitchFamily="2" charset="-122"/>
+                          <a:ea typeface="宋体" panose="02010600030101010101" pitchFamily="2" charset="-122"/>
+                          <a:cs typeface="宋体" panose="02010600030101010101" pitchFamily="2" charset="-122"/>
+                        </a:rPr>
+                        <a:t>的分类准确率高达</a:t>
+                      </a:r>
+                      <a:r>
+                        <a:rPr lang="en-US" altLang="zh-CN" sz="1200" b="0">
+                          <a:latin typeface="宋体" panose="02010600030101010101" pitchFamily="2" charset="-122"/>
+                          <a:ea typeface="宋体" panose="02010600030101010101" pitchFamily="2" charset="-122"/>
+                          <a:cs typeface="宋体" panose="02010600030101010101" pitchFamily="2" charset="-122"/>
+                        </a:rPr>
+                        <a:t>88%,</a:t>
+                      </a:r>
+                      <a:r>
+                        <a:rPr lang="zh-CN" altLang="en-US" sz="1200" b="0">
+                          <a:latin typeface="宋体" panose="02010600030101010101" pitchFamily="2" charset="-122"/>
+                          <a:ea typeface="宋体" panose="02010600030101010101" pitchFamily="2" charset="-122"/>
+                          <a:cs typeface="宋体" panose="02010600030101010101" pitchFamily="2" charset="-122"/>
+                        </a:rPr>
+                        <a:t>明显高于其他未将数据进行特征学习的浅层分类器</a:t>
+                      </a:r>
+                      <a:r>
+                        <a:rPr lang="en-US" altLang="zh-CN" sz="1200" b="0">
+                          <a:latin typeface="宋体" panose="02010600030101010101" pitchFamily="2" charset="-122"/>
+                          <a:ea typeface="宋体" panose="02010600030101010101" pitchFamily="2" charset="-122"/>
+                          <a:cs typeface="宋体" panose="02010600030101010101" pitchFamily="2" charset="-122"/>
+                        </a:rPr>
+                        <a:t>,</a:t>
+                      </a:r>
+                      <a:r>
+                        <a:rPr lang="zh-CN" altLang="en-US" sz="1200" b="0">
+                          <a:latin typeface="宋体" panose="02010600030101010101" pitchFamily="2" charset="-122"/>
+                          <a:ea typeface="宋体" panose="02010600030101010101" pitchFamily="2" charset="-122"/>
+                          <a:cs typeface="宋体" panose="02010600030101010101" pitchFamily="2" charset="-122"/>
+                        </a:rPr>
+                        <a:t>证明了</a:t>
+                      </a:r>
+                      <a:r>
+                        <a:rPr lang="en-US" altLang="zh-CN" sz="1200" b="0">
+                          <a:latin typeface="宋体" panose="02010600030101010101" pitchFamily="2" charset="-122"/>
+                          <a:ea typeface="宋体" panose="02010600030101010101" pitchFamily="2" charset="-122"/>
+                          <a:cs typeface="宋体" panose="02010600030101010101" pitchFamily="2" charset="-122"/>
+                        </a:rPr>
+                        <a:t>ICM</a:t>
+                      </a:r>
+                      <a:r>
+                        <a:rPr lang="zh-CN" altLang="en-US" sz="1200" b="0">
+                          <a:latin typeface="宋体" panose="02010600030101010101" pitchFamily="2" charset="-122"/>
+                          <a:ea typeface="宋体" panose="02010600030101010101" pitchFamily="2" charset="-122"/>
+                          <a:cs typeface="宋体" panose="02010600030101010101" pitchFamily="2" charset="-122"/>
+                        </a:rPr>
+                        <a:t>具有较好的增量自学习能力和层次认知能力。 </a:t>
+                      </a:r>
+                      <a:endParaRPr lang="zh-CN" altLang="en-US" sz="1200" b="0">
+                        <a:latin typeface="宋体" panose="02010600030101010101" pitchFamily="2" charset="-122"/>
+                        <a:ea typeface="宋体" panose="02010600030101010101" pitchFamily="2" charset="-122"/>
+                        <a:cs typeface="宋体" panose="02010600030101010101" pitchFamily="2" charset="-122"/>
+                      </a:endParaRPr>
+                    </a:p>
+                  </a:txBody>
+                  <a:tcPr marL="0" marR="0" marT="63500" marB="63500" vert="horz" anchor="t">
+                    <a:lnL w="9525" cap="flat" cmpd="sng">
+                      <a:solidFill>
+                        <a:srgbClr val="000000"/>
+                      </a:solidFill>
+                      <a:prstDash val="solid"/>
+                      <a:headEnd type="none" w="med" len="med"/>
+                      <a:tailEnd type="none" w="med" len="med"/>
+                    </a:lnL>
+                    <a:lnR w="9525" cap="flat" cmpd="sng">
+                      <a:solidFill>
+                        <a:srgbClr val="000000"/>
+                      </a:solidFill>
+                      <a:prstDash val="solid"/>
+                      <a:headEnd type="none" w="med" len="med"/>
+                      <a:tailEnd type="none" w="med" len="med"/>
+                    </a:lnR>
+                    <a:lnT w="12700" cap="flat" cmpd="sng">
+                      <a:solidFill>
+                        <a:srgbClr val="080000"/>
+                      </a:solidFill>
+                      <a:prstDash val="solid"/>
+                      <a:headEnd type="none" w="med" len="med"/>
+                      <a:tailEnd type="none" w="med" len="med"/>
+                    </a:lnT>
+                    <a:lnB w="12700" cap="flat" cmpd="sng">
+                      <a:solidFill>
+                        <a:srgbClr val="080000"/>
+                      </a:solidFill>
+                      <a:prstDash val="solid"/>
+                      <a:headEnd type="none" w="med" len="med"/>
+                      <a:tailEnd type="none" w="med" len="med"/>
+                    </a:lnB>
+                    <a:lnTlToBr>
+                      <a:noFill/>
+                    </a:lnTlToBr>
+                    <a:lnBlToTr>
+                      <a:noFill/>
+                    </a:lnBlToTr>
+                    <a:noFill/>
+                  </a:tcPr>
+                </a:tc>
+              </a:tr>
+            </a:tbl>
+          </a:graphicData>
+        </a:graphic>
+      </p:graphicFrame>
+    </p:spTree>
+  </p:cSld>
+  <p:clrMapOvr>
+    <a:masterClrMapping/>
+  </p:clrMapOvr>
+</p:sld>
+</file>
+
+<file path=ppt/slides/slide4.xml><?xml version="1.0" encoding="utf-8"?>
+<p:sld xmlns:a="http://schemas.openxmlformats.org/drawingml/2006/main" xmlns:r="http://schemas.openxmlformats.org/officeDocument/2006/relationships" xmlns:p="http://schemas.openxmlformats.org/presentationml/2006/main">
+  <p:cSld>
+    <p:spTree>
+      <p:nvGrpSpPr>
+        <p:cNvPr id="1" name=""/>
+        <p:cNvGrpSpPr/>
+        <p:nvPr/>
+      </p:nvGrpSpPr>
+      <p:grpSpPr/>
+      <p:sp>
+        <p:nvSpPr>
+          <p:cNvPr id="2" name="标题 1"/>
+          <p:cNvSpPr>
+            <a:spLocks noGrp="1"/>
+          </p:cNvSpPr>
+          <p:nvPr>
+            <p:ph type="title"/>
+          </p:nvPr>
+        </p:nvSpPr>
+        <p:spPr/>
+        <p:txBody>
+          <a:bodyPr/>
+          <a:p>
+            <a:r>
+              <a:rPr lang="zh-CN" altLang="en-US"/>
+              <a:t>相关行业产品需求、销量</a:t>
+            </a:r>
+            <a:endParaRPr lang="zh-CN" altLang="en-US"/>
+          </a:p>
+        </p:txBody>
+      </p:sp>
+      <p:sp>
+        <p:nvSpPr>
+          <p:cNvPr id="3" name="内容占位符 2"/>
+          <p:cNvSpPr>
+            <a:spLocks noGrp="1"/>
+          </p:cNvSpPr>
+          <p:nvPr>
+            <p:ph idx="1"/>
+          </p:nvPr>
+        </p:nvSpPr>
+        <p:spPr/>
+        <p:txBody>
+          <a:bodyPr/>
+          <a:p>
+            <a:r>
+              <a:rPr lang="zh-CN" altLang="en-US"/>
+              <a:t>涉及行业：</a:t>
+            </a:r>
+            <a:endParaRPr lang="zh-CN" altLang="en-US"/>
+          </a:p>
+          <a:p>
+            <a:r>
+              <a:rPr lang="zh-CN" altLang="en-US"/>
+              <a:t>文化产业（电影、游戏和唱片等）、电信业、汽车工业、农业</a:t>
+            </a:r>
+            <a:endParaRPr lang="zh-CN" altLang="en-US"/>
+          </a:p>
+          <a:p>
+            <a:endParaRPr lang="zh-CN" altLang="en-US"/>
+          </a:p>
+          <a:p>
+            <a:r>
+              <a:rPr lang="zh-CN" altLang="en-US"/>
+              <a:t>研究路线：</a:t>
+            </a:r>
+            <a:endParaRPr lang="zh-CN" altLang="en-US"/>
+          </a:p>
+          <a:p>
+            <a:r>
+              <a:rPr lang="zh-CN" altLang="en-US"/>
+              <a:t>搜索大数据</a:t>
+            </a:r>
+            <a:r>
+              <a:rPr lang="en-US" altLang="zh-CN"/>
+              <a:t>--</a:t>
+            </a:r>
+            <a:r>
+              <a:rPr lang="zh-CN" altLang="en-US"/>
+              <a:t>行业、产品相关关键词，得出搜索指数，加入传统统计、经济学模型，</a:t>
+            </a:r>
+            <a:r>
+              <a:rPr lang="en-US" altLang="zh-CN"/>
+              <a:t>--</a:t>
+            </a:r>
+            <a:r>
+              <a:rPr lang="zh-CN" altLang="en-US"/>
+              <a:t>消费者在</a:t>
+            </a:r>
+            <a:r>
+              <a:rPr lang="en-US" altLang="zh-CN"/>
+              <a:t>需求准备期</a:t>
+            </a:r>
+            <a:r>
+              <a:rPr lang="zh-CN" altLang="en-US"/>
+              <a:t>的信息获取</a:t>
+            </a:r>
+            <a:endParaRPr lang="zh-CN" altLang="en-US"/>
+          </a:p>
+          <a:p>
+            <a:r>
+              <a:rPr lang="zh-CN" altLang="en-US"/>
+              <a:t>社交媒体大数据</a:t>
+            </a:r>
+            <a:r>
+              <a:rPr lang="en-US" altLang="zh-CN"/>
+              <a:t>--</a:t>
+            </a:r>
+            <a:r>
+              <a:rPr lang="zh-CN" altLang="en-US">
+                <a:sym typeface="+mn-ea"/>
+              </a:rPr>
+              <a:t>行业、产品相关评价，来源于电商或评价网站</a:t>
+            </a:r>
+            <a:r>
+              <a:rPr lang="en-US" altLang="zh-CN">
+                <a:sym typeface="+mn-ea"/>
+              </a:rPr>
+              <a:t>--</a:t>
+            </a:r>
+            <a:r>
+              <a:rPr lang="zh-CN" altLang="en-US">
+                <a:sym typeface="+mn-ea"/>
+              </a:rPr>
+              <a:t>捕捉相关情绪</a:t>
+            </a:r>
+            <a:endParaRPr lang="zh-CN" altLang="en-US">
+              <a:sym typeface="+mn-ea"/>
+            </a:endParaRPr>
+          </a:p>
+          <a:p>
+            <a:r>
+              <a:rPr lang="zh-CN" altLang="en-US"/>
+              <a:t>电商大数据、工业大数据</a:t>
+            </a:r>
+            <a:r>
+              <a:rPr lang="en-US" altLang="zh-CN"/>
+              <a:t>--</a:t>
+            </a:r>
+            <a:r>
+              <a:rPr lang="zh-CN" altLang="en-US"/>
+              <a:t>直接利用前期销量</a:t>
+            </a:r>
+            <a:endParaRPr lang="zh-CN" altLang="en-US"/>
+          </a:p>
+        </p:txBody>
+      </p:sp>
+    </p:spTree>
+  </p:cSld>
+  <p:clrMapOvr>
+    <a:masterClrMapping/>
+  </p:clrMapOvr>
+</p:sld>
+</file>
+
+<file path=ppt/slides/slide5.xml><?xml version="1.0" encoding="utf-8"?>
+<p:sld xmlns:a="http://schemas.openxmlformats.org/drawingml/2006/main" xmlns:r="http://schemas.openxmlformats.org/officeDocument/2006/relationships" xmlns:p="http://schemas.openxmlformats.org/presentationml/2006/main">
+  <p:cSld>
+    <p:spTree>
+      <p:nvGrpSpPr>
+        <p:cNvPr id="1" name=""/>
+        <p:cNvGrpSpPr/>
+        <p:nvPr/>
+      </p:nvGrpSpPr>
+      <p:grpSpPr/>
+      <p:sp>
+        <p:nvSpPr>
+          <p:cNvPr id="2" name="标题 1"/>
+          <p:cNvSpPr>
+            <a:spLocks noGrp="1"/>
+          </p:cNvSpPr>
+          <p:nvPr>
+            <p:ph type="title"/>
+          </p:nvPr>
+        </p:nvSpPr>
+        <p:spPr/>
+        <p:txBody>
+          <a:bodyPr/>
+          <a:p>
+            <a:r>
+              <a:rPr lang="zh-CN" altLang="en-US"/>
+              <a:t>相关行业产品价格</a:t>
+            </a:r>
+            <a:endParaRPr lang="zh-CN" altLang="en-US"/>
+          </a:p>
+        </p:txBody>
+      </p:sp>
+      <p:sp>
+        <p:nvSpPr>
+          <p:cNvPr id="6" name="内容占位符 5"/>
+          <p:cNvSpPr/>
+          <p:nvPr>
+            <p:ph idx="1"/>
+          </p:nvPr>
+        </p:nvSpPr>
+        <p:spPr>
+          <a:xfrm>
+            <a:off x="838200" y="1825625"/>
+            <a:ext cx="10515600" cy="4798695"/>
+          </a:xfrm>
+        </p:spPr>
+        <p:txBody>
+          <a:bodyPr>
+            <a:normAutofit lnSpcReduction="20000"/>
+          </a:bodyPr>
+          <a:p>
+            <a:r>
+              <a:rPr lang="zh-CN" altLang="en-US">
+                <a:sym typeface="+mn-ea"/>
+              </a:rPr>
+              <a:t>房地产行业得到了充分的关注。</a:t>
+            </a:r>
+            <a:endParaRPr lang="zh-CN" altLang="en-US">
+              <a:sym typeface="+mn-ea"/>
+            </a:endParaRPr>
+          </a:p>
+          <a:p>
+            <a:r>
+              <a:rPr lang="zh-CN" altLang="en-US">
+                <a:sym typeface="+mn-ea"/>
+              </a:rPr>
+              <a:t>不少学者检验了搜索大数据与房地产价格指数的关系，并使用搜索大数据预测中国各大城市的二手房价格和新房价格，取得了较好的拟合和预测效果，并具有时效性。</a:t>
+            </a:r>
+            <a:endParaRPr lang="zh-CN" altLang="en-US">
+              <a:sym typeface="+mn-ea"/>
+            </a:endParaRPr>
+          </a:p>
+          <a:p>
+            <a:r>
+              <a:rPr lang="zh-CN" altLang="en-US">
+                <a:sym typeface="+mn-ea"/>
+              </a:rPr>
+              <a:t>例如董倩（2014）以北京、上海、广州、南京、沈阳和西安 6 个大中 城市的二手房价格和新房价格为研究对象,以百度搜索指数为数据基础,首先选出了对价格变动影响最大的关键词;</a:t>
+            </a:r>
+            <a:endParaRPr lang="zh-CN" altLang="en-US">
+              <a:sym typeface="+mn-ea"/>
+            </a:endParaRPr>
+          </a:p>
+          <a:p>
+            <a:r>
+              <a:rPr lang="zh-CN" altLang="en-US">
+                <a:sym typeface="+mn-ea"/>
+              </a:rPr>
+              <a:t>然后采用交叉验证技术,运用随机森林等 8 种模型进行预测，最终在 成功地预测了 6 个城市的价格指数。月度结果比官方数据发布提前约两周。</a:t>
+            </a:r>
+            <a:endParaRPr lang="zh-CN" altLang="en-US">
+              <a:sym typeface="+mn-ea"/>
+            </a:endParaRPr>
+          </a:p>
+          <a:p>
+            <a:r>
+              <a:rPr lang="zh-CN" altLang="en-US">
+                <a:sym typeface="+mn-ea"/>
+              </a:rPr>
+              <a:t>总结相关研究发现，其主要采用搜索指数的方法。</a:t>
+            </a:r>
+            <a:endParaRPr lang="zh-CN" altLang="en-US">
+              <a:sym typeface="+mn-ea"/>
+            </a:endParaRPr>
+          </a:p>
+          <a:p>
+            <a:endParaRPr lang="zh-CN" altLang="en-US"/>
+          </a:p>
+        </p:txBody>
+      </p:sp>
+    </p:spTree>
+  </p:cSld>
+  <p:clrMapOvr>
+    <a:masterClrMapping/>
+  </p:clrMapOvr>
+</p:sld>
+</file>
+
+<file path=ppt/slides/slide6.xml><?xml version="1.0" encoding="utf-8"?>
+<p:sld xmlns:a="http://schemas.openxmlformats.org/drawingml/2006/main" xmlns:r="http://schemas.openxmlformats.org/officeDocument/2006/relationships" xmlns:p="http://schemas.openxmlformats.org/presentationml/2006/main">
+  <p:cSld>
+    <p:spTree>
+      <p:nvGrpSpPr>
+        <p:cNvPr id="1" name=""/>
+        <p:cNvGrpSpPr/>
+        <p:nvPr/>
+      </p:nvGrpSpPr>
+      <p:grpSpPr/>
+      <p:sp>
+        <p:nvSpPr>
+          <p:cNvPr id="2" name="标题 1"/>
+          <p:cNvSpPr>
+            <a:spLocks noGrp="1"/>
+          </p:cNvSpPr>
+          <p:nvPr>
+            <p:ph type="title"/>
+          </p:nvPr>
+        </p:nvSpPr>
+        <p:spPr/>
+        <p:txBody>
+          <a:bodyPr/>
+          <a:p>
+            <a:r>
+              <a:rPr lang="zh-CN" altLang="en-US"/>
+              <a:t>相关行业产品价格</a:t>
+            </a:r>
+            <a:endParaRPr lang="zh-CN" altLang="en-US"/>
+          </a:p>
+        </p:txBody>
+      </p:sp>
+      <p:pic>
+        <p:nvPicPr>
+          <p:cNvPr id="4" name="内容占位符 3"/>
+          <p:cNvPicPr>
+            <a:picLocks noChangeAspect="1"/>
+          </p:cNvPicPr>
+          <p:nvPr>
+            <p:ph idx="1"/>
+          </p:nvPr>
+        </p:nvPicPr>
+        <p:blipFill>
+          <a:blip r:embed="rId1"/>
+          <a:stretch>
+            <a:fillRect/>
+          </a:stretch>
+        </p:blipFill>
+        <p:spPr>
+          <a:xfrm>
+            <a:off x="586740" y="1455420"/>
+            <a:ext cx="6021070" cy="5110480"/>
+          </a:xfrm>
+          <a:prstGeom prst="rect">
+            <a:avLst/>
+          </a:prstGeom>
+        </p:spPr>
+      </p:pic>
+      <p:pic>
+        <p:nvPicPr>
+          <p:cNvPr id="5" name="图片 4"/>
+          <p:cNvPicPr>
+            <a:picLocks noChangeAspect="1"/>
+          </p:cNvPicPr>
+          <p:nvPr/>
+        </p:nvPicPr>
+        <p:blipFill>
+          <a:blip r:embed="rId2"/>
+          <a:stretch>
+            <a:fillRect/>
+          </a:stretch>
+        </p:blipFill>
+        <p:spPr>
+          <a:xfrm>
+            <a:off x="6449060" y="1337310"/>
+            <a:ext cx="4904740" cy="5228590"/>
+          </a:xfrm>
+          <a:prstGeom prst="rect">
+            <a:avLst/>
+          </a:prstGeom>
+        </p:spPr>
+      </p:pic>
+    </p:spTree>
+  </p:cSld>
+  <p:clrMapOvr>
+    <a:masterClrMapping/>
+  </p:clrMapOvr>
+</p:sld>
+</file>
+
+<file path=ppt/slides/slide7.xml><?xml version="1.0" encoding="utf-8"?>
+<p:sld xmlns:a="http://schemas.openxmlformats.org/drawingml/2006/main" xmlns:r="http://schemas.openxmlformats.org/officeDocument/2006/relationships" xmlns:p="http://schemas.openxmlformats.org/presentationml/2006/main">
+  <p:cSld>
+    <p:spTree>
+      <p:nvGrpSpPr>
+        <p:cNvPr id="1" name=""/>
+        <p:cNvGrpSpPr/>
+        <p:nvPr/>
+      </p:nvGrpSpPr>
+      <p:grpSpPr/>
+      <p:sp>
+        <p:nvSpPr>
+          <p:cNvPr id="2" name="标题 1"/>
+          <p:cNvSpPr>
+            <a:spLocks noGrp="1"/>
+          </p:cNvSpPr>
+          <p:nvPr>
+            <p:ph type="title"/>
+          </p:nvPr>
+        </p:nvSpPr>
+        <p:spPr/>
+        <p:txBody>
+          <a:bodyPr/>
+          <a:p>
+            <a:r>
+              <a:rPr lang="zh-CN" altLang="en-US"/>
+              <a:t>资源能源需求预测</a:t>
+            </a:r>
+            <a:endParaRPr lang="zh-CN" altLang="en-US"/>
+          </a:p>
+        </p:txBody>
+      </p:sp>
+      <p:sp>
+        <p:nvSpPr>
+          <p:cNvPr id="3" name="内容占位符 2"/>
+          <p:cNvSpPr/>
+          <p:nvPr>
+            <p:ph idx="1"/>
+          </p:nvPr>
+        </p:nvSpPr>
+        <p:spPr/>
+        <p:txBody>
+          <a:bodyPr/>
+          <a:p>
+            <a:r>
+              <a:rPr lang="zh-CN" altLang="en-US">
+                <a:sym typeface="+mn-ea"/>
+              </a:rPr>
+              <a:t>资源能源的需求和价格往往区别于其他相关行业产品需求和价格，并且也是我们直接关心的对象。</a:t>
+            </a:r>
+            <a:endParaRPr lang="zh-CN" altLang="en-US">
+              <a:sym typeface="+mn-ea"/>
+            </a:endParaRPr>
+          </a:p>
+          <a:p>
+            <a:r>
+              <a:rPr lang="zh-CN" altLang="en-US">
+                <a:sym typeface="+mn-ea"/>
+              </a:rPr>
+              <a:t>国内的一些研究集中在构建大数据在电力需求侧的应用模型，解决电力大数据在数据采集、传输、存储以及分析上的总体框架设计，如上图所示的一种模型。</a:t>
+            </a:r>
+            <a:endParaRPr lang="zh-CN" altLang="en-US">
+              <a:sym typeface="+mn-ea"/>
+            </a:endParaRPr>
+          </a:p>
+          <a:p>
+            <a:r>
+              <a:rPr lang="zh-CN" altLang="en-US">
+                <a:sym typeface="+mn-ea"/>
+              </a:rPr>
+              <a:t>国外的研究也提供了类似的设计，并且进一步提出了基于map/reduce的线性回归等模型，以前期电力消费数据预测能源的消费与需求，测试效果显示预测与真实值十分接近，并且在速度上有优势。</a:t>
+            </a:r>
+            <a:endParaRPr lang="zh-CN" altLang="en-US"/>
+          </a:p>
+        </p:txBody>
+      </p:sp>
+    </p:spTree>
+  </p:cSld>
+  <p:clrMapOvr>
+    <a:masterClrMapping/>
+  </p:clrMapOvr>
+</p:sld>
+</file>
+
+<file path=ppt/slides/slide8.xml><?xml version="1.0" encoding="utf-8"?>
+<p:sld xmlns:a="http://schemas.openxmlformats.org/drawingml/2006/main" xmlns:r="http://schemas.openxmlformats.org/officeDocument/2006/relationships" xmlns:p="http://schemas.openxmlformats.org/presentationml/2006/main">
+  <p:cSld>
+    <p:spTree>
+      <p:nvGrpSpPr>
+        <p:cNvPr id="1" name=""/>
+        <p:cNvGrpSpPr/>
+        <p:nvPr/>
+      </p:nvGrpSpPr>
+      <p:grpSpPr/>
+      <p:sp>
+        <p:nvSpPr>
+          <p:cNvPr id="2" name="标题 1"/>
+          <p:cNvSpPr>
+            <a:spLocks noGrp="1"/>
+          </p:cNvSpPr>
+          <p:nvPr>
+            <p:ph type="title"/>
+          </p:nvPr>
+        </p:nvSpPr>
+        <p:spPr/>
+        <p:txBody>
+          <a:bodyPr/>
+          <a:p>
+            <a:r>
+              <a:rPr lang="zh-CN" altLang="en-US"/>
+              <a:t>资源能源需求预测</a:t>
+            </a:r>
+            <a:endParaRPr lang="zh-CN" altLang="en-US"/>
+          </a:p>
+        </p:txBody>
+      </p:sp>
+      <p:pic>
+        <p:nvPicPr>
+          <p:cNvPr id="4" name="图片 1"/>
+          <p:cNvPicPr>
+            <a:picLocks noChangeAspect="1"/>
+          </p:cNvPicPr>
+          <p:nvPr>
+            <p:ph idx="1"/>
+          </p:nvPr>
+        </p:nvPicPr>
+        <p:blipFill>
+          <a:blip r:embed="rId1"/>
+          <a:stretch>
+            <a:fillRect/>
+          </a:stretch>
+        </p:blipFill>
+        <p:spPr>
+          <a:xfrm>
+            <a:off x="1306195" y="2112645"/>
+            <a:ext cx="9579610" cy="4058285"/>
+          </a:xfrm>
+          <a:prstGeom prst="rect">
+            <a:avLst/>
+          </a:prstGeom>
+          <a:noFill/>
+          <a:ln w="9525">
+            <a:noFill/>
+          </a:ln>
+        </p:spPr>
+      </p:pic>
+    </p:spTree>
+  </p:cSld>
+  <p:clrMapOvr>
+    <a:masterClrMapping/>
+  </p:clrMapOvr>
+</p:sld>
+</file>
+
+<file path=ppt/slides/slide9.xml><?xml version="1.0" encoding="utf-8"?>
+<p:sld xmlns:a="http://schemas.openxmlformats.org/drawingml/2006/main" xmlns:r="http://schemas.openxmlformats.org/officeDocument/2006/relationships" xmlns:p="http://schemas.openxmlformats.org/presentationml/2006/main">
+  <p:cSld>
+    <p:spTree>
+      <p:nvGrpSpPr>
+        <p:cNvPr id="1" name=""/>
+        <p:cNvGrpSpPr/>
+        <p:nvPr/>
+      </p:nvGrpSpPr>
+      <p:grpSpPr/>
+      <p:sp>
+        <p:nvSpPr>
+          <p:cNvPr id="2" name="标题 1"/>
+          <p:cNvSpPr>
+            <a:spLocks noGrp="1"/>
+          </p:cNvSpPr>
+          <p:nvPr>
+            <p:ph type="title"/>
+          </p:nvPr>
+        </p:nvSpPr>
+        <p:spPr/>
+        <p:txBody>
+          <a:bodyPr/>
+          <a:p>
+            <a:r>
+              <a:rPr lang="zh-CN" altLang="en-US"/>
+              <a:t>资源能源价格预测</a:t>
+            </a:r>
+            <a:endParaRPr lang="zh-CN" altLang="en-US"/>
+          </a:p>
+        </p:txBody>
+      </p:sp>
+      <p:sp>
+        <p:nvSpPr>
+          <p:cNvPr id="3" name="内容占位符 2"/>
+          <p:cNvSpPr/>
+          <p:nvPr>
+            <p:ph idx="1"/>
+          </p:nvPr>
+        </p:nvSpPr>
+        <p:spPr/>
+        <p:txBody>
+          <a:bodyPr/>
+          <a:p>
+            <a:r>
+              <a:rPr lang="zh-CN" altLang="en-US">
+                <a:sym typeface="+mn-ea"/>
+              </a:rPr>
+              <a:t>价格方面，不少研究进行了国际原油价格走势预测。主要采用新闻情感变化，或搜索数据</a:t>
+            </a:r>
+            <a:r>
+              <a:rPr lang="en-US" altLang="zh-CN">
+                <a:sym typeface="+mn-ea"/>
+              </a:rPr>
+              <a:t>--</a:t>
+            </a:r>
+            <a:r>
+              <a:rPr lang="zh-CN" altLang="en-US">
+                <a:sym typeface="+mn-ea"/>
+              </a:rPr>
+              <a:t>分析投资者关注度</a:t>
+            </a:r>
+            <a:r>
+              <a:rPr lang="en-US" altLang="zh-CN">
+                <a:sym typeface="+mn-ea"/>
+              </a:rPr>
+              <a:t>--</a:t>
+            </a:r>
+            <a:r>
+              <a:rPr lang="zh-CN" altLang="en-US">
+                <a:sym typeface="+mn-ea"/>
+              </a:rPr>
+              <a:t>预测油价。模型方面同样是采用机器学习的方法以及计量经济学的经典方法。在油价的预测方面使用传统数据已经有非常多经验，而实验也表明加入了大数据后确实带来了预测效果的提升。</a:t>
+            </a:r>
+            <a:endParaRPr lang="zh-CN" altLang="en-US">
+              <a:sym typeface="+mn-ea"/>
+            </a:endParaRPr>
+          </a:p>
+          <a:p>
+            <a:r>
+              <a:rPr lang="zh-CN" altLang="en-US">
+                <a:sym typeface="+mn-ea"/>
+              </a:rPr>
+              <a:t>在电力价格预测上，也有研究对以往的算法进行改进以更好利用电力大数据提高精确度。</a:t>
+            </a:r>
+            <a:endParaRPr lang="zh-CN" altLang="en-US"/>
+          </a:p>
+          <a:p>
+            <a:endParaRPr lang="zh-CN" altLang="en-US"/>
+          </a:p>
+        </p:txBody>
+      </p:sp>
     </p:spTree>
   </p:cSld>
   <p:clrMapOvr>
